--- a/sunum16Jan.pptx
+++ b/sunum16Jan.pptx
@@ -5,62 +5,45 @@
     <p:sldMasterId id="2147483648" r:id="rId1"/>
   </p:sldMasterIdLst>
   <p:notesMasterIdLst>
-    <p:notesMasterId r:id="rId55"/>
+    <p:notesMasterId r:id="rId38"/>
   </p:notesMasterIdLst>
   <p:sldIdLst>
-    <p:sldId id="257" r:id="rId2"/>
+    <p:sldId id="335" r:id="rId2"/>
     <p:sldId id="296" r:id="rId3"/>
     <p:sldId id="259" r:id="rId4"/>
     <p:sldId id="260" r:id="rId5"/>
-    <p:sldId id="261" r:id="rId6"/>
-    <p:sldId id="262" r:id="rId7"/>
-    <p:sldId id="263" r:id="rId8"/>
-    <p:sldId id="264" r:id="rId9"/>
-    <p:sldId id="265" r:id="rId10"/>
-    <p:sldId id="266" r:id="rId11"/>
-    <p:sldId id="267" r:id="rId12"/>
-    <p:sldId id="268" r:id="rId13"/>
-    <p:sldId id="272" r:id="rId14"/>
-    <p:sldId id="274" r:id="rId15"/>
-    <p:sldId id="275" r:id="rId16"/>
-    <p:sldId id="276" r:id="rId17"/>
-    <p:sldId id="298" r:id="rId18"/>
-    <p:sldId id="300" r:id="rId19"/>
-    <p:sldId id="280" r:id="rId20"/>
-    <p:sldId id="301" r:id="rId21"/>
-    <p:sldId id="302" r:id="rId22"/>
-    <p:sldId id="283" r:id="rId23"/>
-    <p:sldId id="284" r:id="rId24"/>
-    <p:sldId id="285" r:id="rId25"/>
-    <p:sldId id="286" r:id="rId26"/>
-    <p:sldId id="303" r:id="rId27"/>
-    <p:sldId id="304" r:id="rId28"/>
-    <p:sldId id="305" r:id="rId29"/>
-    <p:sldId id="306" r:id="rId30"/>
-    <p:sldId id="307" r:id="rId31"/>
-    <p:sldId id="308" r:id="rId32"/>
-    <p:sldId id="309" r:id="rId33"/>
-    <p:sldId id="310" r:id="rId34"/>
-    <p:sldId id="311" r:id="rId35"/>
-    <p:sldId id="312" r:id="rId36"/>
-    <p:sldId id="313" r:id="rId37"/>
-    <p:sldId id="314" r:id="rId38"/>
-    <p:sldId id="316" r:id="rId39"/>
-    <p:sldId id="334" r:id="rId40"/>
-    <p:sldId id="318" r:id="rId41"/>
-    <p:sldId id="319" r:id="rId42"/>
-    <p:sldId id="320" r:id="rId43"/>
-    <p:sldId id="321" r:id="rId44"/>
-    <p:sldId id="322" r:id="rId45"/>
-    <p:sldId id="323" r:id="rId46"/>
-    <p:sldId id="324" r:id="rId47"/>
-    <p:sldId id="325" r:id="rId48"/>
-    <p:sldId id="328" r:id="rId49"/>
-    <p:sldId id="329" r:id="rId50"/>
-    <p:sldId id="330" r:id="rId51"/>
-    <p:sldId id="332" r:id="rId52"/>
-    <p:sldId id="333" r:id="rId53"/>
-    <p:sldId id="295" r:id="rId54"/>
+    <p:sldId id="262" r:id="rId6"/>
+    <p:sldId id="263" r:id="rId7"/>
+    <p:sldId id="268" r:id="rId8"/>
+    <p:sldId id="272" r:id="rId9"/>
+    <p:sldId id="274" r:id="rId10"/>
+    <p:sldId id="276" r:id="rId11"/>
+    <p:sldId id="280" r:id="rId12"/>
+    <p:sldId id="285" r:id="rId13"/>
+    <p:sldId id="283" r:id="rId14"/>
+    <p:sldId id="303" r:id="rId15"/>
+    <p:sldId id="304" r:id="rId16"/>
+    <p:sldId id="307" r:id="rId17"/>
+    <p:sldId id="308" r:id="rId18"/>
+    <p:sldId id="309" r:id="rId19"/>
+    <p:sldId id="310" r:id="rId20"/>
+    <p:sldId id="311" r:id="rId21"/>
+    <p:sldId id="313" r:id="rId22"/>
+    <p:sldId id="314" r:id="rId23"/>
+    <p:sldId id="316" r:id="rId24"/>
+    <p:sldId id="334" r:id="rId25"/>
+    <p:sldId id="318" r:id="rId26"/>
+    <p:sldId id="319" r:id="rId27"/>
+    <p:sldId id="320" r:id="rId28"/>
+    <p:sldId id="321" r:id="rId29"/>
+    <p:sldId id="323" r:id="rId30"/>
+    <p:sldId id="324" r:id="rId31"/>
+    <p:sldId id="325" r:id="rId32"/>
+    <p:sldId id="328" r:id="rId33"/>
+    <p:sldId id="329" r:id="rId34"/>
+    <p:sldId id="330" r:id="rId35"/>
+    <p:sldId id="332" r:id="rId36"/>
+    <p:sldId id="336" r:id="rId37"/>
   </p:sldIdLst>
   <p:sldSz cx="9144000" cy="6858000" type="screen4x3"/>
   <p:notesSz cx="6858000" cy="9144000"/>
@@ -245,7 +228,7 @@
             <a:fld id="{412B4FB5-DB9C-408E-9DB4-4509C0792843}" type="datetimeFigureOut">
               <a:rPr lang="tr-TR" smtClean="0"/>
               <a:pPr/>
-              <a:t>15.01.2013</a:t>
+              <a:t>1/17/13</a:t>
             </a:fld>
             <a:endParaRPr lang="en-US" dirty="0"/>
           </a:p>
@@ -416,7 +399,7 @@
     </p:spTree>
     <p:extLst>
       <p:ext uri="{BB962C8B-B14F-4D97-AF65-F5344CB8AC3E}">
-        <p14:creationId xmlns:p14="http://schemas.microsoft.com/office/powerpoint/2010/main" xmlns="" val="1728728690"/>
+        <p14:creationId xmlns:p14="http://schemas.microsoft.com/office/powerpoint/2010/main" val="1728728690"/>
       </p:ext>
     </p:extLst>
   </p:cSld>
@@ -584,7 +567,7 @@
             <a:fld id="{A1EAFB59-DC4D-4EED-85F4-1C64D3038115}" type="slidenum">
               <a:rPr lang="en-US" smtClean="0"/>
               <a:pPr/>
-              <a:t>6</a:t>
+              <a:t>5</a:t>
             </a:fld>
             <a:endParaRPr lang="en-US" dirty="0"/>
           </a:p>
@@ -780,7 +763,7 @@
             <a:fld id="{34990BF1-3FBF-4FBC-A078-BCBD6928206A}" type="datetimeFigureOut">
               <a:rPr lang="tr-TR" smtClean="0"/>
               <a:pPr/>
-              <a:t>15.01.2013</a:t>
+              <a:t>1/17/13</a:t>
             </a:fld>
             <a:endParaRPr lang="en-US" dirty="0"/>
           </a:p>
@@ -947,7 +930,7 @@
             <a:fld id="{34990BF1-3FBF-4FBC-A078-BCBD6928206A}" type="datetimeFigureOut">
               <a:rPr lang="tr-TR" smtClean="0"/>
               <a:pPr/>
-              <a:t>15.01.2013</a:t>
+              <a:t>1/17/13</a:t>
             </a:fld>
             <a:endParaRPr lang="en-US" dirty="0"/>
           </a:p>
@@ -1124,7 +1107,7 @@
             <a:fld id="{34990BF1-3FBF-4FBC-A078-BCBD6928206A}" type="datetimeFigureOut">
               <a:rPr lang="tr-TR" smtClean="0"/>
               <a:pPr/>
-              <a:t>15.01.2013</a:t>
+              <a:t>1/17/13</a:t>
             </a:fld>
             <a:endParaRPr lang="en-US" dirty="0"/>
           </a:p>
@@ -1291,7 +1274,7 @@
             <a:fld id="{34990BF1-3FBF-4FBC-A078-BCBD6928206A}" type="datetimeFigureOut">
               <a:rPr lang="tr-TR" smtClean="0"/>
               <a:pPr/>
-              <a:t>15.01.2013</a:t>
+              <a:t>1/17/13</a:t>
             </a:fld>
             <a:endParaRPr lang="en-US" dirty="0"/>
           </a:p>
@@ -1534,7 +1517,7 @@
             <a:fld id="{34990BF1-3FBF-4FBC-A078-BCBD6928206A}" type="datetimeFigureOut">
               <a:rPr lang="tr-TR" smtClean="0"/>
               <a:pPr/>
-              <a:t>15.01.2013</a:t>
+              <a:t>1/17/13</a:t>
             </a:fld>
             <a:endParaRPr lang="en-US" dirty="0"/>
           </a:p>
@@ -1819,7 +1802,7 @@
             <a:fld id="{34990BF1-3FBF-4FBC-A078-BCBD6928206A}" type="datetimeFigureOut">
               <a:rPr lang="tr-TR" smtClean="0"/>
               <a:pPr/>
-              <a:t>15.01.2013</a:t>
+              <a:t>1/17/13</a:t>
             </a:fld>
             <a:endParaRPr lang="en-US" dirty="0"/>
           </a:p>
@@ -2238,7 +2221,7 @@
             <a:fld id="{34990BF1-3FBF-4FBC-A078-BCBD6928206A}" type="datetimeFigureOut">
               <a:rPr lang="tr-TR" smtClean="0"/>
               <a:pPr/>
-              <a:t>15.01.2013</a:t>
+              <a:t>1/17/13</a:t>
             </a:fld>
             <a:endParaRPr lang="en-US" dirty="0"/>
           </a:p>
@@ -2353,7 +2336,7 @@
             <a:fld id="{34990BF1-3FBF-4FBC-A078-BCBD6928206A}" type="datetimeFigureOut">
               <a:rPr lang="tr-TR" smtClean="0"/>
               <a:pPr/>
-              <a:t>15.01.2013</a:t>
+              <a:t>1/17/13</a:t>
             </a:fld>
             <a:endParaRPr lang="en-US" dirty="0"/>
           </a:p>
@@ -2445,7 +2428,7 @@
             <a:fld id="{34990BF1-3FBF-4FBC-A078-BCBD6928206A}" type="datetimeFigureOut">
               <a:rPr lang="tr-TR" smtClean="0"/>
               <a:pPr/>
-              <a:t>15.01.2013</a:t>
+              <a:t>1/17/13</a:t>
             </a:fld>
             <a:endParaRPr lang="en-US" dirty="0"/>
           </a:p>
@@ -2719,7 +2702,7 @@
             <a:fld id="{34990BF1-3FBF-4FBC-A078-BCBD6928206A}" type="datetimeFigureOut">
               <a:rPr lang="tr-TR" smtClean="0"/>
               <a:pPr/>
-              <a:t>15.01.2013</a:t>
+              <a:t>1/17/13</a:t>
             </a:fld>
             <a:endParaRPr lang="en-US" dirty="0"/>
           </a:p>
@@ -2969,7 +2952,7 @@
             <a:fld id="{34990BF1-3FBF-4FBC-A078-BCBD6928206A}" type="datetimeFigureOut">
               <a:rPr lang="tr-TR" smtClean="0"/>
               <a:pPr/>
-              <a:t>15.01.2013</a:t>
+              <a:t>1/17/13</a:t>
             </a:fld>
             <a:endParaRPr lang="en-US" dirty="0"/>
           </a:p>
@@ -3179,7 +3162,7 @@
             <a:fld id="{34990BF1-3FBF-4FBC-A078-BCBD6928206A}" type="datetimeFigureOut">
               <a:rPr lang="tr-TR" smtClean="0"/>
               <a:pPr/>
-              <a:t>15.01.2013</a:t>
+              <a:t>1/17/13</a:t>
             </a:fld>
             <a:endParaRPr lang="en-US" dirty="0"/>
           </a:p>
@@ -3740,7 +3723,37 @@
                 <a:latin typeface="+mj-lt"/>
                 <a:cs typeface="Times New Roman" pitchFamily="18" charset="0"/>
               </a:rPr>
-              <a:t>Final Presentation as of January 16, 2013</a:t>
+              <a:t>Thesis Presentation </a:t>
+            </a:r>
+            <a:r>
+              <a:rPr lang="en-US" sz="2400" noProof="0" dirty="0" smtClean="0">
+                <a:solidFill>
+                  <a:srgbClr val="515151"/>
+                </a:solidFill>
+                <a:latin typeface="+mj-lt"/>
+                <a:cs typeface="Times New Roman" pitchFamily="18" charset="0"/>
+              </a:rPr>
+              <a:t>as of January </a:t>
+            </a:r>
+            <a:r>
+              <a:rPr lang="en-US" sz="2400" noProof="0" dirty="0" smtClean="0">
+                <a:solidFill>
+                  <a:srgbClr val="515151"/>
+                </a:solidFill>
+                <a:latin typeface="+mj-lt"/>
+                <a:cs typeface="Times New Roman" pitchFamily="18" charset="0"/>
+              </a:rPr>
+              <a:t>18, </a:t>
+            </a:r>
+            <a:r>
+              <a:rPr lang="en-US" sz="2400" noProof="0" dirty="0" smtClean="0">
+                <a:solidFill>
+                  <a:srgbClr val="515151"/>
+                </a:solidFill>
+                <a:latin typeface="+mj-lt"/>
+                <a:cs typeface="Times New Roman" pitchFamily="18" charset="0"/>
+              </a:rPr>
+              <a:t>2013</a:t>
             </a:r>
             <a:endParaRPr lang="en-US" sz="2400" noProof="0" dirty="0">
               <a:solidFill>
@@ -3764,7 +3777,7 @@
           <a:blip r:embed="rId2" cstate="print">
             <a:extLst>
               <a:ext uri="{28A0092B-C50C-407E-A947-70E740481C1C}">
-                <a14:useLocalDpi xmlns:a14="http://schemas.microsoft.com/office/drawing/2010/main" xmlns="" val="0"/>
+                <a14:useLocalDpi xmlns:a14="http://schemas.microsoft.com/office/drawing/2010/main" val="0"/>
               </a:ext>
             </a:extLst>
           </a:blip>
@@ -3774,7 +3787,7 @@
         </p:blipFill>
         <p:spPr>
           <a:xfrm>
-            <a:off x="685800" y="388174"/>
+            <a:off x="3387924" y="404664"/>
             <a:ext cx="2624236" cy="1117449"/>
           </a:xfrm>
           <a:prstGeom prst="rect">
@@ -3782,61 +3795,6 @@
           </a:prstGeom>
         </p:spPr>
       </p:pic>
-      <p:pic>
-        <p:nvPicPr>
-          <p:cNvPr id="5" name="Picture 2"/>
-          <p:cNvPicPr>
-            <a:picLocks noChangeAspect="1" noChangeArrowheads="1"/>
-          </p:cNvPicPr>
-          <p:nvPr/>
-        </p:nvPicPr>
-        <p:blipFill>
-          <a:blip r:embed="rId3" cstate="print"/>
-          <a:srcRect/>
-          <a:stretch>
-            <a:fillRect/>
-          </a:stretch>
-        </p:blipFill>
-        <p:spPr bwMode="auto">
-          <a:xfrm>
-            <a:off x="6274256" y="297155"/>
-            <a:ext cx="2344621" cy="1208468"/>
-          </a:xfrm>
-          <a:prstGeom prst="rect">
-            <a:avLst/>
-          </a:prstGeom>
-          <a:noFill/>
-          <a:ln w="9525">
-            <a:noFill/>
-            <a:miter lim="800000"/>
-            <a:headEnd/>
-            <a:tailEnd/>
-          </a:ln>
-          <a:effectLst/>
-        </p:spPr>
-      </p:pic>
-      <p:pic>
-        <p:nvPicPr>
-          <p:cNvPr id="6" name="Picture 5" descr="TT_Grup_Küre2010-transparent_smaller.png"/>
-          <p:cNvPicPr/>
-          <p:nvPr/>
-        </p:nvPicPr>
-        <p:blipFill>
-          <a:blip r:embed="rId4" cstate="print"/>
-          <a:stretch>
-            <a:fillRect/>
-          </a:stretch>
-        </p:blipFill>
-        <p:spPr>
-          <a:xfrm>
-            <a:off x="4367212" y="388174"/>
-            <a:ext cx="1119188" cy="1117449"/>
-          </a:xfrm>
-          <a:prstGeom prst="rect">
-            <a:avLst/>
-          </a:prstGeom>
-        </p:spPr>
-      </p:pic>
       <p:sp>
         <p:nvSpPr>
           <p:cNvPr id="7" name="Slide Number Placeholder 6"/>
@@ -3864,7 +3822,7 @@
     </p:spTree>
     <p:extLst>
       <p:ext uri="{BB962C8B-B14F-4D97-AF65-F5344CB8AC3E}">
-        <p14:creationId xmlns:p14="http://schemas.microsoft.com/office/powerpoint/2010/main" xmlns="" val="145032901"/>
+        <p14:creationId xmlns:p14="http://schemas.microsoft.com/office/powerpoint/2010/main" val="3462100809"/>
       </p:ext>
     </p:extLst>
   </p:cSld>
@@ -3874,7 +3832,7 @@
   <p:timing>
     <p:tnLst>
       <p:par>
-        <p:cTn id="1" dur="indefinite" restart="never" nodeType="tmRoot"/>
+        <p:cTn xmlns:p14="http://schemas.microsoft.com/office/powerpoint/2010/main" id="1" dur="indefinite" restart="never" nodeType="tmRoot"/>
       </p:par>
     </p:tnLst>
   </p:timing>
@@ -3915,680 +3873,6 @@
           <a:p>
             <a:r>
               <a:rPr lang="en-US" noProof="0" smtClean="0"/>
-              <a:t>Alias Computation</a:t>
-            </a:r>
-            <a:endParaRPr lang="en-US" noProof="0"/>
-          </a:p>
-        </p:txBody>
-      </p:sp>
-      <p:sp>
-        <p:nvSpPr>
-          <p:cNvPr id="2055" name="Rectangle 7"/>
-          <p:cNvSpPr>
-            <a:spLocks noChangeArrowheads="1"/>
-          </p:cNvSpPr>
-          <p:nvPr/>
-        </p:nvSpPr>
-        <p:spPr bwMode="auto">
-          <a:xfrm>
-            <a:off x="0" y="0"/>
-            <a:ext cx="9144000" cy="0"/>
-          </a:xfrm>
-          <a:prstGeom prst="rect">
-            <a:avLst/>
-          </a:prstGeom>
-          <a:noFill/>
-          <a:ln w="9525">
-            <a:noFill/>
-            <a:miter lim="800000"/>
-            <a:headEnd/>
-            <a:tailEnd/>
-          </a:ln>
-          <a:effectLst/>
-        </p:spPr>
-        <p:txBody>
-          <a:bodyPr vert="horz" wrap="none" lIns="91440" tIns="45720" rIns="91440" bIns="45720" numCol="1" anchor="ctr" anchorCtr="0" compatLnSpc="1">
-            <a:prstTxWarp prst="textNoShape">
-              <a:avLst/>
-            </a:prstTxWarp>
-            <a:spAutoFit/>
-          </a:bodyPr>
-          <a:lstStyle/>
-          <a:p>
-            <a:endParaRPr lang="en-US" dirty="0"/>
-          </a:p>
-        </p:txBody>
-      </p:sp>
-      <p:sp>
-        <p:nvSpPr>
-          <p:cNvPr id="10" name="Content Placeholder 2"/>
-          <p:cNvSpPr>
-            <a:spLocks noGrp="1"/>
-          </p:cNvSpPr>
-          <p:nvPr>
-            <p:ph idx="1"/>
-          </p:nvPr>
-        </p:nvSpPr>
-        <p:spPr>
-          <a:xfrm>
-            <a:off x="500034" y="1214422"/>
-            <a:ext cx="8229600" cy="5214974"/>
-          </a:xfrm>
-        </p:spPr>
-        <p:txBody>
-          <a:bodyPr>
-            <a:normAutofit fontScale="92500"/>
-          </a:bodyPr>
-          <a:lstStyle/>
-          <a:p>
-            <a:r>
-              <a:rPr lang="en-US" noProof="0" smtClean="0"/>
-              <a:t>The serial number (SN) of the Connection Card, which is bought from an operator, will be used as a base for client’s aliases. An alias will be computed by performing the following operations.</a:t>
-            </a:r>
-          </a:p>
-          <a:p>
-            <a:pPr lvl="1"/>
-            <a:r>
-              <a:rPr lang="en-US" noProof="0" smtClean="0"/>
-              <a:t>Client picks a random 128-bit unsigned number called nonce</a:t>
-            </a:r>
-          </a:p>
-          <a:p>
-            <a:pPr lvl="1"/>
-            <a:r>
-              <a:rPr lang="en-US" noProof="0" smtClean="0"/>
-              <a:t>Client performs XOR operation  with  SN and Nonce and take their hash and use the output as the Alias.</a:t>
-            </a:r>
-          </a:p>
-          <a:p>
-            <a:pPr lvl="1"/>
-            <a:r>
-              <a:rPr lang="en-US" noProof="0" smtClean="0"/>
-              <a:t>Client will use this alias whenever her identity is required.</a:t>
-            </a:r>
-          </a:p>
-          <a:p>
-            <a:pPr lvl="1"/>
-            <a:endParaRPr lang="en-US" noProof="0" smtClean="0"/>
-          </a:p>
-          <a:p>
-            <a:pPr lvl="1"/>
-            <a:endParaRPr lang="en-US" noProof="0" smtClean="0"/>
-          </a:p>
-          <a:p>
-            <a:pPr lvl="1"/>
-            <a:endParaRPr lang="en-US" noProof="0" smtClean="0"/>
-          </a:p>
-          <a:p>
-            <a:pPr lvl="1"/>
-            <a:endParaRPr lang="en-US" noProof="0" smtClean="0"/>
-          </a:p>
-          <a:p>
-            <a:endParaRPr lang="en-US" noProof="0"/>
-          </a:p>
-        </p:txBody>
-      </p:sp>
-    </p:spTree>
-  </p:cSld>
-  <p:clrMapOvr>
-    <a:masterClrMapping/>
-  </p:clrMapOvr>
-  <p:timing>
-    <p:tnLst>
-      <p:par>
-        <p:cTn id="1" dur="indefinite" restart="never" nodeType="tmRoot"/>
-      </p:par>
-    </p:tnLst>
-  </p:timing>
-</p:sld>
-</file>
-
-<file path=ppt/slides/slide11.xml><?xml version="1.0" encoding="utf-8"?>
-<p:sld xmlns:a="http://schemas.openxmlformats.org/drawingml/2006/main" xmlns:r="http://schemas.openxmlformats.org/officeDocument/2006/relationships" xmlns:p="http://schemas.openxmlformats.org/presentationml/2006/main">
-  <p:cSld>
-    <p:spTree>
-      <p:nvGrpSpPr>
-        <p:cNvPr id="1" name=""/>
-        <p:cNvGrpSpPr/>
-        <p:nvPr/>
-      </p:nvGrpSpPr>
-      <p:grpSpPr>
-        <a:xfrm>
-          <a:off x="0" y="0"/>
-          <a:ext cx="0" cy="0"/>
-          <a:chOff x="0" y="0"/>
-          <a:chExt cx="0" cy="0"/>
-        </a:xfrm>
-      </p:grpSpPr>
-      <p:sp>
-        <p:nvSpPr>
-          <p:cNvPr id="2" name="Title 1"/>
-          <p:cNvSpPr>
-            <a:spLocks noGrp="1"/>
-          </p:cNvSpPr>
-          <p:nvPr>
-            <p:ph type="title"/>
-          </p:nvPr>
-        </p:nvSpPr>
-        <p:spPr/>
-        <p:txBody>
-          <a:bodyPr>
-            <a:normAutofit fontScale="90000"/>
-          </a:bodyPr>
-          <a:lstStyle/>
-          <a:p>
-            <a:r>
-              <a:rPr lang="en-US" noProof="0" smtClean="0"/>
-              <a:t>Initial Authorization and Reuse of a Connection Card</a:t>
-            </a:r>
-            <a:endParaRPr lang="en-US" noProof="0"/>
-          </a:p>
-        </p:txBody>
-      </p:sp>
-      <p:sp>
-        <p:nvSpPr>
-          <p:cNvPr id="3" name="Content Placeholder 2"/>
-          <p:cNvSpPr>
-            <a:spLocks noGrp="1"/>
-          </p:cNvSpPr>
-          <p:nvPr>
-            <p:ph idx="1"/>
-          </p:nvPr>
-        </p:nvSpPr>
-        <p:spPr/>
-        <p:txBody>
-          <a:bodyPr>
-            <a:normAutofit/>
-          </a:bodyPr>
-          <a:lstStyle/>
-          <a:p>
-            <a:r>
-              <a:rPr lang="en-US" noProof="0" smtClean="0"/>
-              <a:t>Initial Authorization is the beginning for system usage, clients authorize themselves to join the system.</a:t>
-            </a:r>
-          </a:p>
-          <a:p>
-            <a:r>
-              <a:rPr lang="en-US" noProof="0" smtClean="0"/>
-              <a:t>Reuse of a Connection Card (Reuse-CC)</a:t>
-            </a:r>
-            <a:r>
-              <a:rPr lang="en-US" i="1" noProof="0" smtClean="0"/>
-              <a:t> </a:t>
-            </a:r>
-            <a:r>
-              <a:rPr lang="en-US" noProof="0" smtClean="0"/>
-              <a:t>protocol allows the clients to connect using the remaining credits in a card.  </a:t>
-            </a:r>
-            <a:endParaRPr lang="en-US" noProof="0"/>
-          </a:p>
-        </p:txBody>
-      </p:sp>
-    </p:spTree>
-  </p:cSld>
-  <p:clrMapOvr>
-    <a:masterClrMapping/>
-  </p:clrMapOvr>
-  <p:timing>
-    <p:tnLst>
-      <p:par>
-        <p:cTn id="1" dur="indefinite" restart="never" nodeType="tmRoot"/>
-      </p:par>
-    </p:tnLst>
-  </p:timing>
-</p:sld>
-</file>
-
-<file path=ppt/slides/slide12.xml><?xml version="1.0" encoding="utf-8"?>
-<p:sld xmlns:a="http://schemas.openxmlformats.org/drawingml/2006/main" xmlns:r="http://schemas.openxmlformats.org/officeDocument/2006/relationships" xmlns:p="http://schemas.openxmlformats.org/presentationml/2006/main">
-  <p:cSld>
-    <p:spTree>
-      <p:nvGrpSpPr>
-        <p:cNvPr id="1" name=""/>
-        <p:cNvGrpSpPr/>
-        <p:nvPr/>
-      </p:nvGrpSpPr>
-      <p:grpSpPr>
-        <a:xfrm>
-          <a:off x="0" y="0"/>
-          <a:ext cx="0" cy="0"/>
-          <a:chOff x="0" y="0"/>
-          <a:chExt cx="0" cy="0"/>
-        </a:xfrm>
-      </p:grpSpPr>
-      <p:sp>
-        <p:nvSpPr>
-          <p:cNvPr id="2" name="Title 1"/>
-          <p:cNvSpPr>
-            <a:spLocks noGrp="1"/>
-          </p:cNvSpPr>
-          <p:nvPr>
-            <p:ph type="title"/>
-          </p:nvPr>
-        </p:nvSpPr>
-        <p:spPr/>
-        <p:txBody>
-          <a:bodyPr>
-            <a:normAutofit fontScale="90000"/>
-          </a:bodyPr>
-          <a:lstStyle/>
-          <a:p>
-            <a:r>
-              <a:rPr lang="en-US" noProof="0" smtClean="0"/>
-              <a:t>Initial Authorization and Reuse of a Connection Card</a:t>
-            </a:r>
-            <a:endParaRPr lang="en-US" noProof="0"/>
-          </a:p>
-        </p:txBody>
-      </p:sp>
-      <p:pic>
-        <p:nvPicPr>
-          <p:cNvPr id="4" name="Picture 3" descr="Macintosh HD:Users:canleloglu:Desktop:worddoc:thesisImages:protocolsInDetail:seqDiagram:pdf:initAuthReuse.pdf"/>
-          <p:cNvPicPr/>
-          <p:nvPr/>
-        </p:nvPicPr>
-        <p:blipFill>
-          <a:blip r:embed="rId2" cstate="print">
-            <a:extLst>
-              <a:ext uri="{28A0092B-C50C-407E-A947-70E740481C1C}">
-                <a14:useLocalDpi xmlns:ve="http://schemas.openxmlformats.org/markup-compatibility/2006" xmlns:m="http://schemas.openxmlformats.org/officeDocument/2006/math" xmlns:wp="http://schemas.openxmlformats.org/drawingml/2006/wordprocessingDrawing" xmlns:wne="http://schemas.microsoft.com/office/word/2006/wordml" xmlns:a14="http://schemas.microsoft.com/office/drawing/2010/main" xmlns:wps="http://schemas.microsoft.com/office/word/2010/wordprocessingShape" xmlns:wpi="http://schemas.microsoft.com/office/word/2010/wordprocessingInk" xmlns:wpg="http://schemas.microsoft.com/office/word/2010/wordprocessingGroup" xmlns:w14="http://schemas.microsoft.com/office/word/2010/wordml" xmlns:w="http://schemas.openxmlformats.org/wordprocessingml/2006/main" xmlns:w10="urn:schemas-microsoft-com:office:word" xmlns:wp14="http://schemas.microsoft.com/office/word/2010/wordprocessingDrawing" xmlns:v="urn:schemas-microsoft-com:vml" xmlns:o="urn:schemas-microsoft-com:office:office" xmlns:mv="urn:schemas-microsoft-com:mac:vml" xmlns:mc="http://schemas.openxmlformats.org/markup-compatibility/2006" xmlns:mo="http://schemas.microsoft.com/office/mac/office/2008/main" xmlns:wpc="http://schemas.microsoft.com/office/word/2010/wordprocessingCanvas" xmlns="" xmlns:pic="http://schemas.openxmlformats.org/drawingml/2006/picture" xmlns:lc="http://schemas.openxmlformats.org/drawingml/2006/lockedCanvas" val="0"/>
-              </a:ext>
-            </a:extLst>
-          </a:blip>
-          <a:srcRect/>
-          <a:stretch>
-            <a:fillRect/>
-          </a:stretch>
-        </p:blipFill>
-        <p:spPr bwMode="auto">
-          <a:xfrm>
-            <a:off x="1785918" y="1357298"/>
-            <a:ext cx="5151454" cy="5313694"/>
-          </a:xfrm>
-          <a:prstGeom prst="rect">
-            <a:avLst/>
-          </a:prstGeom>
-          <a:noFill/>
-          <a:ln>
-            <a:noFill/>
-          </a:ln>
-        </p:spPr>
-      </p:pic>
-    </p:spTree>
-  </p:cSld>
-  <p:clrMapOvr>
-    <a:masterClrMapping/>
-  </p:clrMapOvr>
-  <p:timing>
-    <p:tnLst>
-      <p:par>
-        <p:cTn id="1" dur="indefinite" restart="never" nodeType="tmRoot"/>
-      </p:par>
-    </p:tnLst>
-  </p:timing>
-</p:sld>
-</file>
-
-<file path=ppt/slides/slide13.xml><?xml version="1.0" encoding="utf-8"?>
-<p:sld xmlns:a="http://schemas.openxmlformats.org/drawingml/2006/main" xmlns:r="http://schemas.openxmlformats.org/officeDocument/2006/relationships" xmlns:p="http://schemas.openxmlformats.org/presentationml/2006/main">
-  <p:cSld>
-    <p:spTree>
-      <p:nvGrpSpPr>
-        <p:cNvPr id="1" name=""/>
-        <p:cNvGrpSpPr/>
-        <p:nvPr/>
-      </p:nvGrpSpPr>
-      <p:grpSpPr>
-        <a:xfrm>
-          <a:off x="0" y="0"/>
-          <a:ext cx="0" cy="0"/>
-          <a:chOff x="0" y="0"/>
-          <a:chExt cx="0" cy="0"/>
-        </a:xfrm>
-      </p:grpSpPr>
-      <p:sp>
-        <p:nvSpPr>
-          <p:cNvPr id="2" name="Title 1"/>
-          <p:cNvSpPr>
-            <a:spLocks noGrp="1"/>
-          </p:cNvSpPr>
-          <p:nvPr>
-            <p:ph type="title"/>
-          </p:nvPr>
-        </p:nvSpPr>
-        <p:spPr/>
-        <p:txBody>
-          <a:bodyPr/>
-          <a:lstStyle/>
-          <a:p>
-            <a:r>
-              <a:rPr lang="en-US" noProof="0" smtClean="0"/>
-              <a:t>Access Point Authentication</a:t>
-            </a:r>
-            <a:endParaRPr lang="en-US" noProof="0"/>
-          </a:p>
-        </p:txBody>
-      </p:sp>
-      <p:pic>
-        <p:nvPicPr>
-          <p:cNvPr id="5" name="Picture 4" descr="Macintosh HD:Users:canleloglu:Desktop:worddoc:thesisImages:protocolsInDetail:seqDiagram:pdf:accessAuth.pdf"/>
-          <p:cNvPicPr/>
-          <p:nvPr/>
-        </p:nvPicPr>
-        <p:blipFill>
-          <a:blip r:embed="rId2" cstate="print">
-            <a:extLst>
-              <a:ext uri="{28A0092B-C50C-407E-A947-70E740481C1C}">
-                <a14:useLocalDpi xmlns:ve="http://schemas.openxmlformats.org/markup-compatibility/2006" xmlns:m="http://schemas.openxmlformats.org/officeDocument/2006/math" xmlns:wp="http://schemas.openxmlformats.org/drawingml/2006/wordprocessingDrawing" xmlns:wne="http://schemas.microsoft.com/office/word/2006/wordml" xmlns:a14="http://schemas.microsoft.com/office/drawing/2010/main" xmlns:wps="http://schemas.microsoft.com/office/word/2010/wordprocessingShape" xmlns:wpi="http://schemas.microsoft.com/office/word/2010/wordprocessingInk" xmlns:wpg="http://schemas.microsoft.com/office/word/2010/wordprocessingGroup" xmlns:w14="http://schemas.microsoft.com/office/word/2010/wordml" xmlns:w="http://schemas.openxmlformats.org/wordprocessingml/2006/main" xmlns:w10="urn:schemas-microsoft-com:office:word" xmlns:wp14="http://schemas.microsoft.com/office/word/2010/wordprocessingDrawing" xmlns:v="urn:schemas-microsoft-com:vml" xmlns:o="urn:schemas-microsoft-com:office:office" xmlns:mv="urn:schemas-microsoft-com:mac:vml" xmlns:mc="http://schemas.openxmlformats.org/markup-compatibility/2006" xmlns:mo="http://schemas.microsoft.com/office/mac/office/2008/main" xmlns:wpc="http://schemas.microsoft.com/office/word/2010/wordprocessingCanvas" xmlns="" xmlns:pic="http://schemas.openxmlformats.org/drawingml/2006/picture" xmlns:lc="http://schemas.openxmlformats.org/drawingml/2006/lockedCanvas" val="0"/>
-              </a:ext>
-            </a:extLst>
-          </a:blip>
-          <a:srcRect/>
-          <a:stretch>
-            <a:fillRect/>
-          </a:stretch>
-        </p:blipFill>
-        <p:spPr bwMode="auto">
-          <a:xfrm>
-            <a:off x="1857356" y="2571744"/>
-            <a:ext cx="5786478" cy="3786214"/>
-          </a:xfrm>
-          <a:prstGeom prst="rect">
-            <a:avLst/>
-          </a:prstGeom>
-          <a:noFill/>
-          <a:ln>
-            <a:noFill/>
-          </a:ln>
-        </p:spPr>
-      </p:pic>
-      <p:sp>
-        <p:nvSpPr>
-          <p:cNvPr id="4" name="Content Placeholder 2"/>
-          <p:cNvSpPr>
-            <a:spLocks noGrp="1"/>
-          </p:cNvSpPr>
-          <p:nvPr>
-            <p:ph idx="1"/>
-          </p:nvPr>
-        </p:nvSpPr>
-        <p:spPr>
-          <a:xfrm>
-            <a:off x="457200" y="1600201"/>
-            <a:ext cx="8229600" cy="1042981"/>
-          </a:xfrm>
-        </p:spPr>
-        <p:txBody>
-          <a:bodyPr>
-            <a:normAutofit lnSpcReduction="10000"/>
-          </a:bodyPr>
-          <a:lstStyle/>
-          <a:p>
-            <a:r>
-              <a:rPr lang="en-US" noProof="0" smtClean="0"/>
-              <a:t>In order to authenticate the network by the client</a:t>
-            </a:r>
-            <a:endParaRPr lang="en-US" noProof="0"/>
-          </a:p>
-        </p:txBody>
-      </p:sp>
-    </p:spTree>
-  </p:cSld>
-  <p:clrMapOvr>
-    <a:masterClrMapping/>
-  </p:clrMapOvr>
-  <p:timing>
-    <p:tnLst>
-      <p:par>
-        <p:cTn id="1" dur="indefinite" restart="never" nodeType="tmRoot"/>
-      </p:par>
-    </p:tnLst>
-  </p:timing>
-</p:sld>
-</file>
-
-<file path=ppt/slides/slide14.xml><?xml version="1.0" encoding="utf-8"?>
-<p:sld xmlns:a="http://schemas.openxmlformats.org/drawingml/2006/main" xmlns:r="http://schemas.openxmlformats.org/officeDocument/2006/relationships" xmlns:p="http://schemas.openxmlformats.org/presentationml/2006/main">
-  <p:cSld>
-    <p:spTree>
-      <p:nvGrpSpPr>
-        <p:cNvPr id="1" name=""/>
-        <p:cNvGrpSpPr/>
-        <p:nvPr/>
-      </p:nvGrpSpPr>
-      <p:grpSpPr>
-        <a:xfrm>
-          <a:off x="0" y="0"/>
-          <a:ext cx="0" cy="0"/>
-          <a:chOff x="0" y="0"/>
-          <a:chExt cx="0" cy="0"/>
-        </a:xfrm>
-      </p:grpSpPr>
-      <p:sp>
-        <p:nvSpPr>
-          <p:cNvPr id="2" name="Title 1"/>
-          <p:cNvSpPr>
-            <a:spLocks noGrp="1"/>
-          </p:cNvSpPr>
-          <p:nvPr>
-            <p:ph type="title"/>
-          </p:nvPr>
-        </p:nvSpPr>
-        <p:spPr>
-          <a:xfrm>
-            <a:off x="457200" y="274638"/>
-            <a:ext cx="8229600" cy="850106"/>
-          </a:xfrm>
-        </p:spPr>
-        <p:txBody>
-          <a:bodyPr/>
-          <a:lstStyle/>
-          <a:p>
-            <a:r>
-              <a:rPr lang="en-US" noProof="0" smtClean="0"/>
-              <a:t>Packet Transfer</a:t>
-            </a:r>
-            <a:endParaRPr lang="en-US" noProof="0"/>
-          </a:p>
-        </p:txBody>
-      </p:sp>
-      <p:sp>
-        <p:nvSpPr>
-          <p:cNvPr id="5" name="Content Placeholder 2"/>
-          <p:cNvSpPr>
-            <a:spLocks noGrp="1"/>
-          </p:cNvSpPr>
-          <p:nvPr>
-            <p:ph idx="1"/>
-          </p:nvPr>
-        </p:nvSpPr>
-        <p:spPr>
-          <a:xfrm>
-            <a:off x="467544" y="1124744"/>
-            <a:ext cx="8229600" cy="748680"/>
-          </a:xfrm>
-        </p:spPr>
-        <p:txBody>
-          <a:bodyPr>
-            <a:normAutofit fontScale="77500" lnSpcReduction="20000"/>
-          </a:bodyPr>
-          <a:lstStyle/>
-          <a:p>
-            <a:r>
-              <a:rPr lang="en-US" noProof="0" smtClean="0"/>
-              <a:t>After mutual authentication of client and  access point, client starts to send data packets to access point.</a:t>
-            </a:r>
-            <a:endParaRPr lang="en-US" noProof="0"/>
-          </a:p>
-        </p:txBody>
-      </p:sp>
-      <p:pic>
-        <p:nvPicPr>
-          <p:cNvPr id="6" name="Picture 5" descr="Macintosh HD:Users:canleloglu:Desktop:worddoc:thesisImages:protocolsInDetail:seqDiagram:pdf:packetTransfer.pdf"/>
-          <p:cNvPicPr/>
-          <p:nvPr/>
-        </p:nvPicPr>
-        <p:blipFill>
-          <a:blip r:embed="rId2" cstate="print">
-            <a:extLst>
-              <a:ext uri="{28A0092B-C50C-407E-A947-70E740481C1C}">
-                <a14:useLocalDpi xmlns:ve="http://schemas.openxmlformats.org/markup-compatibility/2006" xmlns:m="http://schemas.openxmlformats.org/officeDocument/2006/math" xmlns:wp="http://schemas.openxmlformats.org/drawingml/2006/wordprocessingDrawing" xmlns:wne="http://schemas.microsoft.com/office/word/2006/wordml" xmlns:a14="http://schemas.microsoft.com/office/drawing/2010/main" xmlns:wps="http://schemas.microsoft.com/office/word/2010/wordprocessingShape" xmlns:wpi="http://schemas.microsoft.com/office/word/2010/wordprocessingInk" xmlns:wpg="http://schemas.microsoft.com/office/word/2010/wordprocessingGroup" xmlns:w14="http://schemas.microsoft.com/office/word/2010/wordml" xmlns:w="http://schemas.openxmlformats.org/wordprocessingml/2006/main" xmlns:w10="urn:schemas-microsoft-com:office:word" xmlns:wp14="http://schemas.microsoft.com/office/word/2010/wordprocessingDrawing" xmlns:v="urn:schemas-microsoft-com:vml" xmlns:o="urn:schemas-microsoft-com:office:office" xmlns:mv="urn:schemas-microsoft-com:mac:vml" xmlns:mc="http://schemas.openxmlformats.org/markup-compatibility/2006" xmlns:mo="http://schemas.microsoft.com/office/mac/office/2008/main" xmlns:wpc="http://schemas.microsoft.com/office/word/2010/wordprocessingCanvas" xmlns="" xmlns:pic="http://schemas.openxmlformats.org/drawingml/2006/picture" xmlns:lc="http://schemas.openxmlformats.org/drawingml/2006/lockedCanvas" val="0"/>
-              </a:ext>
-            </a:extLst>
-          </a:blip>
-          <a:srcRect/>
-          <a:stretch>
-            <a:fillRect/>
-          </a:stretch>
-        </p:blipFill>
-        <p:spPr bwMode="auto">
-          <a:xfrm>
-            <a:off x="2214546" y="1785922"/>
-            <a:ext cx="4481401" cy="5072078"/>
-          </a:xfrm>
-          <a:prstGeom prst="rect">
-            <a:avLst/>
-          </a:prstGeom>
-          <a:noFill/>
-          <a:ln>
-            <a:noFill/>
-          </a:ln>
-        </p:spPr>
-      </p:pic>
-    </p:spTree>
-  </p:cSld>
-  <p:clrMapOvr>
-    <a:masterClrMapping/>
-  </p:clrMapOvr>
-  <p:timing>
-    <p:tnLst>
-      <p:par>
-        <p:cTn id="1" dur="indefinite" restart="never" nodeType="tmRoot"/>
-      </p:par>
-    </p:tnLst>
-  </p:timing>
-</p:sld>
-</file>
-
-<file path=ppt/slides/slide15.xml><?xml version="1.0" encoding="utf-8"?>
-<p:sld xmlns:a="http://schemas.openxmlformats.org/drawingml/2006/main" xmlns:r="http://schemas.openxmlformats.org/officeDocument/2006/relationships" xmlns:p="http://schemas.openxmlformats.org/presentationml/2006/main">
-  <p:cSld>
-    <p:spTree>
-      <p:nvGrpSpPr>
-        <p:cNvPr id="1" name=""/>
-        <p:cNvGrpSpPr/>
-        <p:nvPr/>
-      </p:nvGrpSpPr>
-      <p:grpSpPr>
-        <a:xfrm>
-          <a:off x="0" y="0"/>
-          <a:ext cx="0" cy="0"/>
-          <a:chOff x="0" y="0"/>
-          <a:chExt cx="0" cy="0"/>
-        </a:xfrm>
-      </p:grpSpPr>
-      <p:sp>
-        <p:nvSpPr>
-          <p:cNvPr id="2" name="Title 1"/>
-          <p:cNvSpPr>
-            <a:spLocks noGrp="1"/>
-          </p:cNvSpPr>
-          <p:nvPr>
-            <p:ph type="title"/>
-          </p:nvPr>
-        </p:nvSpPr>
-        <p:spPr/>
-        <p:txBody>
-          <a:bodyPr/>
-          <a:lstStyle/>
-          <a:p>
-            <a:r>
-              <a:rPr lang="en-US" noProof="0" smtClean="0"/>
-              <a:t>Providing Unlinkability</a:t>
-            </a:r>
-            <a:endParaRPr lang="en-US" noProof="0"/>
-          </a:p>
-        </p:txBody>
-      </p:sp>
-      <p:sp>
-        <p:nvSpPr>
-          <p:cNvPr id="3" name="Content Placeholder 2"/>
-          <p:cNvSpPr>
-            <a:spLocks noGrp="1"/>
-          </p:cNvSpPr>
-          <p:nvPr>
-            <p:ph idx="1"/>
-          </p:nvPr>
-        </p:nvSpPr>
-        <p:spPr/>
-        <p:txBody>
-          <a:bodyPr>
-            <a:normAutofit/>
-          </a:bodyPr>
-          <a:lstStyle/>
-          <a:p>
-            <a:r>
-              <a:rPr lang="en-US" noProof="0" smtClean="0"/>
-              <a:t>Adversary should not be able to track down a user </a:t>
-            </a:r>
-          </a:p>
-          <a:p>
-            <a:r>
-              <a:rPr lang="en-US" noProof="0" smtClean="0"/>
-              <a:t>Aliases should change periodically to achieve unlinkability</a:t>
-            </a:r>
-          </a:p>
-        </p:txBody>
-      </p:sp>
-    </p:spTree>
-  </p:cSld>
-  <p:clrMapOvr>
-    <a:masterClrMapping/>
-  </p:clrMapOvr>
-  <p:timing>
-    <p:tnLst>
-      <p:par>
-        <p:cTn id="1" dur="indefinite" restart="never" nodeType="tmRoot"/>
-      </p:par>
-    </p:tnLst>
-  </p:timing>
-</p:sld>
-</file>
-
-<file path=ppt/slides/slide16.xml><?xml version="1.0" encoding="utf-8"?>
-<p:sld xmlns:a="http://schemas.openxmlformats.org/drawingml/2006/main" xmlns:r="http://schemas.openxmlformats.org/officeDocument/2006/relationships" xmlns:p="http://schemas.openxmlformats.org/presentationml/2006/main">
-  <p:cSld>
-    <p:spTree>
-      <p:nvGrpSpPr>
-        <p:cNvPr id="1" name=""/>
-        <p:cNvGrpSpPr/>
-        <p:nvPr/>
-      </p:nvGrpSpPr>
-      <p:grpSpPr>
-        <a:xfrm>
-          <a:off x="0" y="0"/>
-          <a:ext cx="0" cy="0"/>
-          <a:chOff x="0" y="0"/>
-          <a:chExt cx="0" cy="0"/>
-        </a:xfrm>
-      </p:grpSpPr>
-      <p:sp>
-        <p:nvSpPr>
-          <p:cNvPr id="2" name="Title 1"/>
-          <p:cNvSpPr>
-            <a:spLocks noGrp="1"/>
-          </p:cNvSpPr>
-          <p:nvPr>
-            <p:ph type="title"/>
-          </p:nvPr>
-        </p:nvSpPr>
-        <p:spPr/>
-        <p:txBody>
-          <a:bodyPr/>
-          <a:lstStyle/>
-          <a:p>
-            <a:r>
-              <a:rPr lang="en-US" noProof="0" smtClean="0"/>
               <a:t>Changing Alias</a:t>
             </a:r>
             <a:endParaRPr lang="en-US" noProof="0"/>
@@ -4605,7 +3889,7 @@
           <a:blip r:embed="rId2" cstate="print">
             <a:extLst>
               <a:ext uri="{28A0092B-C50C-407E-A947-70E740481C1C}">
-                <a14:useLocalDpi xmlns:ve="http://schemas.openxmlformats.org/markup-compatibility/2006" xmlns:m="http://schemas.openxmlformats.org/officeDocument/2006/math" xmlns:wp="http://schemas.openxmlformats.org/drawingml/2006/wordprocessingDrawing" xmlns:wne="http://schemas.microsoft.com/office/word/2006/wordml" xmlns:a14="http://schemas.microsoft.com/office/drawing/2010/main" xmlns:wps="http://schemas.microsoft.com/office/word/2010/wordprocessingShape" xmlns:wpi="http://schemas.microsoft.com/office/word/2010/wordprocessingInk" xmlns:wpg="http://schemas.microsoft.com/office/word/2010/wordprocessingGroup" xmlns:w14="http://schemas.microsoft.com/office/word/2010/wordml" xmlns:w="http://schemas.openxmlformats.org/wordprocessingml/2006/main" xmlns:w10="urn:schemas-microsoft-com:office:word" xmlns:wp14="http://schemas.microsoft.com/office/word/2010/wordprocessingDrawing" xmlns:v="urn:schemas-microsoft-com:vml" xmlns:o="urn:schemas-microsoft-com:office:office" xmlns:mv="urn:schemas-microsoft-com:mac:vml" xmlns:mc="http://schemas.openxmlformats.org/markup-compatibility/2006" xmlns:mo="http://schemas.microsoft.com/office/mac/office/2008/main" xmlns:wpc="http://schemas.microsoft.com/office/word/2010/wordprocessingCanvas" xmlns="" xmlns:pic="http://schemas.openxmlformats.org/drawingml/2006/picture" xmlns:lc="http://schemas.openxmlformats.org/drawingml/2006/lockedCanvas" val="0"/>
+                <a14:useLocalDpi xmlns:a14="http://schemas.microsoft.com/office/drawing/2010/main" val="0"/>
               </a:ext>
             </a:extLst>
           </a:blip>
@@ -4636,14 +3920,14 @@
   <p:timing>
     <p:tnLst>
       <p:par>
-        <p:cTn id="1" dur="indefinite" restart="never" nodeType="tmRoot"/>
+        <p:cTn xmlns:p14="http://schemas.microsoft.com/office/powerpoint/2010/main" id="1" dur="indefinite" restart="never" nodeType="tmRoot"/>
       </p:par>
     </p:tnLst>
   </p:timing>
 </p:sld>
 </file>
 
-<file path=ppt/slides/slide17.xml><?xml version="1.0" encoding="utf-8"?>
+<file path=ppt/slides/slide11.xml><?xml version="1.0" encoding="utf-8"?>
 <p:sld xmlns:a="http://schemas.openxmlformats.org/drawingml/2006/main" xmlns:r="http://schemas.openxmlformats.org/officeDocument/2006/relationships" xmlns:p="http://schemas.openxmlformats.org/presentationml/2006/main">
   <p:cSld>
     <p:spTree>
@@ -4677,207 +3961,6 @@
           <a:p>
             <a:r>
               <a:rPr lang="en-US" noProof="0" smtClean="0"/>
-              <a:t>Update Packets</a:t>
-            </a:r>
-            <a:endParaRPr lang="en-US" noProof="0"/>
-          </a:p>
-        </p:txBody>
-      </p:sp>
-      <p:sp>
-        <p:nvSpPr>
-          <p:cNvPr id="3" name="Content Placeholder 2"/>
-          <p:cNvSpPr>
-            <a:spLocks noGrp="1"/>
-          </p:cNvSpPr>
-          <p:nvPr>
-            <p:ph idx="1"/>
-          </p:nvPr>
-        </p:nvSpPr>
-        <p:spPr>
-          <a:xfrm>
-            <a:off x="457200" y="1285860"/>
-            <a:ext cx="8229600" cy="1257296"/>
-          </a:xfrm>
-        </p:spPr>
-        <p:txBody>
-          <a:bodyPr>
-            <a:normAutofit/>
-          </a:bodyPr>
-          <a:lstStyle/>
-          <a:p>
-            <a:pPr>
-              <a:spcBef>
-                <a:spcPts val="0"/>
-              </a:spcBef>
-            </a:pPr>
-            <a:r>
-              <a:rPr lang="en-US" sz="2500" noProof="0" smtClean="0"/>
-              <a:t>Access points keep track of ongoing communications, after some time passed without update from a user it sends disconnection request by itself.</a:t>
-            </a:r>
-            <a:endParaRPr lang="en-US" sz="2500" noProof="0"/>
-          </a:p>
-        </p:txBody>
-      </p:sp>
-      <p:pic>
-        <p:nvPicPr>
-          <p:cNvPr id="4" name="Picture 3" descr="Macintosh HD:Users:canleloglu:Desktop:worddoc:thesisImages:protocolsInDetail:seqDiagram:pdf:updatePackets.pdf"/>
-          <p:cNvPicPr/>
-          <p:nvPr/>
-        </p:nvPicPr>
-        <p:blipFill>
-          <a:blip r:embed="rId2" cstate="print">
-            <a:extLst>
-              <a:ext uri="{28A0092B-C50C-407E-A947-70E740481C1C}">
-                <a14:useLocalDpi xmlns:ve="http://schemas.openxmlformats.org/markup-compatibility/2006" xmlns:m="http://schemas.openxmlformats.org/officeDocument/2006/math" xmlns:wp="http://schemas.openxmlformats.org/drawingml/2006/wordprocessingDrawing" xmlns:wne="http://schemas.microsoft.com/office/word/2006/wordml" xmlns:a14="http://schemas.microsoft.com/office/drawing/2010/main" xmlns:wps="http://schemas.microsoft.com/office/word/2010/wordprocessingShape" xmlns:wpi="http://schemas.microsoft.com/office/word/2010/wordprocessingInk" xmlns:wpg="http://schemas.microsoft.com/office/word/2010/wordprocessingGroup" xmlns:w14="http://schemas.microsoft.com/office/word/2010/wordml" xmlns:w="http://schemas.openxmlformats.org/wordprocessingml/2006/main" xmlns:w10="urn:schemas-microsoft-com:office:word" xmlns:wp14="http://schemas.microsoft.com/office/word/2010/wordprocessingDrawing" xmlns:v="urn:schemas-microsoft-com:vml" xmlns:o="urn:schemas-microsoft-com:office:office" xmlns:mv="urn:schemas-microsoft-com:mac:vml" xmlns:mc="http://schemas.openxmlformats.org/markup-compatibility/2006" xmlns:mo="http://schemas.microsoft.com/office/mac/office/2008/main" xmlns:wpc="http://schemas.microsoft.com/office/word/2010/wordprocessingCanvas" xmlns="" xmlns:pic="http://schemas.openxmlformats.org/drawingml/2006/picture" xmlns:lc="http://schemas.openxmlformats.org/drawingml/2006/lockedCanvas" val="0"/>
-              </a:ext>
-            </a:extLst>
-          </a:blip>
-          <a:srcRect/>
-          <a:stretch>
-            <a:fillRect/>
-          </a:stretch>
-        </p:blipFill>
-        <p:spPr bwMode="auto">
-          <a:xfrm>
-            <a:off x="2214546" y="2571744"/>
-            <a:ext cx="4714908" cy="3930664"/>
-          </a:xfrm>
-          <a:prstGeom prst="rect">
-            <a:avLst/>
-          </a:prstGeom>
-          <a:noFill/>
-          <a:ln>
-            <a:noFill/>
-          </a:ln>
-        </p:spPr>
-      </p:pic>
-    </p:spTree>
-  </p:cSld>
-  <p:clrMapOvr>
-    <a:masterClrMapping/>
-  </p:clrMapOvr>
-  <p:timing>
-    <p:tnLst>
-      <p:par>
-        <p:cTn id="1" dur="indefinite" restart="never" nodeType="tmRoot"/>
-      </p:par>
-    </p:tnLst>
-  </p:timing>
-</p:sld>
-</file>
-
-<file path=ppt/slides/slide18.xml><?xml version="1.0" encoding="utf-8"?>
-<p:sld xmlns:a="http://schemas.openxmlformats.org/drawingml/2006/main" xmlns:r="http://schemas.openxmlformats.org/officeDocument/2006/relationships" xmlns:p="http://schemas.openxmlformats.org/presentationml/2006/main">
-  <p:cSld>
-    <p:spTree>
-      <p:nvGrpSpPr>
-        <p:cNvPr id="1" name=""/>
-        <p:cNvGrpSpPr/>
-        <p:nvPr/>
-      </p:nvGrpSpPr>
-      <p:grpSpPr>
-        <a:xfrm>
-          <a:off x="0" y="0"/>
-          <a:ext cx="0" cy="0"/>
-          <a:chOff x="0" y="0"/>
-          <a:chExt cx="0" cy="0"/>
-        </a:xfrm>
-      </p:grpSpPr>
-      <p:sp>
-        <p:nvSpPr>
-          <p:cNvPr id="2" name="Title 1"/>
-          <p:cNvSpPr>
-            <a:spLocks noGrp="1"/>
-          </p:cNvSpPr>
-          <p:nvPr>
-            <p:ph type="title"/>
-          </p:nvPr>
-        </p:nvSpPr>
-        <p:spPr/>
-        <p:txBody>
-          <a:bodyPr/>
-          <a:lstStyle/>
-          <a:p>
-            <a:r>
-              <a:rPr lang="en-US" noProof="0" smtClean="0"/>
-              <a:t>Disconnection</a:t>
-            </a:r>
-            <a:endParaRPr lang="en-US" noProof="0"/>
-          </a:p>
-        </p:txBody>
-      </p:sp>
-      <p:sp>
-        <p:nvSpPr>
-          <p:cNvPr id="3" name="Content Placeholder 2"/>
-          <p:cNvSpPr>
-            <a:spLocks noGrp="1"/>
-          </p:cNvSpPr>
-          <p:nvPr>
-            <p:ph idx="1"/>
-          </p:nvPr>
-        </p:nvSpPr>
-        <p:spPr/>
-        <p:txBody>
-          <a:bodyPr/>
-          <a:lstStyle/>
-          <a:p>
-            <a:r>
-              <a:rPr lang="en-US" noProof="0" smtClean="0"/>
-              <a:t>The Update Packets protocol brings stability to the system in case of a connection interruption, but the main assumption is that most of the users will be disconnecting from the operator using the disconnection protocol.</a:t>
-            </a:r>
-            <a:endParaRPr lang="en-US" noProof="0"/>
-          </a:p>
-        </p:txBody>
-      </p:sp>
-    </p:spTree>
-  </p:cSld>
-  <p:clrMapOvr>
-    <a:masterClrMapping/>
-  </p:clrMapOvr>
-  <p:timing>
-    <p:tnLst>
-      <p:par>
-        <p:cTn id="1" dur="indefinite" restart="never" nodeType="tmRoot"/>
-      </p:par>
-    </p:tnLst>
-  </p:timing>
-</p:sld>
-</file>
-
-<file path=ppt/slides/slide19.xml><?xml version="1.0" encoding="utf-8"?>
-<p:sld xmlns:a="http://schemas.openxmlformats.org/drawingml/2006/main" xmlns:r="http://schemas.openxmlformats.org/officeDocument/2006/relationships" xmlns:p="http://schemas.openxmlformats.org/presentationml/2006/main">
-  <p:cSld>
-    <p:spTree>
-      <p:nvGrpSpPr>
-        <p:cNvPr id="1" name=""/>
-        <p:cNvGrpSpPr/>
-        <p:nvPr/>
-      </p:nvGrpSpPr>
-      <p:grpSpPr>
-        <a:xfrm>
-          <a:off x="0" y="0"/>
-          <a:ext cx="0" cy="0"/>
-          <a:chOff x="0" y="0"/>
-          <a:chExt cx="0" cy="0"/>
-        </a:xfrm>
-      </p:grpSpPr>
-      <p:sp>
-        <p:nvSpPr>
-          <p:cNvPr id="2" name="Title 1"/>
-          <p:cNvSpPr>
-            <a:spLocks noGrp="1"/>
-          </p:cNvSpPr>
-          <p:nvPr>
-            <p:ph type="title"/>
-          </p:nvPr>
-        </p:nvSpPr>
-        <p:spPr/>
-        <p:txBody>
-          <a:bodyPr/>
-          <a:lstStyle/>
-          <a:p>
-            <a:r>
-              <a:rPr lang="en-US" noProof="0" smtClean="0"/>
               <a:t>Disconnection</a:t>
             </a:r>
             <a:endParaRPr lang="en-US" noProof="0"/>
@@ -4894,7 +3977,7 @@
           <a:blip r:embed="rId2" cstate="print">
             <a:extLst>
               <a:ext uri="{28A0092B-C50C-407E-A947-70E740481C1C}">
-                <a14:useLocalDpi xmlns:ve="http://schemas.openxmlformats.org/markup-compatibility/2006" xmlns:m="http://schemas.openxmlformats.org/officeDocument/2006/math" xmlns:wp="http://schemas.openxmlformats.org/drawingml/2006/wordprocessingDrawing" xmlns:wne="http://schemas.microsoft.com/office/word/2006/wordml" xmlns:a14="http://schemas.microsoft.com/office/drawing/2010/main" xmlns:wps="http://schemas.microsoft.com/office/word/2010/wordprocessingShape" xmlns:wpi="http://schemas.microsoft.com/office/word/2010/wordprocessingInk" xmlns:wpg="http://schemas.microsoft.com/office/word/2010/wordprocessingGroup" xmlns:w14="http://schemas.microsoft.com/office/word/2010/wordml" xmlns:w="http://schemas.openxmlformats.org/wordprocessingml/2006/main" xmlns:w10="urn:schemas-microsoft-com:office:word" xmlns:wp14="http://schemas.microsoft.com/office/word/2010/wordprocessingDrawing" xmlns:v="urn:schemas-microsoft-com:vml" xmlns:o="urn:schemas-microsoft-com:office:office" xmlns:mv="urn:schemas-microsoft-com:mac:vml" xmlns:mc="http://schemas.openxmlformats.org/markup-compatibility/2006" xmlns:mo="http://schemas.microsoft.com/office/mac/office/2008/main" xmlns:wpc="http://schemas.microsoft.com/office/word/2010/wordprocessingCanvas" xmlns="" xmlns:pic="http://schemas.openxmlformats.org/drawingml/2006/picture" xmlns:lc="http://schemas.openxmlformats.org/drawingml/2006/lockedCanvas" val="0"/>
+                <a14:useLocalDpi xmlns:a14="http://schemas.microsoft.com/office/drawing/2010/main" val="0"/>
               </a:ext>
             </a:extLst>
           </a:blip>
@@ -4925,14 +4008,14 @@
   <p:timing>
     <p:tnLst>
       <p:par>
-        <p:cTn id="1" dur="indefinite" restart="never" nodeType="tmRoot"/>
+        <p:cTn xmlns:p14="http://schemas.microsoft.com/office/powerpoint/2010/main" id="1" dur="indefinite" restart="never" nodeType="tmRoot"/>
       </p:par>
     </p:tnLst>
   </p:timing>
 </p:sld>
 </file>
 
-<file path=ppt/slides/slide2.xml><?xml version="1.0" encoding="utf-8"?>
+<file path=ppt/slides/slide12.xml><?xml version="1.0" encoding="utf-8"?>
 <p:sld xmlns:a="http://schemas.openxmlformats.org/drawingml/2006/main" xmlns:r="http://schemas.openxmlformats.org/officeDocument/2006/relationships" xmlns:p="http://schemas.openxmlformats.org/presentationml/2006/main">
   <p:cSld>
     <p:spTree>
@@ -4961,89 +4044,83 @@
         </p:nvSpPr>
         <p:spPr/>
         <p:txBody>
-          <a:bodyPr/>
+          <a:bodyPr>
+            <a:normAutofit fontScale="90000"/>
+          </a:bodyPr>
+          <a:lstStyle/>
+          <a:p>
+            <a:r>
+              <a:rPr lang="en-US" noProof="0" smtClean="0"/>
+              <a:t>Seamless Mobility in Home Operator</a:t>
+            </a:r>
+            <a:endParaRPr lang="en-US" noProof="0"/>
+          </a:p>
+        </p:txBody>
+      </p:sp>
+      <p:sp>
+        <p:nvSpPr>
+          <p:cNvPr id="3" name="Content Placeholder 2"/>
+          <p:cNvSpPr>
+            <a:spLocks noGrp="1"/>
+          </p:cNvSpPr>
+          <p:nvPr>
+            <p:ph idx="1"/>
+          </p:nvPr>
+        </p:nvSpPr>
+        <p:spPr>
+          <a:xfrm>
+            <a:off x="457200" y="1600201"/>
+            <a:ext cx="8229600" cy="1324744"/>
+          </a:xfrm>
+        </p:spPr>
+        <p:txBody>
+          <a:bodyPr>
+            <a:normAutofit fontScale="85000" lnSpcReduction="10000"/>
+          </a:bodyPr>
           <a:lstStyle/>
           <a:p>
             <a:r>
               <a:rPr lang="en-US" noProof="0" dirty="0" smtClean="0"/>
-              <a:t>Outline</a:t>
-            </a:r>
-            <a:endParaRPr lang="en-US" noProof="0" dirty="0"/>
-          </a:p>
-        </p:txBody>
-      </p:sp>
-      <p:sp>
-        <p:nvSpPr>
-          <p:cNvPr id="3" name="Content Placeholder 2"/>
-          <p:cNvSpPr>
-            <a:spLocks noGrp="1"/>
-          </p:cNvSpPr>
-          <p:nvPr>
-            <p:ph idx="1"/>
-          </p:nvPr>
-        </p:nvSpPr>
-        <p:spPr/>
-        <p:txBody>
-          <a:bodyPr>
-            <a:normAutofit fontScale="92500" lnSpcReduction="20000"/>
-          </a:bodyPr>
-          <a:lstStyle/>
-          <a:p>
+              <a:t>When a client moves out of the coverage area of its associated AP or if another AP provides a better service, the client may want to hand off to another AP</a:t>
+            </a:r>
             <a:r>
               <a:rPr lang="en-US" noProof="0" dirty="0" smtClean="0"/>
-              <a:t>Project description</a:t>
-            </a:r>
-          </a:p>
-          <a:p>
-            <a:r>
-              <a:rPr lang="en-US" noProof="0" dirty="0" smtClean="0"/>
-              <a:t>Building blocks of the system</a:t>
-            </a:r>
-          </a:p>
-          <a:p>
-            <a:r>
-              <a:rPr lang="en-US" noProof="0" dirty="0" smtClean="0"/>
-              <a:t>Protocol specifications</a:t>
-            </a:r>
-          </a:p>
-          <a:p>
-            <a:r>
-              <a:rPr lang="en-US" noProof="0" dirty="0" smtClean="0"/>
-              <a:t>Simulation environment</a:t>
-            </a:r>
-          </a:p>
-          <a:p>
-            <a:r>
-              <a:rPr lang="en-US" noProof="0" dirty="0" smtClean="0"/>
-              <a:t>Unit test results</a:t>
-            </a:r>
-          </a:p>
-          <a:p>
-            <a:r>
-              <a:rPr lang="en-US" noProof="0" dirty="0" smtClean="0"/>
-              <a:t>Client models and actions</a:t>
-            </a:r>
-          </a:p>
-          <a:p>
-            <a:r>
-              <a:rPr lang="en-US" noProof="0" dirty="0" smtClean="0"/>
-              <a:t>Real-life scenario simulation results</a:t>
-            </a:r>
-          </a:p>
-          <a:p>
-            <a:r>
-              <a:rPr lang="en-US" noProof="0" dirty="0" smtClean="0"/>
-              <a:t>Discussion on success of SSPayWMN</a:t>
-            </a:r>
-          </a:p>
-          <a:p>
-            <a:r>
-              <a:rPr lang="en-US" noProof="0" dirty="0" smtClean="0"/>
-              <a:t>Conclusions</a:t>
-            </a:r>
-          </a:p>
-        </p:txBody>
-      </p:sp>
+              <a:t>.</a:t>
+            </a:r>
+            <a:endParaRPr lang="en-US" noProof="0" dirty="0" smtClean="0"/>
+          </a:p>
+        </p:txBody>
+      </p:sp>
+      <p:pic>
+        <p:nvPicPr>
+          <p:cNvPr id="5" name="Picture 4" descr="seamlessMobility.pdf"/>
+          <p:cNvPicPr>
+            <a:picLocks noChangeAspect="1"/>
+          </p:cNvPicPr>
+          <p:nvPr/>
+        </p:nvPicPr>
+        <p:blipFill>
+          <a:blip r:embed="rId2">
+            <a:extLst>
+              <a:ext uri="{28A0092B-C50C-407E-A947-70E740481C1C}">
+                <a14:useLocalDpi xmlns:a14="http://schemas.microsoft.com/office/drawing/2010/main" val="0"/>
+              </a:ext>
+            </a:extLst>
+          </a:blip>
+          <a:stretch>
+            <a:fillRect/>
+          </a:stretch>
+        </p:blipFill>
+        <p:spPr>
+          <a:xfrm>
+            <a:off x="2555776" y="2924944"/>
+            <a:ext cx="4351306" cy="3562970"/>
+          </a:xfrm>
+          <a:prstGeom prst="rect">
+            <a:avLst/>
+          </a:prstGeom>
+        </p:spPr>
+      </p:pic>
     </p:spTree>
   </p:cSld>
   <p:clrMapOvr>
@@ -5052,14 +4129,14 @@
   <p:timing>
     <p:tnLst>
       <p:par>
-        <p:cTn id="1" dur="indefinite" restart="never" nodeType="tmRoot"/>
+        <p:cTn xmlns:p14="http://schemas.microsoft.com/office/powerpoint/2010/main" id="1" dur="indefinite" restart="never" nodeType="tmRoot"/>
       </p:par>
     </p:tnLst>
   </p:timing>
 </p:sld>
 </file>
 
-<file path=ppt/slides/slide20.xml><?xml version="1.0" encoding="utf-8"?>
+<file path=ppt/slides/slide13.xml><?xml version="1.0" encoding="utf-8"?>
 <p:sld xmlns:a="http://schemas.openxmlformats.org/drawingml/2006/main" xmlns:r="http://schemas.openxmlformats.org/officeDocument/2006/relationships" xmlns:p="http://schemas.openxmlformats.org/presentationml/2006/main">
   <p:cSld>
     <p:spTree>
@@ -5088,43 +4165,81 @@
         </p:nvSpPr>
         <p:spPr/>
         <p:txBody>
+          <a:bodyPr/>
+          <a:lstStyle/>
+          <a:p>
+            <a:r>
+              <a:rPr lang="en-US" noProof="0" smtClean="0"/>
+              <a:t>Seamless Roaming</a:t>
+            </a:r>
+            <a:endParaRPr lang="en-US" noProof="0"/>
+          </a:p>
+        </p:txBody>
+      </p:sp>
+      <p:sp>
+        <p:nvSpPr>
+          <p:cNvPr id="3" name="Content Placeholder 2"/>
+          <p:cNvSpPr>
+            <a:spLocks noGrp="1"/>
+          </p:cNvSpPr>
+          <p:nvPr>
+            <p:ph idx="1"/>
+          </p:nvPr>
+        </p:nvSpPr>
+        <p:spPr>
+          <a:xfrm>
+            <a:off x="457200" y="1600201"/>
+            <a:ext cx="8229600" cy="1108720"/>
+          </a:xfrm>
+        </p:spPr>
+        <p:txBody>
           <a:bodyPr>
-            <a:normAutofit fontScale="90000"/>
+            <a:normAutofit fontScale="85000" lnSpcReduction="20000"/>
           </a:bodyPr>
           <a:lstStyle/>
           <a:p>
             <a:r>
-              <a:rPr lang="en-US" noProof="0" smtClean="0"/>
-              <a:t>Distributing Access Point Public Keys</a:t>
-            </a:r>
-            <a:endParaRPr lang="en-US" noProof="0"/>
-          </a:p>
-        </p:txBody>
-      </p:sp>
-      <p:sp>
-        <p:nvSpPr>
-          <p:cNvPr id="3" name="Content Placeholder 2"/>
-          <p:cNvSpPr>
-            <a:spLocks noGrp="1"/>
-          </p:cNvSpPr>
-          <p:nvPr>
-            <p:ph idx="1"/>
-          </p:nvPr>
-        </p:nvSpPr>
-        <p:spPr/>
-        <p:txBody>
-          <a:bodyPr>
-            <a:normAutofit/>
-          </a:bodyPr>
-          <a:lstStyle/>
-          <a:p>
-            <a:r>
-              <a:rPr lang="en-US" noProof="0" smtClean="0"/>
-              <a:t>Achieving seamless mobility in home operator and also to support seamless roaming, a public key distribution mechanism is integrated in SSPayWMN system.</a:t>
-            </a:r>
-          </a:p>
-        </p:txBody>
-      </p:sp>
+              <a:rPr lang="en-US" noProof="0" dirty="0" smtClean="0"/>
+              <a:t>When the clients need to get service from an access point of a new operator, they roam between old operator and new one</a:t>
+            </a:r>
+            <a:r>
+              <a:rPr lang="en-US" noProof="0" dirty="0" smtClean="0"/>
+              <a:t>.</a:t>
+            </a:r>
+            <a:endParaRPr lang="en-US" noProof="0" dirty="0" smtClean="0"/>
+          </a:p>
+        </p:txBody>
+      </p:sp>
+      <p:pic>
+        <p:nvPicPr>
+          <p:cNvPr id="4" name="Picture 3" descr="seamlessRoaming.pdf"/>
+          <p:cNvPicPr>
+            <a:picLocks noChangeAspect="1"/>
+          </p:cNvPicPr>
+          <p:nvPr/>
+        </p:nvPicPr>
+        <p:blipFill>
+          <a:blip r:embed="rId2">
+            <a:extLst>
+              <a:ext uri="{28A0092B-C50C-407E-A947-70E740481C1C}">
+                <a14:useLocalDpi xmlns:a14="http://schemas.microsoft.com/office/drawing/2010/main" val="0"/>
+              </a:ext>
+            </a:extLst>
+          </a:blip>
+          <a:stretch>
+            <a:fillRect/>
+          </a:stretch>
+        </p:blipFill>
+        <p:spPr>
+          <a:xfrm>
+            <a:off x="2339752" y="2708920"/>
+            <a:ext cx="4475419" cy="3581889"/>
+          </a:xfrm>
+          <a:prstGeom prst="rect">
+            <a:avLst/>
+          </a:prstGeom>
+        </p:spPr>
+      </p:pic>
     </p:spTree>
   </p:cSld>
   <p:clrMapOvr>
@@ -5133,14 +4248,14 @@
   <p:timing>
     <p:tnLst>
       <p:par>
-        <p:cTn id="1" dur="indefinite" restart="never" nodeType="tmRoot"/>
+        <p:cTn xmlns:p14="http://schemas.microsoft.com/office/powerpoint/2010/main" id="1" dur="indefinite" restart="never" nodeType="tmRoot"/>
       </p:par>
     </p:tnLst>
   </p:timing>
 </p:sld>
 </file>
 
-<file path=ppt/slides/slide21.xml><?xml version="1.0" encoding="utf-8"?>
+<file path=ppt/slides/slide14.xml><?xml version="1.0" encoding="utf-8"?>
 <p:sld xmlns:a="http://schemas.openxmlformats.org/drawingml/2006/main" xmlns:r="http://schemas.openxmlformats.org/officeDocument/2006/relationships" xmlns:p="http://schemas.openxmlformats.org/presentationml/2006/main">
   <p:cSld>
     <p:spTree>
@@ -5176,45 +4291,43 @@
           <a:p>
             <a:r>
               <a:rPr lang="en-US" noProof="0" smtClean="0"/>
-              <a:t>Distributing Access Point Public Keys</a:t>
+              <a:t>Performance Evaluation of SSPayWMN</a:t>
             </a:r>
             <a:endParaRPr lang="en-US" noProof="0"/>
           </a:p>
         </p:txBody>
       </p:sp>
-      <p:pic>
-        <p:nvPicPr>
-          <p:cNvPr id="4" name="Picture 3" descr="Macintosh HD:Users:canleloglu:Desktop:worddoc:thesisImages:protocolsInDetail:seqDiagram:pdf:distributeAccessPublicKeys.pdf"/>
-          <p:cNvPicPr/>
-          <p:nvPr/>
-        </p:nvPicPr>
-        <p:blipFill>
-          <a:blip r:embed="rId2" cstate="print">
-            <a:extLst>
-              <a:ext uri="{28A0092B-C50C-407E-A947-70E740481C1C}">
-                <a14:useLocalDpi xmlns:ve="http://schemas.openxmlformats.org/markup-compatibility/2006" xmlns:m="http://schemas.openxmlformats.org/officeDocument/2006/math" xmlns:wp="http://schemas.openxmlformats.org/drawingml/2006/wordprocessingDrawing" xmlns:wne="http://schemas.microsoft.com/office/word/2006/wordml" xmlns:a14="http://schemas.microsoft.com/office/drawing/2010/main" xmlns:wps="http://schemas.microsoft.com/office/word/2010/wordprocessingShape" xmlns:wpi="http://schemas.microsoft.com/office/word/2010/wordprocessingInk" xmlns:wpg="http://schemas.microsoft.com/office/word/2010/wordprocessingGroup" xmlns:w14="http://schemas.microsoft.com/office/word/2010/wordml" xmlns:w="http://schemas.openxmlformats.org/wordprocessingml/2006/main" xmlns:w10="urn:schemas-microsoft-com:office:word" xmlns:wp14="http://schemas.microsoft.com/office/word/2010/wordprocessingDrawing" xmlns:v="urn:schemas-microsoft-com:vml" xmlns:o="urn:schemas-microsoft-com:office:office" xmlns:mv="urn:schemas-microsoft-com:mac:vml" xmlns:mc="http://schemas.openxmlformats.org/markup-compatibility/2006" xmlns:mo="http://schemas.microsoft.com/office/mac/office/2008/main" xmlns:wpc="http://schemas.microsoft.com/office/word/2010/wordprocessingCanvas" xmlns="" xmlns:pic="http://schemas.openxmlformats.org/drawingml/2006/picture" xmlns:lc="http://schemas.openxmlformats.org/drawingml/2006/lockedCanvas" val="0"/>
-              </a:ext>
-            </a:extLst>
-          </a:blip>
-          <a:srcRect/>
-          <a:stretch>
-            <a:fillRect/>
-          </a:stretch>
-        </p:blipFill>
-        <p:spPr bwMode="auto">
-          <a:xfrm>
-            <a:off x="1714480" y="1857364"/>
-            <a:ext cx="5730875" cy="4336415"/>
-          </a:xfrm>
-          <a:prstGeom prst="rect">
-            <a:avLst/>
-          </a:prstGeom>
-          <a:noFill/>
-          <a:ln>
-            <a:noFill/>
-          </a:ln>
-        </p:spPr>
-      </p:pic>
+      <p:sp>
+        <p:nvSpPr>
+          <p:cNvPr id="3" name="Content Placeholder 2"/>
+          <p:cNvSpPr>
+            <a:spLocks noGrp="1"/>
+          </p:cNvSpPr>
+          <p:nvPr>
+            <p:ph idx="1"/>
+          </p:nvPr>
+        </p:nvSpPr>
+        <p:spPr/>
+        <p:txBody>
+          <a:bodyPr/>
+          <a:lstStyle/>
+          <a:p>
+            <a:r>
+              <a:rPr lang="en-US" noProof="0" smtClean="0"/>
+              <a:t>The simulations of SSPayWMN are conducted using ns-3.</a:t>
+            </a:r>
+          </a:p>
+          <a:p>
+            <a:r>
+              <a:rPr lang="en-US" noProof="0" smtClean="0"/>
+              <a:t>The simulator was run on a computer with 2.4 GHz Intel Core 2 Duo, 2 GB 1067 MHz DDR3, Apple MacBook OSX v10.6.8.</a:t>
+            </a:r>
+          </a:p>
+          <a:p>
+            <a:endParaRPr lang="en-US" noProof="0"/>
+          </a:p>
+        </p:txBody>
+      </p:sp>
     </p:spTree>
   </p:cSld>
   <p:clrMapOvr>
@@ -5223,14 +4336,14 @@
   <p:timing>
     <p:tnLst>
       <p:par>
-        <p:cTn id="1" dur="indefinite" restart="never" nodeType="tmRoot"/>
+        <p:cTn xmlns:p14="http://schemas.microsoft.com/office/powerpoint/2010/main" id="1" dur="indefinite" restart="never" nodeType="tmRoot"/>
       </p:par>
     </p:tnLst>
   </p:timing>
 </p:sld>
 </file>
 
-<file path=ppt/slides/slide22.xml><?xml version="1.0" encoding="utf-8"?>
+<file path=ppt/slides/slide15.xml><?xml version="1.0" encoding="utf-8"?>
 <p:sld xmlns:a="http://schemas.openxmlformats.org/drawingml/2006/main" xmlns:r="http://schemas.openxmlformats.org/officeDocument/2006/relationships" xmlns:p="http://schemas.openxmlformats.org/presentationml/2006/main">
   <p:cSld>
     <p:spTree>
@@ -5264,500 +4377,6 @@
           <a:p>
             <a:r>
               <a:rPr lang="en-US" noProof="0" smtClean="0"/>
-              <a:t>Seamless Roaming</a:t>
-            </a:r>
-            <a:endParaRPr lang="en-US" noProof="0"/>
-          </a:p>
-        </p:txBody>
-      </p:sp>
-      <p:sp>
-        <p:nvSpPr>
-          <p:cNvPr id="3" name="Content Placeholder 2"/>
-          <p:cNvSpPr>
-            <a:spLocks noGrp="1"/>
-          </p:cNvSpPr>
-          <p:nvPr>
-            <p:ph idx="1"/>
-          </p:nvPr>
-        </p:nvSpPr>
-        <p:spPr/>
-        <p:txBody>
-          <a:bodyPr>
-            <a:normAutofit/>
-          </a:bodyPr>
-          <a:lstStyle/>
-          <a:p>
-            <a:r>
-              <a:rPr lang="en-US" noProof="0" smtClean="0"/>
-              <a:t>When the clients need to get service from an access point of a new operator, they roam between old operator and new one.</a:t>
-            </a:r>
-          </a:p>
-          <a:p>
-            <a:r>
-              <a:rPr lang="en-US" noProof="0" smtClean="0"/>
-              <a:t>In this kind of situations, we do not bother TTP and save time and computational power.</a:t>
-            </a:r>
-          </a:p>
-          <a:p>
-            <a:r>
-              <a:rPr lang="en-US" noProof="0" smtClean="0"/>
-              <a:t>We can handle roaming in a seamless way without running the authorization process from scratch.</a:t>
-            </a:r>
-            <a:endParaRPr lang="en-US" noProof="0"/>
-          </a:p>
-        </p:txBody>
-      </p:sp>
-    </p:spTree>
-  </p:cSld>
-  <p:clrMapOvr>
-    <a:masterClrMapping/>
-  </p:clrMapOvr>
-  <p:timing>
-    <p:tnLst>
-      <p:par>
-        <p:cTn id="1" dur="indefinite" restart="never" nodeType="tmRoot"/>
-      </p:par>
-    </p:tnLst>
-  </p:timing>
-</p:sld>
-</file>
-
-<file path=ppt/slides/slide23.xml><?xml version="1.0" encoding="utf-8"?>
-<p:sld xmlns:a="http://schemas.openxmlformats.org/drawingml/2006/main" xmlns:r="http://schemas.openxmlformats.org/officeDocument/2006/relationships" xmlns:p="http://schemas.openxmlformats.org/presentationml/2006/main">
-  <p:cSld>
-    <p:spTree>
-      <p:nvGrpSpPr>
-        <p:cNvPr id="1" name=""/>
-        <p:cNvGrpSpPr/>
-        <p:nvPr/>
-      </p:nvGrpSpPr>
-      <p:grpSpPr>
-        <a:xfrm>
-          <a:off x="0" y="0"/>
-          <a:ext cx="0" cy="0"/>
-          <a:chOff x="0" y="0"/>
-          <a:chExt cx="0" cy="0"/>
-        </a:xfrm>
-      </p:grpSpPr>
-      <p:sp>
-        <p:nvSpPr>
-          <p:cNvPr id="2" name="Title 1"/>
-          <p:cNvSpPr>
-            <a:spLocks noGrp="1"/>
-          </p:cNvSpPr>
-          <p:nvPr>
-            <p:ph type="title"/>
-          </p:nvPr>
-        </p:nvSpPr>
-        <p:spPr/>
-        <p:txBody>
-          <a:bodyPr/>
-          <a:lstStyle/>
-          <a:p>
-            <a:r>
-              <a:rPr lang="en-US" noProof="0" smtClean="0"/>
-              <a:t>Seamless Roaming</a:t>
-            </a:r>
-            <a:endParaRPr lang="en-US" noProof="0"/>
-          </a:p>
-        </p:txBody>
-      </p:sp>
-      <p:sp>
-        <p:nvSpPr>
-          <p:cNvPr id="41986" name="Rectangle 2"/>
-          <p:cNvSpPr>
-            <a:spLocks noChangeArrowheads="1"/>
-          </p:cNvSpPr>
-          <p:nvPr/>
-        </p:nvSpPr>
-        <p:spPr bwMode="auto">
-          <a:xfrm>
-            <a:off x="0" y="0"/>
-            <a:ext cx="9144000" cy="0"/>
-          </a:xfrm>
-          <a:prstGeom prst="rect">
-            <a:avLst/>
-          </a:prstGeom>
-          <a:noFill/>
-          <a:ln w="9525">
-            <a:noFill/>
-            <a:miter lim="800000"/>
-            <a:headEnd/>
-            <a:tailEnd/>
-          </a:ln>
-          <a:effectLst/>
-        </p:spPr>
-        <p:txBody>
-          <a:bodyPr vert="horz" wrap="none" lIns="91440" tIns="45720" rIns="91440" bIns="45720" numCol="1" anchor="ctr" anchorCtr="0" compatLnSpc="1">
-            <a:prstTxWarp prst="textNoShape">
-              <a:avLst/>
-            </a:prstTxWarp>
-            <a:spAutoFit/>
-          </a:bodyPr>
-          <a:lstStyle/>
-          <a:p>
-            <a:endParaRPr lang="en-US" dirty="0"/>
-          </a:p>
-        </p:txBody>
-      </p:sp>
-      <p:graphicFrame>
-        <p:nvGraphicFramePr>
-          <p:cNvPr id="41985" name="Object 1"/>
-          <p:cNvGraphicFramePr>
-            <a:graphicFrameLocks noChangeAspect="1"/>
-          </p:cNvGraphicFramePr>
-          <p:nvPr/>
-        </p:nvGraphicFramePr>
-        <p:xfrm>
-          <a:off x="1643042" y="1500174"/>
-          <a:ext cx="5717644" cy="4572032"/>
-        </p:xfrm>
-        <a:graphic>
-          <a:graphicData uri="http://schemas.openxmlformats.org/presentationml/2006/ole">
-            <p:oleObj spid="_x0000_s41985" name="Acrobat Document" r:id="rId3" imgW="4114646" imgH="3295547" progId="AcroExch.Document.11">
-              <p:embed/>
-            </p:oleObj>
-          </a:graphicData>
-        </a:graphic>
-      </p:graphicFrame>
-    </p:spTree>
-  </p:cSld>
-  <p:clrMapOvr>
-    <a:masterClrMapping/>
-  </p:clrMapOvr>
-  <p:timing>
-    <p:tnLst>
-      <p:par>
-        <p:cTn id="1" dur="indefinite" restart="never" nodeType="tmRoot"/>
-      </p:par>
-    </p:tnLst>
-  </p:timing>
-</p:sld>
-</file>
-
-<file path=ppt/slides/slide24.xml><?xml version="1.0" encoding="utf-8"?>
-<p:sld xmlns:a="http://schemas.openxmlformats.org/drawingml/2006/main" xmlns:r="http://schemas.openxmlformats.org/officeDocument/2006/relationships" xmlns:p="http://schemas.openxmlformats.org/presentationml/2006/main">
-  <p:cSld>
-    <p:spTree>
-      <p:nvGrpSpPr>
-        <p:cNvPr id="1" name=""/>
-        <p:cNvGrpSpPr/>
-        <p:nvPr/>
-      </p:nvGrpSpPr>
-      <p:grpSpPr>
-        <a:xfrm>
-          <a:off x="0" y="0"/>
-          <a:ext cx="0" cy="0"/>
-          <a:chOff x="0" y="0"/>
-          <a:chExt cx="0" cy="0"/>
-        </a:xfrm>
-      </p:grpSpPr>
-      <p:sp>
-        <p:nvSpPr>
-          <p:cNvPr id="2" name="Title 1"/>
-          <p:cNvSpPr>
-            <a:spLocks noGrp="1"/>
-          </p:cNvSpPr>
-          <p:nvPr>
-            <p:ph type="title"/>
-          </p:nvPr>
-        </p:nvSpPr>
-        <p:spPr/>
-        <p:txBody>
-          <a:bodyPr>
-            <a:normAutofit fontScale="90000"/>
-          </a:bodyPr>
-          <a:lstStyle/>
-          <a:p>
-            <a:r>
-              <a:rPr lang="en-US" noProof="0" smtClean="0"/>
-              <a:t>Seamless Mobility in Home Operator</a:t>
-            </a:r>
-            <a:endParaRPr lang="en-US" noProof="0"/>
-          </a:p>
-        </p:txBody>
-      </p:sp>
-      <p:sp>
-        <p:nvSpPr>
-          <p:cNvPr id="3" name="Content Placeholder 2"/>
-          <p:cNvSpPr>
-            <a:spLocks noGrp="1"/>
-          </p:cNvSpPr>
-          <p:nvPr>
-            <p:ph idx="1"/>
-          </p:nvPr>
-        </p:nvSpPr>
-        <p:spPr/>
-        <p:txBody>
-          <a:bodyPr/>
-          <a:lstStyle/>
-          <a:p>
-            <a:r>
-              <a:rPr lang="en-US" noProof="0" smtClean="0"/>
-              <a:t>When a client moves out of the coverage area of its associated AP or if another AP provides a better service, the client may want to hand off to another AP.</a:t>
-            </a:r>
-          </a:p>
-          <a:p>
-            <a:r>
-              <a:rPr lang="en-US" noProof="0" smtClean="0"/>
-              <a:t>We develop seamless mobility protocol in order to avoid a full authorization process.</a:t>
-            </a:r>
-            <a:endParaRPr lang="en-US" noProof="0"/>
-          </a:p>
-        </p:txBody>
-      </p:sp>
-    </p:spTree>
-  </p:cSld>
-  <p:clrMapOvr>
-    <a:masterClrMapping/>
-  </p:clrMapOvr>
-  <p:timing>
-    <p:tnLst>
-      <p:par>
-        <p:cTn id="1" dur="indefinite" restart="never" nodeType="tmRoot"/>
-      </p:par>
-    </p:tnLst>
-  </p:timing>
-</p:sld>
-</file>
-
-<file path=ppt/slides/slide25.xml><?xml version="1.0" encoding="utf-8"?>
-<p:sld xmlns:a="http://schemas.openxmlformats.org/drawingml/2006/main" xmlns:r="http://schemas.openxmlformats.org/officeDocument/2006/relationships" xmlns:p="http://schemas.openxmlformats.org/presentationml/2006/main">
-  <p:cSld>
-    <p:spTree>
-      <p:nvGrpSpPr>
-        <p:cNvPr id="1" name=""/>
-        <p:cNvGrpSpPr/>
-        <p:nvPr/>
-      </p:nvGrpSpPr>
-      <p:grpSpPr>
-        <a:xfrm>
-          <a:off x="0" y="0"/>
-          <a:ext cx="0" cy="0"/>
-          <a:chOff x="0" y="0"/>
-          <a:chExt cx="0" cy="0"/>
-        </a:xfrm>
-      </p:grpSpPr>
-      <p:sp>
-        <p:nvSpPr>
-          <p:cNvPr id="2" name="Title 1"/>
-          <p:cNvSpPr>
-            <a:spLocks noGrp="1"/>
-          </p:cNvSpPr>
-          <p:nvPr>
-            <p:ph type="title"/>
-          </p:nvPr>
-        </p:nvSpPr>
-        <p:spPr/>
-        <p:txBody>
-          <a:bodyPr>
-            <a:normAutofit fontScale="90000"/>
-          </a:bodyPr>
-          <a:lstStyle/>
-          <a:p>
-            <a:r>
-              <a:rPr lang="en-US" noProof="0" smtClean="0"/>
-              <a:t>Seamless Mobility in Home Operator</a:t>
-            </a:r>
-            <a:endParaRPr lang="en-US" noProof="0"/>
-          </a:p>
-        </p:txBody>
-      </p:sp>
-      <p:sp>
-        <p:nvSpPr>
-          <p:cNvPr id="39938" name="Rectangle 2"/>
-          <p:cNvSpPr>
-            <a:spLocks noChangeArrowheads="1"/>
-          </p:cNvSpPr>
-          <p:nvPr/>
-        </p:nvSpPr>
-        <p:spPr bwMode="auto">
-          <a:xfrm>
-            <a:off x="0" y="0"/>
-            <a:ext cx="9144000" cy="0"/>
-          </a:xfrm>
-          <a:prstGeom prst="rect">
-            <a:avLst/>
-          </a:prstGeom>
-          <a:noFill/>
-          <a:ln w="9525">
-            <a:noFill/>
-            <a:miter lim="800000"/>
-            <a:headEnd/>
-            <a:tailEnd/>
-          </a:ln>
-          <a:effectLst/>
-        </p:spPr>
-        <p:txBody>
-          <a:bodyPr vert="horz" wrap="none" lIns="91440" tIns="45720" rIns="91440" bIns="45720" numCol="1" anchor="ctr" anchorCtr="0" compatLnSpc="1">
-            <a:prstTxWarp prst="textNoShape">
-              <a:avLst/>
-            </a:prstTxWarp>
-            <a:spAutoFit/>
-          </a:bodyPr>
-          <a:lstStyle/>
-          <a:p>
-            <a:endParaRPr lang="en-US" dirty="0"/>
-          </a:p>
-        </p:txBody>
-      </p:sp>
-      <p:graphicFrame>
-        <p:nvGraphicFramePr>
-          <p:cNvPr id="39937" name="Object 1"/>
-          <p:cNvGraphicFramePr>
-            <a:graphicFrameLocks noChangeAspect="1"/>
-          </p:cNvGraphicFramePr>
-          <p:nvPr/>
-        </p:nvGraphicFramePr>
-        <p:xfrm>
-          <a:off x="1857356" y="1785926"/>
-          <a:ext cx="5353050" cy="4391025"/>
-        </p:xfrm>
-        <a:graphic>
-          <a:graphicData uri="http://schemas.openxmlformats.org/presentationml/2006/ole">
-            <p:oleObj spid="_x0000_s39937" name="Acrobat Document" r:id="rId3" imgW="4019389" imgH="3295547" progId="AcroExch.Document.11">
-              <p:embed/>
-            </p:oleObj>
-          </a:graphicData>
-        </a:graphic>
-      </p:graphicFrame>
-    </p:spTree>
-  </p:cSld>
-  <p:clrMapOvr>
-    <a:masterClrMapping/>
-  </p:clrMapOvr>
-  <p:timing>
-    <p:tnLst>
-      <p:par>
-        <p:cTn id="1" dur="indefinite" restart="never" nodeType="tmRoot"/>
-      </p:par>
-    </p:tnLst>
-  </p:timing>
-</p:sld>
-</file>
-
-<file path=ppt/slides/slide26.xml><?xml version="1.0" encoding="utf-8"?>
-<p:sld xmlns:a="http://schemas.openxmlformats.org/drawingml/2006/main" xmlns:r="http://schemas.openxmlformats.org/officeDocument/2006/relationships" xmlns:p="http://schemas.openxmlformats.org/presentationml/2006/main">
-  <p:cSld>
-    <p:spTree>
-      <p:nvGrpSpPr>
-        <p:cNvPr id="1" name=""/>
-        <p:cNvGrpSpPr/>
-        <p:nvPr/>
-      </p:nvGrpSpPr>
-      <p:grpSpPr>
-        <a:xfrm>
-          <a:off x="0" y="0"/>
-          <a:ext cx="0" cy="0"/>
-          <a:chOff x="0" y="0"/>
-          <a:chExt cx="0" cy="0"/>
-        </a:xfrm>
-      </p:grpSpPr>
-      <p:sp>
-        <p:nvSpPr>
-          <p:cNvPr id="2" name="Title 1"/>
-          <p:cNvSpPr>
-            <a:spLocks noGrp="1"/>
-          </p:cNvSpPr>
-          <p:nvPr>
-            <p:ph type="title"/>
-          </p:nvPr>
-        </p:nvSpPr>
-        <p:spPr/>
-        <p:txBody>
-          <a:bodyPr>
-            <a:normAutofit fontScale="90000"/>
-          </a:bodyPr>
-          <a:lstStyle/>
-          <a:p>
-            <a:r>
-              <a:rPr lang="en-US" noProof="0" smtClean="0"/>
-              <a:t>Performance Evaluation of SSPayWMN</a:t>
-            </a:r>
-            <a:endParaRPr lang="en-US" noProof="0"/>
-          </a:p>
-        </p:txBody>
-      </p:sp>
-      <p:sp>
-        <p:nvSpPr>
-          <p:cNvPr id="3" name="Content Placeholder 2"/>
-          <p:cNvSpPr>
-            <a:spLocks noGrp="1"/>
-          </p:cNvSpPr>
-          <p:nvPr>
-            <p:ph idx="1"/>
-          </p:nvPr>
-        </p:nvSpPr>
-        <p:spPr/>
-        <p:txBody>
-          <a:bodyPr/>
-          <a:lstStyle/>
-          <a:p>
-            <a:r>
-              <a:rPr lang="en-US" noProof="0" smtClean="0"/>
-              <a:t>The simulations of SSPayWMN are conducted using ns-3.</a:t>
-            </a:r>
-          </a:p>
-          <a:p>
-            <a:r>
-              <a:rPr lang="en-US" noProof="0" smtClean="0"/>
-              <a:t>The simulator was run on a computer with 2.4 GHz Intel Core 2 Duo, 2 GB 1067 MHz DDR3, Apple MacBook OSX v10.6.8.</a:t>
-            </a:r>
-          </a:p>
-          <a:p>
-            <a:endParaRPr lang="en-US" noProof="0"/>
-          </a:p>
-        </p:txBody>
-      </p:sp>
-    </p:spTree>
-  </p:cSld>
-  <p:clrMapOvr>
-    <a:masterClrMapping/>
-  </p:clrMapOvr>
-  <p:timing>
-    <p:tnLst>
-      <p:par>
-        <p:cTn id="1" dur="indefinite" restart="never" nodeType="tmRoot"/>
-      </p:par>
-    </p:tnLst>
-  </p:timing>
-</p:sld>
-</file>
-
-<file path=ppt/slides/slide27.xml><?xml version="1.0" encoding="utf-8"?>
-<p:sld xmlns:a="http://schemas.openxmlformats.org/drawingml/2006/main" xmlns:r="http://schemas.openxmlformats.org/officeDocument/2006/relationships" xmlns:p="http://schemas.openxmlformats.org/presentationml/2006/main">
-  <p:cSld>
-    <p:spTree>
-      <p:nvGrpSpPr>
-        <p:cNvPr id="1" name=""/>
-        <p:cNvGrpSpPr/>
-        <p:nvPr/>
-      </p:nvGrpSpPr>
-      <p:grpSpPr>
-        <a:xfrm>
-          <a:off x="0" y="0"/>
-          <a:ext cx="0" cy="0"/>
-          <a:chOff x="0" y="0"/>
-          <a:chExt cx="0" cy="0"/>
-        </a:xfrm>
-      </p:grpSpPr>
-      <p:sp>
-        <p:nvSpPr>
-          <p:cNvPr id="2" name="Title 1"/>
-          <p:cNvSpPr>
-            <a:spLocks noGrp="1"/>
-          </p:cNvSpPr>
-          <p:nvPr>
-            <p:ph type="title"/>
-          </p:nvPr>
-        </p:nvSpPr>
-        <p:spPr/>
-        <p:txBody>
-          <a:bodyPr/>
-          <a:lstStyle/>
-          <a:p>
-            <a:r>
-              <a:rPr lang="en-US" noProof="0" smtClean="0"/>
               <a:t>Simulation Environment</a:t>
             </a:r>
             <a:endParaRPr lang="en-US" noProof="0"/>
@@ -5808,21 +4427,27 @@
           <p:cNvGraphicFramePr>
             <a:graphicFrameLocks noGrp="1"/>
           </p:cNvGraphicFramePr>
-          <p:nvPr/>
+          <p:nvPr>
+            <p:extLst>
+              <p:ext uri="{D42A27DB-BD31-4B8C-83A1-F6EECF244321}">
+                <p14:modId xmlns:p14="http://schemas.microsoft.com/office/powerpoint/2010/main" val="3172586298"/>
+              </p:ext>
+            </p:extLst>
+          </p:nvPr>
         </p:nvGraphicFramePr>
         <p:xfrm>
-          <a:off x="1571604" y="3571876"/>
-          <a:ext cx="5643602" cy="3000372"/>
+          <a:off x="467544" y="3789040"/>
+          <a:ext cx="4368548" cy="2305396"/>
         </p:xfrm>
         <a:graphic>
           <a:graphicData uri="http://schemas.openxmlformats.org/drawingml/2006/table">
             <a:tbl>
               <a:tblPr/>
               <a:tblGrid>
-                <a:gridCol w="2821801"/>
-                <a:gridCol w="2821801"/>
+                <a:gridCol w="2184274"/>
+                <a:gridCol w="2184274"/>
               </a:tblGrid>
-              <a:tr h="1000124">
+              <a:tr h="768465">
                 <a:tc>
                   <a:txBody>
                     <a:bodyPr/>
@@ -5911,7 +4536,7 @@
                         </a:rPr>
                         <a:t>6-54 Mbps – Wi-Fi</a:t>
                       </a:r>
-                      <a:endParaRPr lang="tr-TR" sz="1500">
+                      <a:endParaRPr lang="tr-TR" sz="1500" dirty="0">
                         <a:latin typeface="+mj-lt"/>
                         <a:ea typeface="SimSun"/>
                         <a:cs typeface="Times New Roman"/>
@@ -5958,7 +4583,7 @@
                   </a:tcPr>
                 </a:tc>
               </a:tr>
-              <a:tr h="500062">
+              <a:tr h="384233">
                 <a:tc>
                   <a:txBody>
                     <a:bodyPr/>
@@ -6094,7 +4719,7 @@
                   </a:tcPr>
                 </a:tc>
               </a:tr>
-              <a:tr h="1000124">
+              <a:tr h="768465">
                 <a:tc>
                   <a:txBody>
                     <a:bodyPr/>
@@ -6230,7 +4855,7 @@
                   </a:tcPr>
                 </a:tc>
               </a:tr>
-              <a:tr h="500062">
+              <a:tr h="384233">
                 <a:tc>
                   <a:txBody>
                     <a:bodyPr/>
@@ -6370,155 +4995,9 @@
           </a:graphicData>
         </a:graphic>
       </p:graphicFrame>
-    </p:spTree>
-  </p:cSld>
-  <p:clrMapOvr>
-    <a:masterClrMapping/>
-  </p:clrMapOvr>
-  <p:timing>
-    <p:tnLst>
-      <p:par>
-        <p:cTn id="1" dur="indefinite" restart="never" nodeType="tmRoot"/>
-      </p:par>
-    </p:tnLst>
-  </p:timing>
-</p:sld>
-</file>
-
-<file path=ppt/slides/slide28.xml><?xml version="1.0" encoding="utf-8"?>
-<p:sld xmlns:a="http://schemas.openxmlformats.org/drawingml/2006/main" xmlns:r="http://schemas.openxmlformats.org/officeDocument/2006/relationships" xmlns:p="http://schemas.openxmlformats.org/presentationml/2006/main">
-  <p:cSld>
-    <p:spTree>
-      <p:nvGrpSpPr>
-        <p:cNvPr id="1" name=""/>
-        <p:cNvGrpSpPr/>
-        <p:nvPr/>
-      </p:nvGrpSpPr>
-      <p:grpSpPr>
-        <a:xfrm>
-          <a:off x="0" y="0"/>
-          <a:ext cx="0" cy="0"/>
-          <a:chOff x="0" y="0"/>
-          <a:chExt cx="0" cy="0"/>
-        </a:xfrm>
-      </p:grpSpPr>
-      <p:sp>
-        <p:nvSpPr>
-          <p:cNvPr id="2" name="Title 1"/>
-          <p:cNvSpPr>
-            <a:spLocks noGrp="1"/>
-          </p:cNvSpPr>
-          <p:nvPr>
-            <p:ph type="title"/>
-          </p:nvPr>
-        </p:nvSpPr>
-        <p:spPr/>
-        <p:txBody>
-          <a:bodyPr/>
-          <a:lstStyle/>
-          <a:p>
-            <a:r>
-              <a:rPr lang="en-US" noProof="0" smtClean="0"/>
-              <a:t>Simulation Environment</a:t>
-            </a:r>
-            <a:endParaRPr lang="en-US" noProof="0"/>
-          </a:p>
-        </p:txBody>
-      </p:sp>
-      <p:sp>
-        <p:nvSpPr>
-          <p:cNvPr id="3" name="Content Placeholder 2"/>
-          <p:cNvSpPr>
-            <a:spLocks noGrp="1"/>
-          </p:cNvSpPr>
-          <p:nvPr>
-            <p:ph idx="1"/>
-          </p:nvPr>
-        </p:nvSpPr>
-        <p:spPr/>
-        <p:txBody>
-          <a:bodyPr/>
-          <a:lstStyle/>
-          <a:p>
-            <a:r>
-              <a:rPr lang="en-US" noProof="0" smtClean="0"/>
-              <a:t>Our network has 100 access points, 32 gateways, 2 operators and a TTP server covering a 1 km</a:t>
-            </a:r>
-            <a:r>
-              <a:rPr lang="en-US" baseline="30000" noProof="0" smtClean="0"/>
-              <a:t>2</a:t>
-            </a:r>
-            <a:r>
-              <a:rPr lang="en-US" noProof="0" smtClean="0"/>
-              <a:t> metropolitan area.</a:t>
-            </a:r>
-          </a:p>
-          <a:p>
-            <a:r>
-              <a:rPr lang="en-US" noProof="0" smtClean="0"/>
-              <a:t>There are 300 clients simultaneously trying to get internet service in a day.</a:t>
-            </a:r>
-          </a:p>
-        </p:txBody>
-      </p:sp>
-    </p:spTree>
-  </p:cSld>
-  <p:clrMapOvr>
-    <a:masterClrMapping/>
-  </p:clrMapOvr>
-  <p:timing>
-    <p:tnLst>
-      <p:par>
-        <p:cTn id="1" dur="indefinite" restart="never" nodeType="tmRoot"/>
-      </p:par>
-    </p:tnLst>
-  </p:timing>
-</p:sld>
-</file>
-
-<file path=ppt/slides/slide29.xml><?xml version="1.0" encoding="utf-8"?>
-<p:sld xmlns:a="http://schemas.openxmlformats.org/drawingml/2006/main" xmlns:r="http://schemas.openxmlformats.org/officeDocument/2006/relationships" xmlns:p="http://schemas.openxmlformats.org/presentationml/2006/main">
-  <p:cSld>
-    <p:spTree>
-      <p:nvGrpSpPr>
-        <p:cNvPr id="1" name=""/>
-        <p:cNvGrpSpPr/>
-        <p:nvPr/>
-      </p:nvGrpSpPr>
-      <p:grpSpPr>
-        <a:xfrm>
-          <a:off x="0" y="0"/>
-          <a:ext cx="0" cy="0"/>
-          <a:chOff x="0" y="0"/>
-          <a:chExt cx="0" cy="0"/>
-        </a:xfrm>
-      </p:grpSpPr>
-      <p:sp>
-        <p:nvSpPr>
-          <p:cNvPr id="2" name="Title 1"/>
-          <p:cNvSpPr>
-            <a:spLocks noGrp="1"/>
-          </p:cNvSpPr>
-          <p:nvPr>
-            <p:ph type="title"/>
-          </p:nvPr>
-        </p:nvSpPr>
-        <p:spPr/>
-        <p:txBody>
-          <a:bodyPr/>
-          <a:lstStyle/>
-          <a:p>
-            <a:r>
-              <a:rPr lang="en-US" noProof="0" smtClean="0"/>
-              <a:t>Simulation Environment</a:t>
-            </a:r>
-            <a:endParaRPr lang="en-US" noProof="0"/>
-          </a:p>
-        </p:txBody>
-      </p:sp>
       <p:pic>
         <p:nvPicPr>
-          <p:cNvPr id="4" name="Picture 3" descr="C:\Users\SUUSER\Documents\GitHub\worddoc\thesisImages\networkTopology.png"/>
+          <p:cNvPr id="5" name="Picture 4" descr="C:\Users\SUUSER\Documents\GitHub\worddoc\thesisImages\networkTopology.png"/>
           <p:cNvPicPr/>
           <p:nvPr/>
         </p:nvPicPr>
@@ -6531,8 +5010,8 @@
         </p:blipFill>
         <p:spPr bwMode="auto">
           <a:xfrm>
-            <a:off x="2071670" y="2000240"/>
-            <a:ext cx="4915700" cy="3877814"/>
+            <a:off x="5220072" y="3501008"/>
+            <a:ext cx="3528392" cy="2736304"/>
           </a:xfrm>
           <a:prstGeom prst="rect">
             <a:avLst/>
@@ -6554,14 +5033,14 @@
   <p:timing>
     <p:tnLst>
       <p:par>
-        <p:cTn id="1" dur="indefinite" restart="never" nodeType="tmRoot"/>
+        <p:cTn xmlns:p14="http://schemas.microsoft.com/office/powerpoint/2010/main" id="1" dur="indefinite" restart="never" nodeType="tmRoot"/>
       </p:par>
     </p:tnLst>
   </p:timing>
 </p:sld>
 </file>
 
-<file path=ppt/slides/slide3.xml><?xml version="1.0" encoding="utf-8"?>
+<file path=ppt/slides/slide16.xml><?xml version="1.0" encoding="utf-8"?>
 <p:sld xmlns:a="http://schemas.openxmlformats.org/drawingml/2006/main" xmlns:r="http://schemas.openxmlformats.org/officeDocument/2006/relationships" xmlns:p="http://schemas.openxmlformats.org/presentationml/2006/main">
   <p:cSld>
     <p:spTree>
@@ -6594,14 +5073,10 @@
           <a:lstStyle/>
           <a:p>
             <a:r>
-              <a:rPr lang="en-US" noProof="0" dirty="0" smtClean="0">
-                <a:cs typeface="Arial"/>
-              </a:rPr>
-              <a:t>Project Description in a Nutshell</a:t>
-            </a:r>
-            <a:endParaRPr lang="en-US" noProof="0" dirty="0">
-              <a:cs typeface="Arial"/>
-            </a:endParaRPr>
+              <a:rPr lang="en-US" noProof="0" smtClean="0"/>
+              <a:t>SSPayWMN Simulations</a:t>
+            </a:r>
+            <a:endParaRPr lang="en-US" noProof="0"/>
           </a:p>
         </p:txBody>
       </p:sp>
@@ -6618,60 +5093,43 @@
         <p:spPr/>
         <p:txBody>
           <a:bodyPr>
-            <a:normAutofit/>
+            <a:normAutofit lnSpcReduction="10000"/>
           </a:bodyPr>
           <a:lstStyle/>
           <a:p>
             <a:r>
-              <a:rPr lang="en-US" noProof="0" dirty="0" smtClean="0">
-                <a:cs typeface="Arial"/>
-              </a:rPr>
-              <a:t>A secure prepaid payment scheme for broadband Internet access is designed and developed in a simulation environment.</a:t>
-            </a:r>
-          </a:p>
-          <a:p>
-            <a:r>
-              <a:rPr lang="en-US" noProof="0" dirty="0" smtClean="0">
-                <a:cs typeface="Arial"/>
-              </a:rPr>
-              <a:t>This scheme will be particularly for Wireless Mesh Networks with multiple operators.</a:t>
-            </a:r>
-            <a:endParaRPr lang="en-US" noProof="0" dirty="0">
-              <a:cs typeface="Arial"/>
-            </a:endParaRPr>
-          </a:p>
-        </p:txBody>
-      </p:sp>
-      <p:sp>
-        <p:nvSpPr>
-          <p:cNvPr id="4" name="Slide Number Placeholder 3"/>
-          <p:cNvSpPr>
-            <a:spLocks noGrp="1"/>
-          </p:cNvSpPr>
-          <p:nvPr>
-            <p:ph type="sldNum" sz="quarter" idx="12"/>
-          </p:nvPr>
-        </p:nvSpPr>
-        <p:spPr/>
-        <p:txBody>
-          <a:bodyPr/>
-          <a:lstStyle/>
-          <a:p>
-            <a:fld id="{7F5CE407-6216-4202-80E4-A30DC2F709B2}" type="slidenum">
-              <a:rPr lang="en-US" smtClean="0"/>
-              <a:pPr/>
-              <a:t>3</a:t>
-            </a:fld>
-            <a:endParaRPr lang="en-US" dirty="0"/>
+              <a:rPr lang="en-US" noProof="0" dirty="0" smtClean="0"/>
+              <a:t>We have conducted the simulations of SSPayWMN in two groups.</a:t>
+            </a:r>
+          </a:p>
+          <a:p>
+            <a:r>
+              <a:rPr lang="en-US" noProof="0" dirty="0" smtClean="0"/>
+              <a:t>Unit Tests: </a:t>
+            </a:r>
+            <a:r>
+              <a:rPr lang="en-US" dirty="0" smtClean="0"/>
+              <a:t>Independent </a:t>
+            </a:r>
+            <a:r>
+              <a:rPr lang="en-US" noProof="0" dirty="0" smtClean="0"/>
+              <a:t>protocol runs to </a:t>
+            </a:r>
+            <a:r>
+              <a:rPr lang="en-US" noProof="0" dirty="0" smtClean="0"/>
+              <a:t>analyze the delay caused by protocols.</a:t>
+            </a:r>
+          </a:p>
+          <a:p>
+            <a:r>
+              <a:rPr lang="en-US" noProof="0" dirty="0" smtClean="0"/>
+              <a:t>Real-life Scenario Simulation: These simulations evaluate the system’s overall performance in an ordinary day usage with client mobility and realistic Internet service demand.</a:t>
+            </a:r>
+            <a:endParaRPr lang="en-US" noProof="0" dirty="0"/>
           </a:p>
         </p:txBody>
       </p:sp>
     </p:spTree>
-    <p:extLst>
-      <p:ext uri="{BB962C8B-B14F-4D97-AF65-F5344CB8AC3E}">
-        <p14:creationId xmlns:p14="http://schemas.microsoft.com/office/powerpoint/2010/main" xmlns="" val="2774399580"/>
-      </p:ext>
-    </p:extLst>
   </p:cSld>
   <p:clrMapOvr>
     <a:masterClrMapping/>
@@ -6679,14 +5137,14 @@
   <p:timing>
     <p:tnLst>
       <p:par>
-        <p:cTn id="1" dur="indefinite" restart="never" nodeType="tmRoot"/>
+        <p:cTn xmlns:p14="http://schemas.microsoft.com/office/powerpoint/2010/main" id="1" dur="indefinite" restart="never" nodeType="tmRoot"/>
       </p:par>
     </p:tnLst>
   </p:timing>
 </p:sld>
 </file>
 
-<file path=ppt/slides/slide30.xml><?xml version="1.0" encoding="utf-8"?>
+<file path=ppt/slides/slide17.xml><?xml version="1.0" encoding="utf-8"?>
 <p:sld xmlns:a="http://schemas.openxmlformats.org/drawingml/2006/main" xmlns:r="http://schemas.openxmlformats.org/officeDocument/2006/relationships" xmlns:p="http://schemas.openxmlformats.org/presentationml/2006/main">
   <p:cSld>
     <p:spTree>
@@ -6720,98 +5178,6 @@
           <a:p>
             <a:r>
               <a:rPr lang="en-US" noProof="0" smtClean="0"/>
-              <a:t>SSPayWMN Simulations</a:t>
-            </a:r>
-            <a:endParaRPr lang="en-US" noProof="0"/>
-          </a:p>
-        </p:txBody>
-      </p:sp>
-      <p:sp>
-        <p:nvSpPr>
-          <p:cNvPr id="3" name="Content Placeholder 2"/>
-          <p:cNvSpPr>
-            <a:spLocks noGrp="1"/>
-          </p:cNvSpPr>
-          <p:nvPr>
-            <p:ph idx="1"/>
-          </p:nvPr>
-        </p:nvSpPr>
-        <p:spPr/>
-        <p:txBody>
-          <a:bodyPr>
-            <a:normAutofit fontScale="92500"/>
-          </a:bodyPr>
-          <a:lstStyle/>
-          <a:p>
-            <a:r>
-              <a:rPr lang="en-US" noProof="0" smtClean="0"/>
-              <a:t>We have conducted the simulations of SSPayWMN in two groups.</a:t>
-            </a:r>
-          </a:p>
-          <a:p>
-            <a:r>
-              <a:rPr lang="en-US" noProof="0" smtClean="0"/>
-              <a:t>Unit Tests: These simulations aim to simulate protocols of SSPayWMN, independent from each other to analyze the delay caused by protocols.</a:t>
-            </a:r>
-          </a:p>
-          <a:p>
-            <a:r>
-              <a:rPr lang="en-US" noProof="0" smtClean="0"/>
-              <a:t>Real-life Scenario Simulation: These simulations evaluate the system’s overall performance in an ordinary day usage with client mobility and realistic Internet service demand.</a:t>
-            </a:r>
-            <a:endParaRPr lang="en-US" noProof="0"/>
-          </a:p>
-        </p:txBody>
-      </p:sp>
-    </p:spTree>
-  </p:cSld>
-  <p:clrMapOvr>
-    <a:masterClrMapping/>
-  </p:clrMapOvr>
-  <p:timing>
-    <p:tnLst>
-      <p:par>
-        <p:cTn id="1" dur="indefinite" restart="never" nodeType="tmRoot"/>
-      </p:par>
-    </p:tnLst>
-  </p:timing>
-</p:sld>
-</file>
-
-<file path=ppt/slides/slide31.xml><?xml version="1.0" encoding="utf-8"?>
-<p:sld xmlns:a="http://schemas.openxmlformats.org/drawingml/2006/main" xmlns:r="http://schemas.openxmlformats.org/officeDocument/2006/relationships" xmlns:p="http://schemas.openxmlformats.org/presentationml/2006/main">
-  <p:cSld>
-    <p:spTree>
-      <p:nvGrpSpPr>
-        <p:cNvPr id="1" name=""/>
-        <p:cNvGrpSpPr/>
-        <p:nvPr/>
-      </p:nvGrpSpPr>
-      <p:grpSpPr>
-        <a:xfrm>
-          <a:off x="0" y="0"/>
-          <a:ext cx="0" cy="0"/>
-          <a:chOff x="0" y="0"/>
-          <a:chExt cx="0" cy="0"/>
-        </a:xfrm>
-      </p:grpSpPr>
-      <p:sp>
-        <p:nvSpPr>
-          <p:cNvPr id="2" name="Title 1"/>
-          <p:cNvSpPr>
-            <a:spLocks noGrp="1"/>
-          </p:cNvSpPr>
-          <p:nvPr>
-            <p:ph type="title"/>
-          </p:nvPr>
-        </p:nvSpPr>
-        <p:spPr/>
-        <p:txBody>
-          <a:bodyPr/>
-          <a:lstStyle/>
-          <a:p>
-            <a:r>
-              <a:rPr lang="en-US" noProof="0" smtClean="0"/>
               <a:t>Unit Test Results</a:t>
             </a:r>
             <a:endParaRPr lang="en-US" noProof="0"/>
@@ -6848,12 +5214,12 @@
       </p:sp>
       <p:pic>
         <p:nvPicPr>
-          <p:cNvPr id="4" name="Picture 3" descr="C:\Users\SUUSER\Documents\GitHub\worddoc\thesisImages\unitSimImages\endToEndMedium.png"/>
+          <p:cNvPr id="5" name="Picture 4" descr="C:\Users\SUUSER\Documents\GitHub\worddoc\thesisImages\unitSimImages\endToEndOrigSon.png"/>
           <p:cNvPicPr/>
           <p:nvPr/>
         </p:nvPicPr>
         <p:blipFill>
-          <a:blip r:embed="rId2" cstate="print"/>
+          <a:blip r:embed="rId2"/>
           <a:srcRect/>
           <a:stretch>
             <a:fillRect/>
@@ -6861,8 +5227,8 @@
         </p:blipFill>
         <p:spPr bwMode="auto">
           <a:xfrm>
-            <a:off x="1643042" y="2714620"/>
-            <a:ext cx="5724525" cy="3810000"/>
+            <a:off x="2123728" y="2780928"/>
+            <a:ext cx="4845050" cy="3286125"/>
           </a:xfrm>
           <a:prstGeom prst="rect">
             <a:avLst/>
@@ -6884,14 +5250,14 @@
   <p:timing>
     <p:tnLst>
       <p:par>
-        <p:cTn id="1" dur="indefinite" restart="never" nodeType="tmRoot"/>
+        <p:cTn xmlns:p14="http://schemas.microsoft.com/office/powerpoint/2010/main" id="1" dur="indefinite" restart="never" nodeType="tmRoot"/>
       </p:par>
     </p:tnLst>
   </p:timing>
 </p:sld>
 </file>
 
-<file path=ppt/slides/slide32.xml><?xml version="1.0" encoding="utf-8"?>
+<file path=ppt/slides/slide18.xml><?xml version="1.0" encoding="utf-8"?>
 <p:sld xmlns:a="http://schemas.openxmlformats.org/drawingml/2006/main" xmlns:r="http://schemas.openxmlformats.org/officeDocument/2006/relationships" xmlns:p="http://schemas.openxmlformats.org/presentationml/2006/main">
   <p:cSld>
     <p:spTree>
@@ -6961,12 +5327,12 @@
       </p:sp>
       <p:pic>
         <p:nvPicPr>
-          <p:cNvPr id="4" name="Picture 3" descr="D:\My Documents\albert\tt proje\D4-accesspoint.png"/>
+          <p:cNvPr id="5" name="Picture 4" descr="D:\My Documents\albert\tt proje\D4-accesspoint.png"/>
           <p:cNvPicPr/>
           <p:nvPr/>
         </p:nvPicPr>
         <p:blipFill>
-          <a:blip r:embed="rId2" cstate="print"/>
+          <a:blip r:embed="rId2"/>
           <a:srcRect/>
           <a:stretch>
             <a:fillRect/>
@@ -6974,7 +5340,7 @@
         </p:blipFill>
         <p:spPr bwMode="auto">
           <a:xfrm>
-            <a:off x="1928794" y="2857496"/>
+            <a:off x="1918652" y="2821518"/>
             <a:ext cx="5306695" cy="3559810"/>
           </a:xfrm>
           <a:prstGeom prst="rect">
@@ -6997,14 +5363,14 @@
   <p:timing>
     <p:tnLst>
       <p:par>
-        <p:cTn id="1" dur="indefinite" restart="never" nodeType="tmRoot"/>
+        <p:cTn xmlns:p14="http://schemas.microsoft.com/office/powerpoint/2010/main" id="1" dur="indefinite" restart="never" nodeType="tmRoot"/>
       </p:par>
     </p:tnLst>
   </p:timing>
 </p:sld>
 </file>
 
-<file path=ppt/slides/slide33.xml><?xml version="1.0" encoding="utf-8"?>
+<file path=ppt/slides/slide19.xml><?xml version="1.0" encoding="utf-8"?>
 <p:sld xmlns:a="http://schemas.openxmlformats.org/drawingml/2006/main" xmlns:r="http://schemas.openxmlformats.org/officeDocument/2006/relationships" xmlns:p="http://schemas.openxmlformats.org/presentationml/2006/main">
   <p:cSld>
     <p:spTree>
@@ -7076,12 +5442,12 @@
       </p:sp>
       <p:pic>
         <p:nvPicPr>
-          <p:cNvPr id="5" name="Picture 4" descr="D:\My Documents\albert\tt proje\D4-seamlessmobilityroaming.png"/>
+          <p:cNvPr id="6" name="Picture 5" descr="C:\Users\SUUSER\Documents\GitHub\worddoc\thesisImages\unitSimImages\seamlessMobRoamingSon.png"/>
           <p:cNvPicPr/>
           <p:nvPr/>
         </p:nvPicPr>
         <p:blipFill>
-          <a:blip r:embed="rId2" cstate="print"/>
+          <a:blip r:embed="rId2"/>
           <a:srcRect/>
           <a:stretch>
             <a:fillRect/>
@@ -7089,8 +5455,8 @@
         </p:blipFill>
         <p:spPr bwMode="auto">
           <a:xfrm>
-            <a:off x="1928794" y="2857496"/>
-            <a:ext cx="5331460" cy="3592195"/>
+            <a:off x="1704975" y="2658194"/>
+            <a:ext cx="5734050" cy="3867150"/>
           </a:xfrm>
           <a:prstGeom prst="rect">
             <a:avLst/>
@@ -7112,14 +5478,142 @@
   <p:timing>
     <p:tnLst>
       <p:par>
-        <p:cTn id="1" dur="indefinite" restart="never" nodeType="tmRoot"/>
+        <p:cTn xmlns:p14="http://schemas.microsoft.com/office/powerpoint/2010/main" id="1" dur="indefinite" restart="never" nodeType="tmRoot"/>
       </p:par>
     </p:tnLst>
   </p:timing>
 </p:sld>
 </file>
 
-<file path=ppt/slides/slide34.xml><?xml version="1.0" encoding="utf-8"?>
+<file path=ppt/slides/slide2.xml><?xml version="1.0" encoding="utf-8"?>
+<p:sld xmlns:a="http://schemas.openxmlformats.org/drawingml/2006/main" xmlns:r="http://schemas.openxmlformats.org/officeDocument/2006/relationships" xmlns:p="http://schemas.openxmlformats.org/presentationml/2006/main">
+  <p:cSld>
+    <p:spTree>
+      <p:nvGrpSpPr>
+        <p:cNvPr id="1" name=""/>
+        <p:cNvGrpSpPr/>
+        <p:nvPr/>
+      </p:nvGrpSpPr>
+      <p:grpSpPr>
+        <a:xfrm>
+          <a:off x="0" y="0"/>
+          <a:ext cx="0" cy="0"/>
+          <a:chOff x="0" y="0"/>
+          <a:chExt cx="0" cy="0"/>
+        </a:xfrm>
+      </p:grpSpPr>
+      <p:sp>
+        <p:nvSpPr>
+          <p:cNvPr id="2" name="Title 1"/>
+          <p:cNvSpPr>
+            <a:spLocks noGrp="1"/>
+          </p:cNvSpPr>
+          <p:nvPr>
+            <p:ph type="title"/>
+          </p:nvPr>
+        </p:nvSpPr>
+        <p:spPr/>
+        <p:txBody>
+          <a:bodyPr/>
+          <a:lstStyle/>
+          <a:p>
+            <a:r>
+              <a:rPr lang="en-US" noProof="0" dirty="0" smtClean="0"/>
+              <a:t>Outline</a:t>
+            </a:r>
+            <a:endParaRPr lang="en-US" noProof="0" dirty="0"/>
+          </a:p>
+        </p:txBody>
+      </p:sp>
+      <p:sp>
+        <p:nvSpPr>
+          <p:cNvPr id="3" name="Content Placeholder 2"/>
+          <p:cNvSpPr>
+            <a:spLocks noGrp="1"/>
+          </p:cNvSpPr>
+          <p:nvPr>
+            <p:ph idx="1"/>
+          </p:nvPr>
+        </p:nvSpPr>
+        <p:spPr/>
+        <p:txBody>
+          <a:bodyPr>
+            <a:normAutofit fontScale="92500" lnSpcReduction="20000"/>
+          </a:bodyPr>
+          <a:lstStyle/>
+          <a:p>
+            <a:r>
+              <a:rPr lang="en-US" noProof="0" dirty="0" smtClean="0"/>
+              <a:t>Thesis description</a:t>
+            </a:r>
+            <a:endParaRPr lang="en-US" noProof="0" dirty="0" smtClean="0"/>
+          </a:p>
+          <a:p>
+            <a:r>
+              <a:rPr lang="en-US" noProof="0" dirty="0" smtClean="0"/>
+              <a:t>Building blocks of the system</a:t>
+            </a:r>
+          </a:p>
+          <a:p>
+            <a:r>
+              <a:rPr lang="en-US" noProof="0" dirty="0" smtClean="0"/>
+              <a:t>Protocol specifications</a:t>
+            </a:r>
+          </a:p>
+          <a:p>
+            <a:r>
+              <a:rPr lang="en-US" noProof="0" dirty="0" smtClean="0"/>
+              <a:t>Simulation environment</a:t>
+            </a:r>
+          </a:p>
+          <a:p>
+            <a:r>
+              <a:rPr lang="en-US" noProof="0" dirty="0" smtClean="0"/>
+              <a:t>Unit test results</a:t>
+            </a:r>
+          </a:p>
+          <a:p>
+            <a:r>
+              <a:rPr lang="en-US" noProof="0" dirty="0" smtClean="0"/>
+              <a:t>Client models and actions</a:t>
+            </a:r>
+          </a:p>
+          <a:p>
+            <a:r>
+              <a:rPr lang="en-US" noProof="0" dirty="0" smtClean="0"/>
+              <a:t>Real-life scenario simulation results</a:t>
+            </a:r>
+          </a:p>
+          <a:p>
+            <a:r>
+              <a:rPr lang="en-US" noProof="0" dirty="0" smtClean="0"/>
+              <a:t>Discussion on success of SSPayWMN</a:t>
+            </a:r>
+          </a:p>
+          <a:p>
+            <a:r>
+              <a:rPr lang="en-US" noProof="0" dirty="0" smtClean="0"/>
+              <a:t>Conclusions</a:t>
+            </a:r>
+          </a:p>
+        </p:txBody>
+      </p:sp>
+    </p:spTree>
+  </p:cSld>
+  <p:clrMapOvr>
+    <a:masterClrMapping/>
+  </p:clrMapOvr>
+  <p:timing>
+    <p:tnLst>
+      <p:par>
+        <p:cTn xmlns:p14="http://schemas.microsoft.com/office/powerpoint/2010/main" id="1" dur="indefinite" restart="never" nodeType="tmRoot"/>
+      </p:par>
+    </p:tnLst>
+  </p:timing>
+</p:sld>
+</file>
+
+<file path=ppt/slides/slide20.xml><?xml version="1.0" encoding="utf-8"?>
 <p:sld xmlns:a="http://schemas.openxmlformats.org/drawingml/2006/main" xmlns:r="http://schemas.openxmlformats.org/officeDocument/2006/relationships" xmlns:p="http://schemas.openxmlformats.org/presentationml/2006/main">
   <p:cSld>
     <p:spTree>
@@ -7225,14 +5719,14 @@
   <p:timing>
     <p:tnLst>
       <p:par>
-        <p:cTn id="1" dur="indefinite" restart="never" nodeType="tmRoot"/>
+        <p:cTn xmlns:p14="http://schemas.microsoft.com/office/powerpoint/2010/main" id="1" dur="indefinite" restart="never" nodeType="tmRoot"/>
       </p:par>
     </p:tnLst>
   </p:timing>
 </p:sld>
 </file>
 
-<file path=ppt/slides/slide35.xml><?xml version="1.0" encoding="utf-8"?>
+<file path=ppt/slides/slide21.xml><?xml version="1.0" encoding="utf-8"?>
 <p:sld xmlns:a="http://schemas.openxmlformats.org/drawingml/2006/main" xmlns:r="http://schemas.openxmlformats.org/officeDocument/2006/relationships" xmlns:p="http://schemas.openxmlformats.org/presentationml/2006/main">
   <p:cSld>
     <p:spTree>
@@ -7261,12 +5755,21 @@
         </p:nvSpPr>
         <p:spPr/>
         <p:txBody>
-          <a:bodyPr/>
+          <a:bodyPr>
+            <a:normAutofit fontScale="90000"/>
+          </a:bodyPr>
           <a:lstStyle/>
           <a:p>
             <a:r>
               <a:rPr lang="en-US" noProof="0" smtClean="0"/>
-              <a:t>Unit Test Results</a:t>
+              <a:t>User Modeling and Mobility in </a:t>
+            </a:r>
+            <a:br>
+              <a:rPr lang="en-US" noProof="0" smtClean="0"/>
+            </a:br>
+            <a:r>
+              <a:rPr lang="en-US" noProof="0" smtClean="0"/>
+              <a:t>Real-Life Scenario</a:t>
             </a:r>
             <a:endParaRPr lang="en-US" noProof="0"/>
           </a:p>
@@ -7282,56 +5785,164 @@
             <p:ph idx="1"/>
           </p:nvPr>
         </p:nvSpPr>
-        <p:spPr>
-          <a:xfrm>
-            <a:off x="457200" y="1600201"/>
-            <a:ext cx="8229600" cy="542916"/>
-          </a:xfrm>
-        </p:spPr>
+        <p:spPr/>
         <p:txBody>
           <a:bodyPr>
-            <a:normAutofit lnSpcReduction="10000"/>
+            <a:normAutofit fontScale="77500" lnSpcReduction="20000"/>
           </a:bodyPr>
           <a:lstStyle/>
           <a:p>
             <a:r>
-              <a:rPr lang="en-US" noProof="0" smtClean="0"/>
-              <a:t>Unit Test Result for Update Packets</a:t>
-            </a:r>
-            <a:endParaRPr lang="en-US" noProof="0"/>
-          </a:p>
-        </p:txBody>
-      </p:sp>
-      <p:pic>
-        <p:nvPicPr>
-          <p:cNvPr id="4" name="Picture 3" descr="C:\Users\SUUSER\Documents\GitHub\worddoc\thesisImages\unitSimImages\updatePacketsMedium.png"/>
-          <p:cNvPicPr/>
-          <p:nvPr/>
-        </p:nvPicPr>
-        <p:blipFill>
-          <a:blip r:embed="rId2" cstate="print"/>
-          <a:srcRect/>
-          <a:stretch>
-            <a:fillRect/>
-          </a:stretch>
-        </p:blipFill>
-        <p:spPr bwMode="auto">
-          <a:xfrm>
-            <a:off x="1714480" y="2643182"/>
-            <a:ext cx="5724525" cy="3800475"/>
-          </a:xfrm>
-          <a:prstGeom prst="rect">
-            <a:avLst/>
-          </a:prstGeom>
-          <a:noFill/>
-          <a:ln w="9525">
-            <a:noFill/>
-            <a:miter lim="800000"/>
-            <a:headEnd/>
-            <a:tailEnd/>
-          </a:ln>
-        </p:spPr>
-      </p:pic>
+              <a:rPr lang="en-US" noProof="0" dirty="0" smtClean="0"/>
+              <a:t>The proposed system intends to serve a variety of users. </a:t>
+            </a:r>
+          </a:p>
+          <a:p>
+            <a:r>
+              <a:rPr lang="en-US" dirty="0" smtClean="0"/>
+              <a:t>Clients perform certain kinds of actions and </a:t>
+            </a:r>
+            <a:r>
+              <a:rPr lang="en-US" dirty="0"/>
+              <a:t>a</a:t>
+            </a:r>
+            <a:r>
+              <a:rPr lang="en-US" noProof="0" dirty="0" err="1" smtClean="0"/>
+              <a:t>ll</a:t>
+            </a:r>
+            <a:r>
+              <a:rPr lang="en-US" noProof="0" dirty="0" smtClean="0"/>
+              <a:t> </a:t>
+            </a:r>
+            <a:r>
+              <a:rPr lang="en-US" noProof="0" dirty="0" smtClean="0"/>
+              <a:t>of these actions are triggered as a result of a random event</a:t>
+            </a:r>
+            <a:r>
+              <a:rPr lang="en-US" noProof="0" dirty="0" smtClean="0"/>
+              <a:t>.</a:t>
+            </a:r>
+          </a:p>
+          <a:p>
+            <a:pPr marL="0" indent="0" algn="ctr">
+              <a:buNone/>
+            </a:pPr>
+            <a:endParaRPr lang="en-US" i="1" dirty="0" smtClean="0"/>
+          </a:p>
+          <a:p>
+            <a:pPr marL="0" indent="0" algn="ctr">
+              <a:buNone/>
+            </a:pPr>
+            <a:r>
+              <a:rPr lang="en-US" i="1" dirty="0" err="1" smtClean="0"/>
+              <a:t>beco</a:t>
+            </a:r>
+            <a:r>
+              <a:rPr lang="en-US" i="1" dirty="0" smtClean="0"/>
+              <a:t>𝑚</a:t>
+            </a:r>
+            <a:r>
+              <a:rPr lang="en-US" i="1" dirty="0" err="1" smtClean="0"/>
+              <a:t>eActiveProb</a:t>
+            </a:r>
+            <a:r>
+              <a:rPr lang="en-US" i="1" dirty="0"/>
+              <a:t>&lt;Domestic&gt;  = {0.40, 0.60, 0.60};</a:t>
+            </a:r>
+            <a:endParaRPr lang="en-US" dirty="0"/>
+          </a:p>
+          <a:p>
+            <a:pPr marL="0" indent="0" algn="ctr">
+              <a:buNone/>
+            </a:pPr>
+            <a:r>
+              <a:rPr lang="en-US" i="1" dirty="0" err="1"/>
+              <a:t>becomeActiveProb</a:t>
+            </a:r>
+            <a:r>
+              <a:rPr lang="en-US" i="1" dirty="0"/>
+              <a:t>&lt;Student&gt;  = {0.20, 0.20, 0.80};</a:t>
+            </a:r>
+            <a:endParaRPr lang="en-US" dirty="0"/>
+          </a:p>
+          <a:p>
+            <a:pPr marL="0" indent="0" algn="ctr">
+              <a:buNone/>
+            </a:pPr>
+            <a:r>
+              <a:rPr lang="en-US" i="1" dirty="0" err="1"/>
+              <a:t>becomeActiveProb</a:t>
+            </a:r>
+            <a:r>
+              <a:rPr lang="en-US" i="1" dirty="0"/>
+              <a:t>&lt;Employee&gt;  = {0.20, 0.99, 0.20};</a:t>
+            </a:r>
+            <a:endParaRPr lang="en-US" dirty="0"/>
+          </a:p>
+          <a:p>
+            <a:pPr marL="0" indent="0" algn="ctr">
+              <a:buNone/>
+            </a:pPr>
+            <a:r>
+              <a:rPr lang="en-US" dirty="0"/>
+              <a:t> </a:t>
+            </a:r>
+          </a:p>
+          <a:p>
+            <a:pPr marL="0" indent="0" algn="ctr">
+              <a:buNone/>
+            </a:pPr>
+            <a:r>
+              <a:rPr lang="en-US" i="1" dirty="0" err="1"/>
+              <a:t>stayActiveProb</a:t>
+            </a:r>
+            <a:r>
+              <a:rPr lang="en-US" i="1" dirty="0"/>
+              <a:t>&lt;</a:t>
+            </a:r>
+            <a:r>
+              <a:rPr lang="en-US" i="1" dirty="0" err="1"/>
+              <a:t>Domesti</a:t>
+            </a:r>
+            <a:r>
+              <a:rPr lang="en-US" i="1" dirty="0"/>
+              <a:t>𝑐&gt;  = {0.90, 0.98, 0.80};</a:t>
+            </a:r>
+            <a:endParaRPr lang="en-US" dirty="0"/>
+          </a:p>
+          <a:p>
+            <a:pPr marL="0" indent="0" algn="ctr">
+              <a:buNone/>
+            </a:pPr>
+            <a:r>
+              <a:rPr lang="en-US" i="1" dirty="0" err="1"/>
+              <a:t>stayActiveProb</a:t>
+            </a:r>
+            <a:r>
+              <a:rPr lang="en-US" i="1" dirty="0"/>
+              <a:t>&lt;Student&gt; = {0.30, 0.20, 0.98};</a:t>
+            </a:r>
+            <a:endParaRPr lang="en-US" dirty="0"/>
+          </a:p>
+          <a:p>
+            <a:pPr marL="0" indent="0" algn="ctr">
+              <a:buNone/>
+            </a:pPr>
+            <a:r>
+              <a:rPr lang="en-US" i="1" dirty="0" err="1"/>
+              <a:t>stayActiveProb</a:t>
+            </a:r>
+            <a:r>
+              <a:rPr lang="en-US" i="1" dirty="0"/>
+              <a:t>&lt;Employee&gt;  = {0.30, 0.99, 0.20};</a:t>
+            </a:r>
+            <a:endParaRPr lang="en-US" dirty="0"/>
+          </a:p>
+          <a:p>
+            <a:endParaRPr lang="en-US" noProof="0" dirty="0"/>
+          </a:p>
+        </p:txBody>
+      </p:sp>
     </p:spTree>
   </p:cSld>
   <p:clrMapOvr>
@@ -7340,115 +5951,14 @@
   <p:timing>
     <p:tnLst>
       <p:par>
-        <p:cTn id="1" dur="indefinite" restart="never" nodeType="tmRoot"/>
+        <p:cTn xmlns:p14="http://schemas.microsoft.com/office/powerpoint/2010/main" id="1" dur="indefinite" restart="never" nodeType="tmRoot"/>
       </p:par>
     </p:tnLst>
   </p:timing>
 </p:sld>
 </file>
 
-<file path=ppt/slides/slide36.xml><?xml version="1.0" encoding="utf-8"?>
-<p:sld xmlns:a="http://schemas.openxmlformats.org/drawingml/2006/main" xmlns:r="http://schemas.openxmlformats.org/officeDocument/2006/relationships" xmlns:p="http://schemas.openxmlformats.org/presentationml/2006/main">
-  <p:cSld>
-    <p:spTree>
-      <p:nvGrpSpPr>
-        <p:cNvPr id="1" name=""/>
-        <p:cNvGrpSpPr/>
-        <p:nvPr/>
-      </p:nvGrpSpPr>
-      <p:grpSpPr>
-        <a:xfrm>
-          <a:off x="0" y="0"/>
-          <a:ext cx="0" cy="0"/>
-          <a:chOff x="0" y="0"/>
-          <a:chExt cx="0" cy="0"/>
-        </a:xfrm>
-      </p:grpSpPr>
-      <p:sp>
-        <p:nvSpPr>
-          <p:cNvPr id="2" name="Title 1"/>
-          <p:cNvSpPr>
-            <a:spLocks noGrp="1"/>
-          </p:cNvSpPr>
-          <p:nvPr>
-            <p:ph type="title"/>
-          </p:nvPr>
-        </p:nvSpPr>
-        <p:spPr/>
-        <p:txBody>
-          <a:bodyPr>
-            <a:normAutofit fontScale="90000"/>
-          </a:bodyPr>
-          <a:lstStyle/>
-          <a:p>
-            <a:r>
-              <a:rPr lang="en-US" noProof="0" smtClean="0"/>
-              <a:t>User Modeling and Mobility in </a:t>
-            </a:r>
-            <a:br>
-              <a:rPr lang="en-US" noProof="0" smtClean="0"/>
-            </a:br>
-            <a:r>
-              <a:rPr lang="en-US" noProof="0" smtClean="0"/>
-              <a:t>Real-Life Scenario</a:t>
-            </a:r>
-            <a:endParaRPr lang="en-US" noProof="0"/>
-          </a:p>
-        </p:txBody>
-      </p:sp>
-      <p:sp>
-        <p:nvSpPr>
-          <p:cNvPr id="3" name="Content Placeholder 2"/>
-          <p:cNvSpPr>
-            <a:spLocks noGrp="1"/>
-          </p:cNvSpPr>
-          <p:nvPr>
-            <p:ph idx="1"/>
-          </p:nvPr>
-        </p:nvSpPr>
-        <p:spPr/>
-        <p:txBody>
-          <a:bodyPr>
-            <a:normAutofit lnSpcReduction="10000"/>
-          </a:bodyPr>
-          <a:lstStyle/>
-          <a:p>
-            <a:r>
-              <a:rPr lang="en-US" noProof="0" smtClean="0"/>
-              <a:t>The proposed system intends to serve a variety of users. </a:t>
-            </a:r>
-          </a:p>
-          <a:p>
-            <a:r>
-              <a:rPr lang="en-US" noProof="0" smtClean="0"/>
-              <a:t>Certain kinds of actions are defined, such as authorization (initial or reuse of a connection card), disconnection, packet transfer (network usage), payment related roaming and payment related AP handover.</a:t>
-            </a:r>
-          </a:p>
-          <a:p>
-            <a:r>
-              <a:rPr lang="en-US" noProof="0" smtClean="0"/>
-              <a:t>All of these actions are triggered as a result of a random event.</a:t>
-            </a:r>
-            <a:endParaRPr lang="en-US" noProof="0"/>
-          </a:p>
-        </p:txBody>
-      </p:sp>
-    </p:spTree>
-  </p:cSld>
-  <p:clrMapOvr>
-    <a:masterClrMapping/>
-  </p:clrMapOvr>
-  <p:timing>
-    <p:tnLst>
-      <p:par>
-        <p:cTn id="1" dur="indefinite" restart="never" nodeType="tmRoot"/>
-      </p:par>
-    </p:tnLst>
-  </p:timing>
-</p:sld>
-</file>
-
-<file path=ppt/slides/slide37.xml><?xml version="1.0" encoding="utf-8"?>
+<file path=ppt/slides/slide22.xml><?xml version="1.0" encoding="utf-8"?>
 <p:sld xmlns:a="http://schemas.openxmlformats.org/drawingml/2006/main" xmlns:r="http://schemas.openxmlformats.org/officeDocument/2006/relationships" xmlns:p="http://schemas.openxmlformats.org/presentationml/2006/main">
   <p:cSld>
     <p:spTree>
@@ -7555,14 +6065,14 @@
   <p:timing>
     <p:tnLst>
       <p:par>
-        <p:cTn id="1" dur="indefinite" restart="never" nodeType="tmRoot"/>
+        <p:cTn xmlns:p14="http://schemas.microsoft.com/office/powerpoint/2010/main" id="1" dur="indefinite" restart="never" nodeType="tmRoot"/>
       </p:par>
     </p:tnLst>
   </p:timing>
 </p:sld>
 </file>
 
-<file path=ppt/slides/slide38.xml><?xml version="1.0" encoding="utf-8"?>
+<file path=ppt/slides/slide23.xml><?xml version="1.0" encoding="utf-8"?>
 <p:sld xmlns:a="http://schemas.openxmlformats.org/drawingml/2006/main" xmlns:r="http://schemas.openxmlformats.org/officeDocument/2006/relationships" xmlns:p="http://schemas.openxmlformats.org/presentationml/2006/main">
   <p:cSld>
     <p:spTree>
@@ -7656,14 +6166,14 @@
   <p:timing>
     <p:tnLst>
       <p:par>
-        <p:cTn id="1" dur="indefinite" restart="never" nodeType="tmRoot"/>
+        <p:cTn xmlns:p14="http://schemas.microsoft.com/office/powerpoint/2010/main" id="1" dur="indefinite" restart="never" nodeType="tmRoot"/>
       </p:par>
     </p:tnLst>
   </p:timing>
 </p:sld>
 </file>
 
-<file path=ppt/slides/slide39.xml><?xml version="1.0" encoding="utf-8"?>
+<file path=ppt/slides/slide24.xml><?xml version="1.0" encoding="utf-8"?>
 <p:sld xmlns:a="http://schemas.openxmlformats.org/drawingml/2006/main" xmlns:r="http://schemas.openxmlformats.org/officeDocument/2006/relationships" xmlns:p="http://schemas.openxmlformats.org/presentationml/2006/main">
   <p:cSld>
     <p:spTree>
@@ -7771,7 +6281,7 @@
 </p:sld>
 </file>
 
-<file path=ppt/slides/slide4.xml><?xml version="1.0" encoding="utf-8"?>
+<file path=ppt/slides/slide25.xml><?xml version="1.0" encoding="utf-8"?>
 <p:sld xmlns:a="http://schemas.openxmlformats.org/drawingml/2006/main" xmlns:r="http://schemas.openxmlformats.org/officeDocument/2006/relationships" xmlns:p="http://schemas.openxmlformats.org/presentationml/2006/main">
   <p:cSld>
     <p:spTree>
@@ -7804,184 +6314,6 @@
           <a:lstStyle/>
           <a:p>
             <a:r>
-              <a:rPr lang="en-US" noProof="0" dirty="0" smtClean="0">
-                <a:cs typeface="Arial"/>
-              </a:rPr>
-              <a:t>Motivation and Objectives</a:t>
-            </a:r>
-            <a:endParaRPr lang="en-US" noProof="0" dirty="0">
-              <a:cs typeface="Arial"/>
-            </a:endParaRPr>
-          </a:p>
-        </p:txBody>
-      </p:sp>
-      <p:sp>
-        <p:nvSpPr>
-          <p:cNvPr id="3" name="Content Placeholder 2"/>
-          <p:cNvSpPr>
-            <a:spLocks noGrp="1"/>
-          </p:cNvSpPr>
-          <p:nvPr>
-            <p:ph idx="1"/>
-          </p:nvPr>
-        </p:nvSpPr>
-        <p:spPr>
-          <a:xfrm>
-            <a:off x="457200" y="1417638"/>
-            <a:ext cx="8229600" cy="4712918"/>
-          </a:xfrm>
-        </p:spPr>
-        <p:txBody>
-          <a:bodyPr>
-            <a:normAutofit/>
-          </a:bodyPr>
-          <a:lstStyle/>
-          <a:p>
-            <a:r>
-              <a:rPr lang="en-US" noProof="0" dirty="0" smtClean="0">
-                <a:cs typeface="Arial"/>
-              </a:rPr>
-              <a:t>Wide coverage</a:t>
-            </a:r>
-          </a:p>
-          <a:p>
-            <a:r>
-              <a:rPr lang="en-US" noProof="0" dirty="0" smtClean="0">
-                <a:cs typeface="Arial"/>
-              </a:rPr>
-              <a:t>Seamless Roaming</a:t>
-            </a:r>
-          </a:p>
-          <a:p>
-            <a:r>
-              <a:rPr lang="en-US" noProof="0" dirty="0" smtClean="0">
-                <a:cs typeface="Arial"/>
-              </a:rPr>
-              <a:t>Seamless Mobility (Handoff)</a:t>
-            </a:r>
-          </a:p>
-          <a:p>
-            <a:r>
-              <a:rPr lang="en-US" noProof="0" dirty="0" smtClean="0">
-                <a:cs typeface="Arial"/>
-              </a:rPr>
-              <a:t>Anonymity</a:t>
-            </a:r>
-          </a:p>
-          <a:p>
-            <a:r>
-              <a:rPr lang="en-US" noProof="0" dirty="0" smtClean="0">
-                <a:cs typeface="Arial"/>
-              </a:rPr>
-              <a:t>Mutual Authentication</a:t>
-            </a:r>
-          </a:p>
-          <a:p>
-            <a:r>
-              <a:rPr lang="en-US" noProof="0" dirty="0" smtClean="0">
-                <a:cs typeface="Arial"/>
-              </a:rPr>
-              <a:t>Two-way honesty</a:t>
-            </a:r>
-          </a:p>
-          <a:p>
-            <a:r>
-              <a:rPr lang="en-US" noProof="0" dirty="0" smtClean="0">
-                <a:cs typeface="Arial"/>
-              </a:rPr>
-              <a:t>Untraceability</a:t>
-            </a:r>
-          </a:p>
-          <a:p>
-            <a:r>
-              <a:rPr lang="en-US" noProof="0" dirty="0" smtClean="0">
-                <a:cs typeface="Arial"/>
-              </a:rPr>
-              <a:t>Performance</a:t>
-            </a:r>
-            <a:endParaRPr lang="en-US" noProof="0" dirty="0">
-              <a:cs typeface="Arial"/>
-            </a:endParaRPr>
-          </a:p>
-        </p:txBody>
-      </p:sp>
-      <p:sp>
-        <p:nvSpPr>
-          <p:cNvPr id="4" name="Slide Number Placeholder 3"/>
-          <p:cNvSpPr>
-            <a:spLocks noGrp="1"/>
-          </p:cNvSpPr>
-          <p:nvPr>
-            <p:ph type="sldNum" sz="quarter" idx="12"/>
-          </p:nvPr>
-        </p:nvSpPr>
-        <p:spPr/>
-        <p:txBody>
-          <a:bodyPr/>
-          <a:lstStyle/>
-          <a:p>
-            <a:fld id="{7F5CE407-6216-4202-80E4-A30DC2F709B2}" type="slidenum">
-              <a:rPr lang="en-US" smtClean="0"/>
-              <a:pPr/>
-              <a:t>4</a:t>
-            </a:fld>
-            <a:endParaRPr lang="en-US" dirty="0"/>
-          </a:p>
-        </p:txBody>
-      </p:sp>
-    </p:spTree>
-    <p:extLst>
-      <p:ext uri="{BB962C8B-B14F-4D97-AF65-F5344CB8AC3E}">
-        <p14:creationId xmlns:p14="http://schemas.microsoft.com/office/powerpoint/2010/main" xmlns="" val="4140221233"/>
-      </p:ext>
-    </p:extLst>
-  </p:cSld>
-  <p:clrMapOvr>
-    <a:masterClrMapping/>
-  </p:clrMapOvr>
-  <p:timing>
-    <p:tnLst>
-      <p:par>
-        <p:cTn id="1" dur="indefinite" restart="never" nodeType="tmRoot"/>
-      </p:par>
-    </p:tnLst>
-  </p:timing>
-</p:sld>
-</file>
-
-<file path=ppt/slides/slide40.xml><?xml version="1.0" encoding="utf-8"?>
-<p:sld xmlns:a="http://schemas.openxmlformats.org/drawingml/2006/main" xmlns:r="http://schemas.openxmlformats.org/officeDocument/2006/relationships" xmlns:p="http://schemas.openxmlformats.org/presentationml/2006/main">
-  <p:cSld>
-    <p:spTree>
-      <p:nvGrpSpPr>
-        <p:cNvPr id="1" name=""/>
-        <p:cNvGrpSpPr/>
-        <p:nvPr/>
-      </p:nvGrpSpPr>
-      <p:grpSpPr>
-        <a:xfrm>
-          <a:off x="0" y="0"/>
-          <a:ext cx="0" cy="0"/>
-          <a:chOff x="0" y="0"/>
-          <a:chExt cx="0" cy="0"/>
-        </a:xfrm>
-      </p:grpSpPr>
-      <p:sp>
-        <p:nvSpPr>
-          <p:cNvPr id="2" name="Title 1"/>
-          <p:cNvSpPr>
-            <a:spLocks noGrp="1"/>
-          </p:cNvSpPr>
-          <p:nvPr>
-            <p:ph type="title"/>
-          </p:nvPr>
-        </p:nvSpPr>
-        <p:spPr/>
-        <p:txBody>
-          <a:bodyPr/>
-          <a:lstStyle/>
-          <a:p>
-            <a:r>
               <a:rPr lang="en-US" noProof="0" smtClean="0"/>
               <a:t>Simulation Results of Protocols</a:t>
             </a:r>
@@ -8018,12 +6350,12 @@
       </p:sp>
       <p:pic>
         <p:nvPicPr>
-          <p:cNvPr id="4" name="Picture 3" descr="C:\Users\SUUSER\Desktop\finalResults\initialauthorization.png"/>
+          <p:cNvPr id="5" name="Picture 4" descr="C:\Users\SUUSER\Documents\GitHub\worddoc\thesisImages\realSimNewDrawings\initAuthLargeSon.png"/>
           <p:cNvPicPr/>
           <p:nvPr/>
         </p:nvPicPr>
         <p:blipFill>
-          <a:blip r:embed="rId2" cstate="print"/>
+          <a:blip r:embed="rId2"/>
           <a:srcRect/>
           <a:stretch>
             <a:fillRect/>
@@ -8031,8 +6363,8 @@
         </p:blipFill>
         <p:spPr bwMode="auto">
           <a:xfrm>
-            <a:off x="1285852" y="2928934"/>
-            <a:ext cx="6572296" cy="3429024"/>
+            <a:off x="1709737" y="2981672"/>
+            <a:ext cx="5724525" cy="2895600"/>
           </a:xfrm>
           <a:prstGeom prst="rect">
             <a:avLst/>
@@ -8054,14 +6386,14 @@
   <p:timing>
     <p:tnLst>
       <p:par>
-        <p:cTn id="1" dur="indefinite" restart="never" nodeType="tmRoot"/>
+        <p:cTn xmlns:p14="http://schemas.microsoft.com/office/powerpoint/2010/main" id="1" dur="indefinite" restart="never" nodeType="tmRoot"/>
       </p:par>
     </p:tnLst>
   </p:timing>
 </p:sld>
 </file>
 
-<file path=ppt/slides/slide41.xml><?xml version="1.0" encoding="utf-8"?>
+<file path=ppt/slides/slide26.xml><?xml version="1.0" encoding="utf-8"?>
 <p:sld xmlns:a="http://schemas.openxmlformats.org/drawingml/2006/main" xmlns:r="http://schemas.openxmlformats.org/officeDocument/2006/relationships" xmlns:p="http://schemas.openxmlformats.org/presentationml/2006/main">
   <p:cSld>
     <p:spTree>
@@ -8133,12 +6465,12 @@
       </p:sp>
       <p:pic>
         <p:nvPicPr>
-          <p:cNvPr id="4" name="Picture 3" descr="C:\Users\SUUSER\Desktop\finalResults\reuse.png"/>
+          <p:cNvPr id="5" name="Picture 4" descr="C:\Users\SUUSER\Documents\GitHub\worddoc\thesisImages\realSimNewDrawings\reuseLargeSon.png"/>
           <p:cNvPicPr/>
           <p:nvPr/>
         </p:nvPicPr>
         <p:blipFill>
-          <a:blip r:embed="rId2" cstate="print"/>
+          <a:blip r:embed="rId2"/>
           <a:srcRect/>
           <a:stretch>
             <a:fillRect/>
@@ -8146,8 +6478,8 @@
         </p:blipFill>
         <p:spPr bwMode="auto">
           <a:xfrm>
-            <a:off x="1571604" y="2857496"/>
-            <a:ext cx="6429420" cy="3429024"/>
+            <a:off x="1704975" y="2900139"/>
+            <a:ext cx="5734050" cy="2905125"/>
           </a:xfrm>
           <a:prstGeom prst="rect">
             <a:avLst/>
@@ -8169,14 +6501,14 @@
   <p:timing>
     <p:tnLst>
       <p:par>
-        <p:cTn id="1" dur="indefinite" restart="never" nodeType="tmRoot"/>
+        <p:cTn xmlns:p14="http://schemas.microsoft.com/office/powerpoint/2010/main" id="1" dur="indefinite" restart="never" nodeType="tmRoot"/>
       </p:par>
     </p:tnLst>
   </p:timing>
 </p:sld>
 </file>
 
-<file path=ppt/slides/slide42.xml><?xml version="1.0" encoding="utf-8"?>
+<file path=ppt/slides/slide27.xml><?xml version="1.0" encoding="utf-8"?>
 <p:sld xmlns:a="http://schemas.openxmlformats.org/drawingml/2006/main" xmlns:r="http://schemas.openxmlformats.org/officeDocument/2006/relationships" xmlns:p="http://schemas.openxmlformats.org/presentationml/2006/main">
   <p:cSld>
     <p:spTree>
@@ -8246,12 +6578,12 @@
       </p:sp>
       <p:pic>
         <p:nvPicPr>
-          <p:cNvPr id="4" name="Picture 3" descr="C:\Users\SUUSER\Desktop\finalResults\changealias.png"/>
+          <p:cNvPr id="5" name="Picture 4" descr="C:\Users\SUUSER\Documents\GitHub\worddoc\thesisImages\realSimNewDrawings\changeAliasLargeSon.png"/>
           <p:cNvPicPr/>
           <p:nvPr/>
         </p:nvPicPr>
         <p:blipFill>
-          <a:blip r:embed="rId2" cstate="print"/>
+          <a:blip r:embed="rId2"/>
           <a:srcRect/>
           <a:stretch>
             <a:fillRect/>
@@ -8259,8 +6591,8 @@
         </p:blipFill>
         <p:spPr bwMode="auto">
           <a:xfrm>
-            <a:off x="1428728" y="2714620"/>
-            <a:ext cx="6643734" cy="3429024"/>
+            <a:off x="1709737" y="2981672"/>
+            <a:ext cx="5724525" cy="2895600"/>
           </a:xfrm>
           <a:prstGeom prst="rect">
             <a:avLst/>
@@ -8282,14 +6614,14 @@
   <p:timing>
     <p:tnLst>
       <p:par>
-        <p:cTn id="1" dur="indefinite" restart="never" nodeType="tmRoot"/>
+        <p:cTn xmlns:p14="http://schemas.microsoft.com/office/powerpoint/2010/main" id="1" dur="indefinite" restart="never" nodeType="tmRoot"/>
       </p:par>
     </p:tnLst>
   </p:timing>
 </p:sld>
 </file>
 
-<file path=ppt/slides/slide43.xml><?xml version="1.0" encoding="utf-8"?>
+<file path=ppt/slides/slide28.xml><?xml version="1.0" encoding="utf-8"?>
 <p:sld xmlns:a="http://schemas.openxmlformats.org/drawingml/2006/main" xmlns:r="http://schemas.openxmlformats.org/officeDocument/2006/relationships" xmlns:p="http://schemas.openxmlformats.org/presentationml/2006/main">
   <p:cSld>
     <p:spTree>
@@ -8363,12 +6695,12 @@
       </p:sp>
       <p:pic>
         <p:nvPicPr>
-          <p:cNvPr id="4" name="Picture 3" descr="C:\Users\SUUSER\Desktop\finalResults\disconnection.png"/>
+          <p:cNvPr id="5" name="Picture 4" descr="C:\Users\SUUSER\Documents\GitHub\worddoc\thesisImages\realSimNewDrawings\disconnectionLargeSon.png"/>
           <p:cNvPicPr/>
           <p:nvPr/>
         </p:nvPicPr>
         <p:blipFill>
-          <a:blip r:embed="rId2" cstate="print"/>
+          <a:blip r:embed="rId2"/>
           <a:srcRect/>
           <a:stretch>
             <a:fillRect/>
@@ -8376,8 +6708,8 @@
         </p:blipFill>
         <p:spPr bwMode="auto">
           <a:xfrm>
-            <a:off x="1285852" y="2643182"/>
-            <a:ext cx="7005349" cy="3591893"/>
+            <a:off x="1709737" y="2866231"/>
+            <a:ext cx="5724525" cy="2867025"/>
           </a:xfrm>
           <a:prstGeom prst="rect">
             <a:avLst/>
@@ -8399,14 +6731,14 @@
   <p:timing>
     <p:tnLst>
       <p:par>
-        <p:cTn id="1" dur="indefinite" restart="never" nodeType="tmRoot"/>
+        <p:cTn xmlns:p14="http://schemas.microsoft.com/office/powerpoint/2010/main" id="1" dur="indefinite" restart="never" nodeType="tmRoot"/>
       </p:par>
     </p:tnLst>
   </p:timing>
 </p:sld>
 </file>
 
-<file path=ppt/slides/slide44.xml><?xml version="1.0" encoding="utf-8"?>
+<file path=ppt/slides/slide29.xml><?xml version="1.0" encoding="utf-8"?>
 <p:sld xmlns:a="http://schemas.openxmlformats.org/drawingml/2006/main" xmlns:r="http://schemas.openxmlformats.org/officeDocument/2006/relationships" xmlns:p="http://schemas.openxmlformats.org/presentationml/2006/main">
   <p:cSld>
     <p:spTree>
@@ -8470,7 +6802,7 @@
           <a:p>
             <a:r>
               <a:rPr lang="en-US" noProof="0" smtClean="0"/>
-              <a:t>Real-Life Scenario Simulation Result for Update Packets</a:t>
+              <a:t>Real-Life Scenario Simulation Result for Seamless Mobility in Home Operator Protocol</a:t>
             </a:r>
             <a:endParaRPr lang="en-US" noProof="0"/>
           </a:p>
@@ -8478,12 +6810,12 @@
       </p:sp>
       <p:pic>
         <p:nvPicPr>
-          <p:cNvPr id="4" name="Picture 3" descr="C:\Users\SUUSER\Desktop\finalResults\updatepackets.png"/>
+          <p:cNvPr id="5" name="Picture 4" descr="C:\Users\SUUSER\Documents\GitHub\worddoc\thesisImages\realSimNewDrawings\seamlessMobLargeSon.png"/>
           <p:cNvPicPr/>
           <p:nvPr/>
         </p:nvPicPr>
         <p:blipFill>
-          <a:blip r:embed="rId2" cstate="print"/>
+          <a:blip r:embed="rId2"/>
           <a:srcRect/>
           <a:stretch>
             <a:fillRect/>
@@ -8491,8 +6823,8 @@
         </p:blipFill>
         <p:spPr bwMode="auto">
           <a:xfrm>
-            <a:off x="1285852" y="2571744"/>
-            <a:ext cx="7223473" cy="3584742"/>
+            <a:off x="1709737" y="2991197"/>
+            <a:ext cx="5724525" cy="2886075"/>
           </a:xfrm>
           <a:prstGeom prst="rect">
             <a:avLst/>
@@ -8514,14 +6846,14 @@
   <p:timing>
     <p:tnLst>
       <p:par>
-        <p:cTn id="1" dur="indefinite" restart="never" nodeType="tmRoot"/>
+        <p:cTn xmlns:p14="http://schemas.microsoft.com/office/powerpoint/2010/main" id="1" dur="indefinite" restart="never" nodeType="tmRoot"/>
       </p:par>
     </p:tnLst>
   </p:timing>
 </p:sld>
 </file>
 
-<file path=ppt/slides/slide45.xml><?xml version="1.0" encoding="utf-8"?>
+<file path=ppt/slides/slide3.xml><?xml version="1.0" encoding="utf-8"?>
 <p:sld xmlns:a="http://schemas.openxmlformats.org/drawingml/2006/main" xmlns:r="http://schemas.openxmlformats.org/officeDocument/2006/relationships" xmlns:p="http://schemas.openxmlformats.org/presentationml/2006/main">
   <p:cSld>
     <p:spTree>
@@ -8554,6 +6886,137 @@
           <a:lstStyle/>
           <a:p>
             <a:r>
+              <a:rPr lang="en-US" noProof="0" dirty="0" smtClean="0">
+                <a:cs typeface="Arial"/>
+              </a:rPr>
+              <a:t>Thesis Description </a:t>
+            </a:r>
+            <a:r>
+              <a:rPr lang="en-US" noProof="0" dirty="0" smtClean="0">
+                <a:cs typeface="Arial"/>
+              </a:rPr>
+              <a:t>in a Nutshell</a:t>
+            </a:r>
+            <a:endParaRPr lang="en-US" noProof="0" dirty="0">
+              <a:cs typeface="Arial"/>
+            </a:endParaRPr>
+          </a:p>
+        </p:txBody>
+      </p:sp>
+      <p:sp>
+        <p:nvSpPr>
+          <p:cNvPr id="3" name="Content Placeholder 2"/>
+          <p:cNvSpPr>
+            <a:spLocks noGrp="1"/>
+          </p:cNvSpPr>
+          <p:nvPr>
+            <p:ph idx="1"/>
+          </p:nvPr>
+        </p:nvSpPr>
+        <p:spPr/>
+        <p:txBody>
+          <a:bodyPr>
+            <a:normAutofit/>
+          </a:bodyPr>
+          <a:lstStyle/>
+          <a:p>
+            <a:r>
+              <a:rPr lang="en-US" noProof="0" dirty="0" smtClean="0">
+                <a:cs typeface="Arial"/>
+              </a:rPr>
+              <a:t>A secure prepaid payment scheme for broadband Internet access is designed and developed in a simulation environment.</a:t>
+            </a:r>
+          </a:p>
+          <a:p>
+            <a:r>
+              <a:rPr lang="en-US" noProof="0" dirty="0" smtClean="0">
+                <a:cs typeface="Arial"/>
+              </a:rPr>
+              <a:t>This scheme will be particularly for Wireless Mesh Networks with multiple operators.</a:t>
+            </a:r>
+            <a:endParaRPr lang="en-US" noProof="0" dirty="0">
+              <a:cs typeface="Arial"/>
+            </a:endParaRPr>
+          </a:p>
+        </p:txBody>
+      </p:sp>
+      <p:sp>
+        <p:nvSpPr>
+          <p:cNvPr id="4" name="Slide Number Placeholder 3"/>
+          <p:cNvSpPr>
+            <a:spLocks noGrp="1"/>
+          </p:cNvSpPr>
+          <p:nvPr>
+            <p:ph type="sldNum" sz="quarter" idx="12"/>
+          </p:nvPr>
+        </p:nvSpPr>
+        <p:spPr/>
+        <p:txBody>
+          <a:bodyPr/>
+          <a:lstStyle/>
+          <a:p>
+            <a:fld id="{7F5CE407-6216-4202-80E4-A30DC2F709B2}" type="slidenum">
+              <a:rPr lang="en-US" smtClean="0"/>
+              <a:pPr/>
+              <a:t>3</a:t>
+            </a:fld>
+            <a:endParaRPr lang="en-US" dirty="0"/>
+          </a:p>
+        </p:txBody>
+      </p:sp>
+    </p:spTree>
+    <p:extLst>
+      <p:ext uri="{BB962C8B-B14F-4D97-AF65-F5344CB8AC3E}">
+        <p14:creationId xmlns:p14="http://schemas.microsoft.com/office/powerpoint/2010/main" val="2774399580"/>
+      </p:ext>
+    </p:extLst>
+  </p:cSld>
+  <p:clrMapOvr>
+    <a:masterClrMapping/>
+  </p:clrMapOvr>
+  <p:timing>
+    <p:tnLst>
+      <p:par>
+        <p:cTn xmlns:p14="http://schemas.microsoft.com/office/powerpoint/2010/main" id="1" dur="indefinite" restart="never" nodeType="tmRoot"/>
+      </p:par>
+    </p:tnLst>
+  </p:timing>
+</p:sld>
+</file>
+
+<file path=ppt/slides/slide30.xml><?xml version="1.0" encoding="utf-8"?>
+<p:sld xmlns:a="http://schemas.openxmlformats.org/drawingml/2006/main" xmlns:r="http://schemas.openxmlformats.org/officeDocument/2006/relationships" xmlns:p="http://schemas.openxmlformats.org/presentationml/2006/main">
+  <p:cSld>
+    <p:spTree>
+      <p:nvGrpSpPr>
+        <p:cNvPr id="1" name=""/>
+        <p:cNvGrpSpPr/>
+        <p:nvPr/>
+      </p:nvGrpSpPr>
+      <p:grpSpPr>
+        <a:xfrm>
+          <a:off x="0" y="0"/>
+          <a:ext cx="0" cy="0"/>
+          <a:chOff x="0" y="0"/>
+          <a:chExt cx="0" cy="0"/>
+        </a:xfrm>
+      </p:grpSpPr>
+      <p:sp>
+        <p:nvSpPr>
+          <p:cNvPr id="2" name="Title 1"/>
+          <p:cNvSpPr>
+            <a:spLocks noGrp="1"/>
+          </p:cNvSpPr>
+          <p:nvPr>
+            <p:ph type="title"/>
+          </p:nvPr>
+        </p:nvSpPr>
+        <p:spPr/>
+        <p:txBody>
+          <a:bodyPr/>
+          <a:lstStyle/>
+          <a:p>
+            <a:r>
               <a:rPr lang="en-US" noProof="0" smtClean="0"/>
               <a:t>Simulation Results of Protocols</a:t>
             </a:r>
@@ -8585,7 +7048,7 @@
           <a:p>
             <a:r>
               <a:rPr lang="en-US" noProof="0" smtClean="0"/>
-              <a:t>Real-Life Scenario Simulation Result for Seamless Mobility in Home Operator Protocol</a:t>
+              <a:t>Real-Life Scenario Simulation Result for Roaming Protocol</a:t>
             </a:r>
             <a:endParaRPr lang="en-US" noProof="0"/>
           </a:p>
@@ -8593,12 +7056,12 @@
       </p:sp>
       <p:pic>
         <p:nvPicPr>
-          <p:cNvPr id="4" name="Picture 3" descr="C:\Users\SUUSER\Desktop\finalResults\seamlessmobility.png"/>
+          <p:cNvPr id="6" name="Picture 5" descr="C:\Users\SUUSER\Documents\GitHub\worddoc\thesisImages\realSimNewDrawings\roamingLargeSon.png"/>
           <p:cNvPicPr/>
           <p:nvPr/>
         </p:nvPicPr>
         <p:blipFill>
-          <a:blip r:embed="rId2" cstate="print"/>
+          <a:blip r:embed="rId2"/>
           <a:srcRect/>
           <a:stretch>
             <a:fillRect/>
@@ -8606,8 +7069,8 @@
         </p:blipFill>
         <p:spPr bwMode="auto">
           <a:xfrm>
-            <a:off x="1428728" y="2643182"/>
-            <a:ext cx="6500858" cy="3429024"/>
+            <a:off x="1709737" y="3053680"/>
+            <a:ext cx="5724525" cy="2895600"/>
           </a:xfrm>
           <a:prstGeom prst="rect">
             <a:avLst/>
@@ -8629,129 +7092,14 @@
   <p:timing>
     <p:tnLst>
       <p:par>
-        <p:cTn id="1" dur="indefinite" restart="never" nodeType="tmRoot"/>
+        <p:cTn xmlns:p14="http://schemas.microsoft.com/office/powerpoint/2010/main" id="1" dur="indefinite" restart="never" nodeType="tmRoot"/>
       </p:par>
     </p:tnLst>
   </p:timing>
 </p:sld>
 </file>
 
-<file path=ppt/slides/slide46.xml><?xml version="1.0" encoding="utf-8"?>
-<p:sld xmlns:a="http://schemas.openxmlformats.org/drawingml/2006/main" xmlns:r="http://schemas.openxmlformats.org/officeDocument/2006/relationships" xmlns:p="http://schemas.openxmlformats.org/presentationml/2006/main">
-  <p:cSld>
-    <p:spTree>
-      <p:nvGrpSpPr>
-        <p:cNvPr id="1" name=""/>
-        <p:cNvGrpSpPr/>
-        <p:nvPr/>
-      </p:nvGrpSpPr>
-      <p:grpSpPr>
-        <a:xfrm>
-          <a:off x="0" y="0"/>
-          <a:ext cx="0" cy="0"/>
-          <a:chOff x="0" y="0"/>
-          <a:chExt cx="0" cy="0"/>
-        </a:xfrm>
-      </p:grpSpPr>
-      <p:sp>
-        <p:nvSpPr>
-          <p:cNvPr id="2" name="Title 1"/>
-          <p:cNvSpPr>
-            <a:spLocks noGrp="1"/>
-          </p:cNvSpPr>
-          <p:nvPr>
-            <p:ph type="title"/>
-          </p:nvPr>
-        </p:nvSpPr>
-        <p:spPr/>
-        <p:txBody>
-          <a:bodyPr/>
-          <a:lstStyle/>
-          <a:p>
-            <a:r>
-              <a:rPr lang="en-US" noProof="0" smtClean="0"/>
-              <a:t>Simulation Results of Protocols</a:t>
-            </a:r>
-            <a:endParaRPr lang="en-US" noProof="0"/>
-          </a:p>
-        </p:txBody>
-      </p:sp>
-      <p:sp>
-        <p:nvSpPr>
-          <p:cNvPr id="3" name="Content Placeholder 2"/>
-          <p:cNvSpPr>
-            <a:spLocks noGrp="1"/>
-          </p:cNvSpPr>
-          <p:nvPr>
-            <p:ph idx="1"/>
-          </p:nvPr>
-        </p:nvSpPr>
-        <p:spPr>
-          <a:xfrm>
-            <a:off x="457200" y="1600201"/>
-            <a:ext cx="8229600" cy="1042982"/>
-          </a:xfrm>
-        </p:spPr>
-        <p:txBody>
-          <a:bodyPr>
-            <a:normAutofit lnSpcReduction="10000"/>
-          </a:bodyPr>
-          <a:lstStyle/>
-          <a:p>
-            <a:r>
-              <a:rPr lang="en-US" noProof="0" smtClean="0"/>
-              <a:t>Real-Life Scenario Simulation Result for Roaming Protocol</a:t>
-            </a:r>
-            <a:endParaRPr lang="en-US" noProof="0"/>
-          </a:p>
-        </p:txBody>
-      </p:sp>
-      <p:pic>
-        <p:nvPicPr>
-          <p:cNvPr id="5" name="Picture 4" descr="C:\Users\SUUSER\Desktop\finalResults\roaming.png"/>
-          <p:cNvPicPr/>
-          <p:nvPr/>
-        </p:nvPicPr>
-        <p:blipFill>
-          <a:blip r:embed="rId2" cstate="print"/>
-          <a:srcRect/>
-          <a:stretch>
-            <a:fillRect/>
-          </a:stretch>
-        </p:blipFill>
-        <p:spPr bwMode="auto">
-          <a:xfrm>
-            <a:off x="1428728" y="2928934"/>
-            <a:ext cx="6648159" cy="3580145"/>
-          </a:xfrm>
-          <a:prstGeom prst="rect">
-            <a:avLst/>
-          </a:prstGeom>
-          <a:noFill/>
-          <a:ln w="9525">
-            <a:noFill/>
-            <a:miter lim="800000"/>
-            <a:headEnd/>
-            <a:tailEnd/>
-          </a:ln>
-        </p:spPr>
-      </p:pic>
-    </p:spTree>
-  </p:cSld>
-  <p:clrMapOvr>
-    <a:masterClrMapping/>
-  </p:clrMapOvr>
-  <p:timing>
-    <p:tnLst>
-      <p:par>
-        <p:cTn id="1" dur="indefinite" restart="never" nodeType="tmRoot"/>
-      </p:par>
-    </p:tnLst>
-  </p:timing>
-</p:sld>
-</file>
-
-<file path=ppt/slides/slide47.xml><?xml version="1.0" encoding="utf-8"?>
+<file path=ppt/slides/slide31.xml><?xml version="1.0" encoding="utf-8"?>
 <p:sld xmlns:a="http://schemas.openxmlformats.org/drawingml/2006/main" xmlns:r="http://schemas.openxmlformats.org/officeDocument/2006/relationships" xmlns:p="http://schemas.openxmlformats.org/presentationml/2006/main">
   <p:cSld>
     <p:spTree>
@@ -8861,14 +7209,14 @@
   <p:timing>
     <p:tnLst>
       <p:par>
-        <p:cTn id="1" dur="indefinite" restart="never" nodeType="tmRoot"/>
+        <p:cTn xmlns:p14="http://schemas.microsoft.com/office/powerpoint/2010/main" id="1" dur="indefinite" restart="never" nodeType="tmRoot"/>
       </p:par>
     </p:tnLst>
   </p:timing>
 </p:sld>
 </file>
 
-<file path=ppt/slides/slide48.xml><?xml version="1.0" encoding="utf-8"?>
+<file path=ppt/slides/slide32.xml><?xml version="1.0" encoding="utf-8"?>
 <p:sld xmlns:a="http://schemas.openxmlformats.org/drawingml/2006/main" xmlns:r="http://schemas.openxmlformats.org/officeDocument/2006/relationships" xmlns:p="http://schemas.openxmlformats.org/presentationml/2006/main">
   <p:cSld>
     <p:spTree>
@@ -8938,14 +7286,18 @@
       </p:sp>
       <p:pic>
         <p:nvPicPr>
-          <p:cNvPr id="80898" name="Picture 2" descr="C:\Users\SUUSER\Documents\GitHub\worddoc\thesisImages\overviewTotalFinal.png"/>
-          <p:cNvPicPr>
-            <a:picLocks noChangeAspect="1" noChangeArrowheads="1"/>
-          </p:cNvPicPr>
+          <p:cNvPr id="5" name="Picture 4" descr="Macintosh HD:Users:canleloglu:Desktop:worddoc:thesisImages:totalSon.png"/>
+          <p:cNvPicPr/>
           <p:nvPr/>
         </p:nvPicPr>
         <p:blipFill>
-          <a:blip r:embed="rId2" cstate="print"/>
+          <a:blip r:embed="rId2">
+            <a:extLst>
+              <a:ext uri="{28A0092B-C50C-407E-A947-70E740481C1C}">
+                <a14:useLocalDpi xmlns:a14="http://schemas.microsoft.com/office/drawing/2010/main" val="0"/>
+              </a:ext>
+            </a:extLst>
+          </a:blip>
           <a:srcRect/>
           <a:stretch>
             <a:fillRect/>
@@ -8953,13 +7305,16 @@
         </p:blipFill>
         <p:spPr bwMode="auto">
           <a:xfrm>
-            <a:off x="714348" y="2786058"/>
-            <a:ext cx="7395532" cy="3571900"/>
+            <a:off x="1691680" y="2924944"/>
+            <a:ext cx="5727700" cy="3327400"/>
           </a:xfrm>
           <a:prstGeom prst="rect">
             <a:avLst/>
           </a:prstGeom>
           <a:noFill/>
+          <a:ln>
+            <a:noFill/>
+          </a:ln>
         </p:spPr>
       </p:pic>
     </p:spTree>
@@ -8970,14 +7325,14 @@
   <p:timing>
     <p:tnLst>
       <p:par>
-        <p:cTn id="1" dur="indefinite" restart="never" nodeType="tmRoot"/>
+        <p:cTn xmlns:p14="http://schemas.microsoft.com/office/powerpoint/2010/main" id="1" dur="indefinite" restart="never" nodeType="tmRoot"/>
       </p:par>
     </p:tnLst>
   </p:timing>
 </p:sld>
 </file>
 
-<file path=ppt/slides/slide49.xml><?xml version="1.0" encoding="utf-8"?>
+<file path=ppt/slides/slide33.xml><?xml version="1.0" encoding="utf-8"?>
 <p:sld xmlns:a="http://schemas.openxmlformats.org/drawingml/2006/main" xmlns:r="http://schemas.openxmlformats.org/officeDocument/2006/relationships" xmlns:p="http://schemas.openxmlformats.org/presentationml/2006/main">
   <p:cSld>
     <p:spTree>
@@ -9047,14 +7402,18 @@
       </p:sp>
       <p:pic>
         <p:nvPicPr>
-          <p:cNvPr id="81922" name="Picture 2" descr="C:\Users\SUUSER\Documents\GitHub\worddoc\thesisImages\overviewAvgFinal.png"/>
-          <p:cNvPicPr>
-            <a:picLocks noChangeAspect="1" noChangeArrowheads="1"/>
-          </p:cNvPicPr>
+          <p:cNvPr id="5" name="Picture 4" descr="Macintosh HD:Users:canleloglu:Desktop:worddoc:thesisImages:avgSon.png"/>
+          <p:cNvPicPr/>
           <p:nvPr/>
         </p:nvPicPr>
         <p:blipFill>
-          <a:blip r:embed="rId2" cstate="print"/>
+          <a:blip r:embed="rId2">
+            <a:extLst>
+              <a:ext uri="{28A0092B-C50C-407E-A947-70E740481C1C}">
+                <a14:useLocalDpi xmlns:a14="http://schemas.microsoft.com/office/drawing/2010/main" val="0"/>
+              </a:ext>
+            </a:extLst>
+          </a:blip>
           <a:srcRect/>
           <a:stretch>
             <a:fillRect/>
@@ -9062,13 +7421,16 @@
         </p:blipFill>
         <p:spPr bwMode="auto">
           <a:xfrm>
-            <a:off x="785785" y="2643182"/>
-            <a:ext cx="7460627" cy="3643338"/>
+            <a:off x="1763688" y="2924944"/>
+            <a:ext cx="5727700" cy="3352800"/>
           </a:xfrm>
           <a:prstGeom prst="rect">
             <a:avLst/>
           </a:prstGeom>
           <a:noFill/>
+          <a:ln>
+            <a:noFill/>
+          </a:ln>
         </p:spPr>
       </p:pic>
     </p:spTree>
@@ -9079,7 +7441,484 @@
   <p:timing>
     <p:tnLst>
       <p:par>
-        <p:cTn id="1" dur="indefinite" restart="never" nodeType="tmRoot"/>
+        <p:cTn xmlns:p14="http://schemas.microsoft.com/office/powerpoint/2010/main" id="1" dur="indefinite" restart="never" nodeType="tmRoot"/>
+      </p:par>
+    </p:tnLst>
+  </p:timing>
+</p:sld>
+</file>
+
+<file path=ppt/slides/slide34.xml><?xml version="1.0" encoding="utf-8"?>
+<p:sld xmlns:a="http://schemas.openxmlformats.org/drawingml/2006/main" xmlns:r="http://schemas.openxmlformats.org/officeDocument/2006/relationships" xmlns:p="http://schemas.openxmlformats.org/presentationml/2006/main">
+  <p:cSld>
+    <p:spTree>
+      <p:nvGrpSpPr>
+        <p:cNvPr id="1" name=""/>
+        <p:cNvGrpSpPr/>
+        <p:nvPr/>
+      </p:nvGrpSpPr>
+      <p:grpSpPr>
+        <a:xfrm>
+          <a:off x="0" y="0"/>
+          <a:ext cx="0" cy="0"/>
+          <a:chOff x="0" y="0"/>
+          <a:chExt cx="0" cy="0"/>
+        </a:xfrm>
+      </p:grpSpPr>
+      <p:sp>
+        <p:nvSpPr>
+          <p:cNvPr id="2" name="Title 1"/>
+          <p:cNvSpPr>
+            <a:spLocks noGrp="1"/>
+          </p:cNvSpPr>
+          <p:nvPr>
+            <p:ph type="title"/>
+          </p:nvPr>
+        </p:nvSpPr>
+        <p:spPr/>
+        <p:txBody>
+          <a:bodyPr/>
+          <a:lstStyle/>
+          <a:p>
+            <a:r>
+              <a:rPr lang="en-US" noProof="0" smtClean="0"/>
+              <a:t>Discussion</a:t>
+            </a:r>
+            <a:endParaRPr lang="en-US" noProof="0"/>
+          </a:p>
+        </p:txBody>
+      </p:sp>
+      <p:sp>
+        <p:nvSpPr>
+          <p:cNvPr id="3" name="Content Placeholder 2"/>
+          <p:cNvSpPr>
+            <a:spLocks noGrp="1"/>
+          </p:cNvSpPr>
+          <p:nvPr>
+            <p:ph idx="1"/>
+          </p:nvPr>
+        </p:nvSpPr>
+        <p:spPr>
+          <a:xfrm>
+            <a:off x="457200" y="1600200"/>
+            <a:ext cx="8229600" cy="4972072"/>
+          </a:xfrm>
+        </p:spPr>
+        <p:txBody>
+          <a:bodyPr>
+            <a:normAutofit/>
+          </a:bodyPr>
+          <a:lstStyle/>
+          <a:p>
+            <a:r>
+              <a:rPr lang="en-US" noProof="0" smtClean="0"/>
+              <a:t>Wide Coverage</a:t>
+            </a:r>
+          </a:p>
+          <a:p>
+            <a:r>
+              <a:rPr lang="en-US" noProof="0" smtClean="0"/>
+              <a:t>Seamless Mobility and Roaming</a:t>
+            </a:r>
+          </a:p>
+          <a:p>
+            <a:r>
+              <a:rPr lang="en-US" noProof="0" smtClean="0"/>
+              <a:t>Anonymity</a:t>
+            </a:r>
+          </a:p>
+          <a:p>
+            <a:r>
+              <a:rPr lang="en-US" noProof="0" smtClean="0"/>
+              <a:t>Mutual authentication</a:t>
+            </a:r>
+          </a:p>
+          <a:p>
+            <a:r>
+              <a:rPr lang="en-US" noProof="0" smtClean="0"/>
+              <a:t>Two-way honesty</a:t>
+            </a:r>
+          </a:p>
+          <a:p>
+            <a:r>
+              <a:rPr lang="en-US" noProof="0" smtClean="0"/>
+              <a:t>Untraceability</a:t>
+            </a:r>
+          </a:p>
+          <a:p>
+            <a:r>
+              <a:rPr lang="en-US" noProof="0" smtClean="0"/>
+              <a:t>Performance</a:t>
+            </a:r>
+          </a:p>
+        </p:txBody>
+      </p:sp>
+    </p:spTree>
+  </p:cSld>
+  <p:clrMapOvr>
+    <a:masterClrMapping/>
+  </p:clrMapOvr>
+  <p:timing>
+    <p:tnLst>
+      <p:par>
+        <p:cTn xmlns:p14="http://schemas.microsoft.com/office/powerpoint/2010/main" id="1" dur="indefinite" restart="never" nodeType="tmRoot"/>
+      </p:par>
+    </p:tnLst>
+  </p:timing>
+</p:sld>
+</file>
+
+<file path=ppt/slides/slide35.xml><?xml version="1.0" encoding="utf-8"?>
+<p:sld xmlns:a="http://schemas.openxmlformats.org/drawingml/2006/main" xmlns:r="http://schemas.openxmlformats.org/officeDocument/2006/relationships" xmlns:p="http://schemas.openxmlformats.org/presentationml/2006/main">
+  <p:cSld>
+    <p:spTree>
+      <p:nvGrpSpPr>
+        <p:cNvPr id="1" name=""/>
+        <p:cNvGrpSpPr/>
+        <p:nvPr/>
+      </p:nvGrpSpPr>
+      <p:grpSpPr>
+        <a:xfrm>
+          <a:off x="0" y="0"/>
+          <a:ext cx="0" cy="0"/>
+          <a:chOff x="0" y="0"/>
+          <a:chExt cx="0" cy="0"/>
+        </a:xfrm>
+      </p:grpSpPr>
+      <p:sp>
+        <p:nvSpPr>
+          <p:cNvPr id="2" name="Title 1"/>
+          <p:cNvSpPr>
+            <a:spLocks noGrp="1"/>
+          </p:cNvSpPr>
+          <p:nvPr>
+            <p:ph type="title"/>
+          </p:nvPr>
+        </p:nvSpPr>
+        <p:spPr/>
+        <p:txBody>
+          <a:bodyPr/>
+          <a:lstStyle/>
+          <a:p>
+            <a:r>
+              <a:rPr lang="en-US" noProof="0" smtClean="0"/>
+              <a:t>Conclusion</a:t>
+            </a:r>
+            <a:endParaRPr lang="en-US" noProof="0"/>
+          </a:p>
+        </p:txBody>
+      </p:sp>
+      <p:sp>
+        <p:nvSpPr>
+          <p:cNvPr id="3" name="Content Placeholder 2"/>
+          <p:cNvSpPr>
+            <a:spLocks noGrp="1"/>
+          </p:cNvSpPr>
+          <p:nvPr>
+            <p:ph idx="1"/>
+          </p:nvPr>
+        </p:nvSpPr>
+        <p:spPr/>
+        <p:txBody>
+          <a:bodyPr>
+            <a:normAutofit lnSpcReduction="10000"/>
+          </a:bodyPr>
+          <a:lstStyle/>
+          <a:p>
+            <a:r>
+              <a:rPr lang="en-US" noProof="0" dirty="0" smtClean="0"/>
+              <a:t>SSPayWMN is a secure and seamless prepayment scheme, which provides privacy and untraceability for the clients.</a:t>
+            </a:r>
+            <a:endParaRPr lang="en-US" noProof="0" dirty="0" smtClean="0"/>
+          </a:p>
+          <a:p>
+            <a:r>
+              <a:rPr lang="en-US" noProof="0" dirty="0" smtClean="0"/>
+              <a:t>This system provides fairness to both operators and to clients.</a:t>
+            </a:r>
+            <a:endParaRPr lang="en-US" noProof="0" dirty="0" smtClean="0"/>
+          </a:p>
+          <a:p>
+            <a:r>
+              <a:rPr lang="en-US" noProof="0" dirty="0" smtClean="0"/>
+              <a:t>Seamless mobility and roaming</a:t>
+            </a:r>
+          </a:p>
+          <a:p>
+            <a:r>
+              <a:rPr lang="en-US" dirty="0" smtClean="0"/>
+              <a:t>Unit test simulations and real-life scenario simulation results ensures the system’s stability and steady state performance.</a:t>
+            </a:r>
+            <a:endParaRPr lang="en-US" noProof="0" dirty="0" smtClean="0"/>
+          </a:p>
+          <a:p>
+            <a:endParaRPr lang="en-US" noProof="0" dirty="0"/>
+          </a:p>
+        </p:txBody>
+      </p:sp>
+    </p:spTree>
+  </p:cSld>
+  <p:clrMapOvr>
+    <a:masterClrMapping/>
+  </p:clrMapOvr>
+  <p:timing>
+    <p:tnLst>
+      <p:par>
+        <p:cTn xmlns:p14="http://schemas.microsoft.com/office/powerpoint/2010/main" id="1" dur="indefinite" restart="never" nodeType="tmRoot"/>
+      </p:par>
+    </p:tnLst>
+  </p:timing>
+</p:sld>
+</file>
+
+<file path=ppt/slides/slide36.xml><?xml version="1.0" encoding="utf-8"?>
+<p:sld xmlns:a="http://schemas.openxmlformats.org/drawingml/2006/main" xmlns:r="http://schemas.openxmlformats.org/officeDocument/2006/relationships" xmlns:p="http://schemas.openxmlformats.org/presentationml/2006/main">
+  <p:cSld>
+    <p:spTree>
+      <p:nvGrpSpPr>
+        <p:cNvPr id="1" name=""/>
+        <p:cNvGrpSpPr/>
+        <p:nvPr/>
+      </p:nvGrpSpPr>
+      <p:grpSpPr>
+        <a:xfrm>
+          <a:off x="0" y="0"/>
+          <a:ext cx="0" cy="0"/>
+          <a:chOff x="0" y="0"/>
+          <a:chExt cx="0" cy="0"/>
+        </a:xfrm>
+      </p:grpSpPr>
+      <p:sp>
+        <p:nvSpPr>
+          <p:cNvPr id="2" name="Title 1"/>
+          <p:cNvSpPr>
+            <a:spLocks noGrp="1"/>
+          </p:cNvSpPr>
+          <p:nvPr>
+            <p:ph type="title"/>
+          </p:nvPr>
+        </p:nvSpPr>
+        <p:spPr/>
+        <p:txBody>
+          <a:bodyPr/>
+          <a:lstStyle/>
+          <a:p>
+            <a:r>
+              <a:rPr lang="en-US" dirty="0" smtClean="0"/>
+              <a:t>Thank you</a:t>
+            </a:r>
+            <a:endParaRPr lang="en-US" dirty="0"/>
+          </a:p>
+        </p:txBody>
+      </p:sp>
+      <p:sp>
+        <p:nvSpPr>
+          <p:cNvPr id="3" name="Content Placeholder 2"/>
+          <p:cNvSpPr>
+            <a:spLocks noGrp="1"/>
+          </p:cNvSpPr>
+          <p:nvPr>
+            <p:ph idx="1"/>
+          </p:nvPr>
+        </p:nvSpPr>
+        <p:spPr/>
+        <p:txBody>
+          <a:bodyPr/>
+          <a:lstStyle/>
+          <a:p>
+            <a:r>
+              <a:rPr lang="en-US" dirty="0" smtClean="0"/>
+              <a:t>Very much</a:t>
+            </a:r>
+            <a:endParaRPr lang="en-US" dirty="0"/>
+          </a:p>
+        </p:txBody>
+      </p:sp>
+    </p:spTree>
+    <p:extLst>
+      <p:ext uri="{BB962C8B-B14F-4D97-AF65-F5344CB8AC3E}">
+        <p14:creationId xmlns:p14="http://schemas.microsoft.com/office/powerpoint/2010/main" val="685122559"/>
+      </p:ext>
+    </p:extLst>
+  </p:cSld>
+  <p:clrMapOvr>
+    <a:masterClrMapping/>
+  </p:clrMapOvr>
+</p:sld>
+</file>
+
+<file path=ppt/slides/slide4.xml><?xml version="1.0" encoding="utf-8"?>
+<p:sld xmlns:a="http://schemas.openxmlformats.org/drawingml/2006/main" xmlns:r="http://schemas.openxmlformats.org/officeDocument/2006/relationships" xmlns:p="http://schemas.openxmlformats.org/presentationml/2006/main">
+  <p:cSld>
+    <p:spTree>
+      <p:nvGrpSpPr>
+        <p:cNvPr id="1" name=""/>
+        <p:cNvGrpSpPr/>
+        <p:nvPr/>
+      </p:nvGrpSpPr>
+      <p:grpSpPr>
+        <a:xfrm>
+          <a:off x="0" y="0"/>
+          <a:ext cx="0" cy="0"/>
+          <a:chOff x="0" y="0"/>
+          <a:chExt cx="0" cy="0"/>
+        </a:xfrm>
+      </p:grpSpPr>
+      <p:sp>
+        <p:nvSpPr>
+          <p:cNvPr id="2" name="Title 1"/>
+          <p:cNvSpPr>
+            <a:spLocks noGrp="1"/>
+          </p:cNvSpPr>
+          <p:nvPr>
+            <p:ph type="title"/>
+          </p:nvPr>
+        </p:nvSpPr>
+        <p:spPr/>
+        <p:txBody>
+          <a:bodyPr/>
+          <a:lstStyle/>
+          <a:p>
+            <a:r>
+              <a:rPr lang="en-US" noProof="0" dirty="0" smtClean="0">
+                <a:cs typeface="Arial"/>
+              </a:rPr>
+              <a:t>Motivation and Objectives</a:t>
+            </a:r>
+            <a:endParaRPr lang="en-US" noProof="0" dirty="0">
+              <a:cs typeface="Arial"/>
+            </a:endParaRPr>
+          </a:p>
+        </p:txBody>
+      </p:sp>
+      <p:sp>
+        <p:nvSpPr>
+          <p:cNvPr id="3" name="Content Placeholder 2"/>
+          <p:cNvSpPr>
+            <a:spLocks noGrp="1"/>
+          </p:cNvSpPr>
+          <p:nvPr>
+            <p:ph idx="1"/>
+          </p:nvPr>
+        </p:nvSpPr>
+        <p:spPr>
+          <a:xfrm>
+            <a:off x="457200" y="1417638"/>
+            <a:ext cx="8229600" cy="4712918"/>
+          </a:xfrm>
+        </p:spPr>
+        <p:txBody>
+          <a:bodyPr>
+            <a:normAutofit/>
+          </a:bodyPr>
+          <a:lstStyle/>
+          <a:p>
+            <a:r>
+              <a:rPr lang="en-US" noProof="0" dirty="0" smtClean="0">
+                <a:cs typeface="Arial"/>
+              </a:rPr>
+              <a:t>Wide coverage</a:t>
+            </a:r>
+          </a:p>
+          <a:p>
+            <a:r>
+              <a:rPr lang="en-US" noProof="0" dirty="0" smtClean="0">
+                <a:cs typeface="Arial"/>
+              </a:rPr>
+              <a:t>Seamless Roaming</a:t>
+            </a:r>
+          </a:p>
+          <a:p>
+            <a:r>
+              <a:rPr lang="en-US" noProof="0" dirty="0" smtClean="0">
+                <a:cs typeface="Arial"/>
+              </a:rPr>
+              <a:t>Seamless Mobility (Handoff)</a:t>
+            </a:r>
+          </a:p>
+          <a:p>
+            <a:r>
+              <a:rPr lang="en-US" noProof="0" dirty="0" smtClean="0">
+                <a:cs typeface="Arial"/>
+              </a:rPr>
+              <a:t>Anonymity</a:t>
+            </a:r>
+          </a:p>
+          <a:p>
+            <a:r>
+              <a:rPr lang="en-US" noProof="0" dirty="0" smtClean="0">
+                <a:cs typeface="Arial"/>
+              </a:rPr>
+              <a:t>Mutual Authentication</a:t>
+            </a:r>
+          </a:p>
+          <a:p>
+            <a:r>
+              <a:rPr lang="en-US" noProof="0" dirty="0" smtClean="0">
+                <a:cs typeface="Arial"/>
+              </a:rPr>
+              <a:t>Two-way honesty</a:t>
+            </a:r>
+          </a:p>
+          <a:p>
+            <a:r>
+              <a:rPr lang="en-US" noProof="0" dirty="0" smtClean="0">
+                <a:cs typeface="Arial"/>
+              </a:rPr>
+              <a:t>Untraceability</a:t>
+            </a:r>
+          </a:p>
+          <a:p>
+            <a:r>
+              <a:rPr lang="en-US" noProof="0" dirty="0" smtClean="0">
+                <a:cs typeface="Arial"/>
+              </a:rPr>
+              <a:t>Performance</a:t>
+            </a:r>
+            <a:endParaRPr lang="en-US" noProof="0" dirty="0">
+              <a:cs typeface="Arial"/>
+            </a:endParaRPr>
+          </a:p>
+        </p:txBody>
+      </p:sp>
+      <p:sp>
+        <p:nvSpPr>
+          <p:cNvPr id="4" name="Slide Number Placeholder 3"/>
+          <p:cNvSpPr>
+            <a:spLocks noGrp="1"/>
+          </p:cNvSpPr>
+          <p:nvPr>
+            <p:ph type="sldNum" sz="quarter" idx="12"/>
+          </p:nvPr>
+        </p:nvSpPr>
+        <p:spPr/>
+        <p:txBody>
+          <a:bodyPr/>
+          <a:lstStyle/>
+          <a:p>
+            <a:fld id="{7F5CE407-6216-4202-80E4-A30DC2F709B2}" type="slidenum">
+              <a:rPr lang="en-US" smtClean="0"/>
+              <a:pPr/>
+              <a:t>4</a:t>
+            </a:fld>
+            <a:endParaRPr lang="en-US" dirty="0"/>
+          </a:p>
+        </p:txBody>
+      </p:sp>
+    </p:spTree>
+    <p:extLst>
+      <p:ext uri="{BB962C8B-B14F-4D97-AF65-F5344CB8AC3E}">
+        <p14:creationId xmlns:p14="http://schemas.microsoft.com/office/powerpoint/2010/main" val="4140221233"/>
+      </p:ext>
+    </p:extLst>
+  </p:cSld>
+  <p:clrMapOvr>
+    <a:masterClrMapping/>
+  </p:clrMapOvr>
+  <p:timing>
+    <p:tnLst>
+      <p:par>
+        <p:cTn xmlns:p14="http://schemas.microsoft.com/office/powerpoint/2010/main" id="1" dur="indefinite" restart="never" nodeType="tmRoot"/>
       </p:par>
     </p:tnLst>
   </p:timing>
@@ -9105,96 +7944,6 @@
       </p:grpSpPr>
       <p:sp>
         <p:nvSpPr>
-          <p:cNvPr id="6" name="Rectangle 5"/>
-          <p:cNvSpPr/>
-          <p:nvPr/>
-        </p:nvSpPr>
-        <p:spPr>
-          <a:xfrm>
-            <a:off x="323528" y="4581128"/>
-            <a:ext cx="8591855" cy="1944216"/>
-          </a:xfrm>
-          <a:prstGeom prst="rect">
-            <a:avLst/>
-          </a:prstGeom>
-          <a:gradFill>
-            <a:gsLst>
-              <a:gs pos="0">
-                <a:srgbClr val="FFEFD1"/>
-              </a:gs>
-              <a:gs pos="64999">
-                <a:srgbClr val="F0EBD5"/>
-              </a:gs>
-              <a:gs pos="100000">
-                <a:srgbClr val="D1C39F"/>
-              </a:gs>
-            </a:gsLst>
-            <a:lin ang="16200000" scaled="0"/>
-          </a:gradFill>
-        </p:spPr>
-        <p:style>
-          <a:lnRef idx="1">
-            <a:schemeClr val="accent1"/>
-          </a:lnRef>
-          <a:fillRef idx="2">
-            <a:schemeClr val="accent1"/>
-          </a:fillRef>
-          <a:effectRef idx="1">
-            <a:schemeClr val="accent1"/>
-          </a:effectRef>
-          <a:fontRef idx="minor">
-            <a:schemeClr val="dk1"/>
-          </a:fontRef>
-        </p:style>
-        <p:txBody>
-          <a:bodyPr rtlCol="0" anchor="ctr"/>
-          <a:lstStyle/>
-          <a:p>
-            <a:pPr algn="ctr"/>
-            <a:endParaRPr lang="tr-TR" dirty="0"/>
-          </a:p>
-        </p:txBody>
-      </p:sp>
-      <p:sp>
-        <p:nvSpPr>
-          <p:cNvPr id="4" name="Rectangle 3"/>
-          <p:cNvSpPr/>
-          <p:nvPr/>
-        </p:nvSpPr>
-        <p:spPr>
-          <a:xfrm>
-            <a:off x="300625" y="1268760"/>
-            <a:ext cx="8591855" cy="2811876"/>
-          </a:xfrm>
-          <a:prstGeom prst="rect">
-            <a:avLst/>
-          </a:prstGeom>
-        </p:spPr>
-        <p:style>
-          <a:lnRef idx="1">
-            <a:schemeClr val="accent1"/>
-          </a:lnRef>
-          <a:fillRef idx="2">
-            <a:schemeClr val="accent1"/>
-          </a:fillRef>
-          <a:effectRef idx="1">
-            <a:schemeClr val="accent1"/>
-          </a:effectRef>
-          <a:fontRef idx="minor">
-            <a:schemeClr val="dk1"/>
-          </a:fontRef>
-        </p:style>
-        <p:txBody>
-          <a:bodyPr rtlCol="0" anchor="ctr"/>
-          <a:lstStyle/>
-          <a:p>
-            <a:pPr algn="ctr"/>
-            <a:endParaRPr lang="tr-TR" dirty="0"/>
-          </a:p>
-        </p:txBody>
-      </p:sp>
-      <p:sp>
-        <p:nvSpPr>
           <p:cNvPr id="2" name="Title 1"/>
           <p:cNvSpPr>
             <a:spLocks noGrp="1"/>
@@ -9203,194 +7952,26 @@
             <p:ph type="title"/>
           </p:nvPr>
         </p:nvSpPr>
-        <p:spPr>
-          <a:xfrm>
-            <a:off x="457200" y="274638"/>
-            <a:ext cx="8229600" cy="634082"/>
-          </a:xfrm>
-        </p:spPr>
-        <p:txBody>
-          <a:bodyPr>
-            <a:normAutofit fontScale="90000"/>
-          </a:bodyPr>
-          <a:lstStyle/>
-          <a:p>
-            <a:r>
-              <a:rPr lang="en-US" noProof="0" smtClean="0"/>
-              <a:t>Project Timeline and WPs</a:t>
-            </a:r>
-            <a:endParaRPr lang="en-US" noProof="0"/>
-          </a:p>
-        </p:txBody>
-      </p:sp>
-      <p:sp>
-        <p:nvSpPr>
-          <p:cNvPr id="3" name="Content Placeholder 2"/>
-          <p:cNvSpPr>
-            <a:spLocks noGrp="1"/>
-          </p:cNvSpPr>
-          <p:nvPr>
-            <p:ph idx="1"/>
-          </p:nvPr>
-        </p:nvSpPr>
-        <p:spPr>
-          <a:xfrm>
-            <a:off x="457200" y="980728"/>
-            <a:ext cx="8229600" cy="5592871"/>
-          </a:xfrm>
-        </p:spPr>
-        <p:txBody>
-          <a:bodyPr>
-            <a:normAutofit fontScale="62500" lnSpcReduction="20000"/>
-          </a:bodyPr>
-          <a:lstStyle/>
-          <a:p>
-            <a:pPr>
-              <a:buNone/>
-            </a:pPr>
-            <a:r>
-              <a:rPr lang="en-US" noProof="0" smtClean="0"/>
-              <a:t>Kickoff: April 1, 2011</a:t>
-            </a:r>
-          </a:p>
-          <a:p>
-            <a:r>
-              <a:rPr lang="en-US" noProof="0" smtClean="0"/>
-              <a:t>WP1: Requirements Specification</a:t>
-            </a:r>
-          </a:p>
-          <a:p>
-            <a:pPr lvl="1"/>
-            <a:r>
-              <a:rPr lang="en-US" noProof="0" smtClean="0"/>
-              <a:t>M1 – M4</a:t>
-            </a:r>
-          </a:p>
-          <a:p>
-            <a:pPr lvl="1"/>
-            <a:r>
-              <a:rPr lang="en-US" noProof="0" smtClean="0"/>
-              <a:t>Deliverable 1: Requirements Specification Document</a:t>
-            </a:r>
-          </a:p>
-          <a:p>
-            <a:pPr lvl="1"/>
-            <a:r>
-              <a:rPr lang="en-US" noProof="0" smtClean="0"/>
-              <a:t>Deliverable 2:	 Simulation tool evaluation report</a:t>
-            </a:r>
-          </a:p>
-          <a:p>
-            <a:r>
-              <a:rPr lang="en-US" noProof="0" smtClean="0"/>
-              <a:t>WP2 – Setting up the Simulation Tool</a:t>
-            </a:r>
-          </a:p>
-          <a:p>
-            <a:pPr lvl="1"/>
-            <a:r>
-              <a:rPr lang="en-US" noProof="0" smtClean="0"/>
-              <a:t>M5 – M6</a:t>
-            </a:r>
-          </a:p>
-          <a:p>
-            <a:pPr lvl="1"/>
-            <a:r>
-              <a:rPr lang="en-US" noProof="0" smtClean="0"/>
-              <a:t>Milestone 1: Simulation tool up and running</a:t>
-            </a:r>
-          </a:p>
-          <a:p>
-            <a:r>
-              <a:rPr lang="en-US" noProof="0" smtClean="0"/>
-              <a:t>WP3 –  Protocol Design and Engineering</a:t>
-            </a:r>
-          </a:p>
-          <a:p>
-            <a:pPr lvl="1"/>
-            <a:r>
-              <a:rPr lang="en-US" noProof="0" smtClean="0"/>
-              <a:t>M5 – M12</a:t>
-            </a:r>
-          </a:p>
-          <a:p>
-            <a:pPr lvl="1"/>
-            <a:r>
-              <a:rPr lang="en-US" noProof="0" smtClean="0"/>
-              <a:t>Deliverable 3: Protocol Design Document </a:t>
-            </a:r>
-          </a:p>
-          <a:p>
-            <a:pPr>
-              <a:spcBef>
-                <a:spcPts val="0"/>
-              </a:spcBef>
-              <a:buNone/>
-            </a:pPr>
-            <a:endParaRPr lang="en-US" noProof="0" smtClean="0"/>
-          </a:p>
-          <a:p>
-            <a:pPr>
-              <a:spcBef>
-                <a:spcPts val="0"/>
-              </a:spcBef>
-              <a:buNone/>
-            </a:pPr>
-            <a:r>
-              <a:rPr lang="en-US" noProof="0" smtClean="0"/>
-              <a:t>2nd Year</a:t>
-            </a:r>
-          </a:p>
-          <a:p>
-            <a:pPr>
-              <a:spcBef>
-                <a:spcPts val="0"/>
-              </a:spcBef>
-            </a:pPr>
-            <a:r>
-              <a:rPr lang="en-US" noProof="0" smtClean="0"/>
-              <a:t>WP1 – Unit Protocol Implementation over the Simulation Environment</a:t>
-            </a:r>
-          </a:p>
-          <a:p>
-            <a:pPr lvl="1"/>
-            <a:r>
-              <a:rPr lang="en-US" noProof="0" smtClean="0"/>
-              <a:t>M1 – M6</a:t>
-            </a:r>
-          </a:p>
-          <a:p>
-            <a:pPr lvl="1"/>
-            <a:r>
-              <a:rPr lang="en-US" noProof="0" smtClean="0"/>
-              <a:t>Deliverable 1: Preliminary performance results of the unit implementations of the protocols using simple scenarios</a:t>
-            </a:r>
-          </a:p>
-          <a:p>
-            <a:r>
-              <a:rPr lang="en-US" noProof="0" smtClean="0"/>
-              <a:t>WP2- Performance Evaluation</a:t>
-            </a:r>
-          </a:p>
-          <a:p>
-            <a:pPr lvl="1"/>
-            <a:r>
-              <a:rPr lang="en-US" noProof="0" smtClean="0"/>
-              <a:t>M5 – M12</a:t>
-            </a:r>
-          </a:p>
-          <a:p>
-            <a:pPr lvl="1"/>
-            <a:r>
-              <a:rPr lang="en-US" noProof="0" smtClean="0"/>
-              <a:t>Execution of final simulations</a:t>
-            </a:r>
-          </a:p>
-        </p:txBody>
-      </p:sp>
-      <p:sp>
-        <p:nvSpPr>
-          <p:cNvPr id="5" name="Slide Number Placeholder 4"/>
+        <p:spPr/>
+        <p:txBody>
+          <a:bodyPr/>
+          <a:lstStyle/>
+          <a:p>
+            <a:r>
+              <a:rPr lang="en-US" noProof="0" smtClean="0">
+                <a:cs typeface="Arial"/>
+              </a:rPr>
+              <a:t>System Entities</a:t>
+            </a:r>
+            <a:endParaRPr lang="en-US" noProof="0">
+              <a:cs typeface="Arial"/>
+            </a:endParaRPr>
+          </a:p>
+        </p:txBody>
+      </p:sp>
+      <p:sp>
+        <p:nvSpPr>
+          <p:cNvPr id="4" name="Slide Number Placeholder 3"/>
           <p:cNvSpPr>
             <a:spLocks noGrp="1"/>
           </p:cNvSpPr>
@@ -9412,477 +7993,6 @@
           </a:p>
         </p:txBody>
       </p:sp>
-    </p:spTree>
-  </p:cSld>
-  <p:clrMapOvr>
-    <a:masterClrMapping/>
-  </p:clrMapOvr>
-  <p:timing>
-    <p:tnLst>
-      <p:par>
-        <p:cTn id="1" dur="indefinite" restart="never" nodeType="tmRoot"/>
-      </p:par>
-    </p:tnLst>
-  </p:timing>
-</p:sld>
-</file>
-
-<file path=ppt/slides/slide50.xml><?xml version="1.0" encoding="utf-8"?>
-<p:sld xmlns:a="http://schemas.openxmlformats.org/drawingml/2006/main" xmlns:r="http://schemas.openxmlformats.org/officeDocument/2006/relationships" xmlns:p="http://schemas.openxmlformats.org/presentationml/2006/main">
-  <p:cSld>
-    <p:spTree>
-      <p:nvGrpSpPr>
-        <p:cNvPr id="1" name=""/>
-        <p:cNvGrpSpPr/>
-        <p:nvPr/>
-      </p:nvGrpSpPr>
-      <p:grpSpPr>
-        <a:xfrm>
-          <a:off x="0" y="0"/>
-          <a:ext cx="0" cy="0"/>
-          <a:chOff x="0" y="0"/>
-          <a:chExt cx="0" cy="0"/>
-        </a:xfrm>
-      </p:grpSpPr>
-      <p:sp>
-        <p:nvSpPr>
-          <p:cNvPr id="2" name="Title 1"/>
-          <p:cNvSpPr>
-            <a:spLocks noGrp="1"/>
-          </p:cNvSpPr>
-          <p:nvPr>
-            <p:ph type="title"/>
-          </p:nvPr>
-        </p:nvSpPr>
-        <p:spPr/>
-        <p:txBody>
-          <a:bodyPr/>
-          <a:lstStyle/>
-          <a:p>
-            <a:r>
-              <a:rPr lang="en-US" noProof="0" smtClean="0"/>
-              <a:t>Discussion</a:t>
-            </a:r>
-            <a:endParaRPr lang="en-US" noProof="0"/>
-          </a:p>
-        </p:txBody>
-      </p:sp>
-      <p:sp>
-        <p:nvSpPr>
-          <p:cNvPr id="3" name="Content Placeholder 2"/>
-          <p:cNvSpPr>
-            <a:spLocks noGrp="1"/>
-          </p:cNvSpPr>
-          <p:nvPr>
-            <p:ph idx="1"/>
-          </p:nvPr>
-        </p:nvSpPr>
-        <p:spPr>
-          <a:xfrm>
-            <a:off x="457200" y="1600200"/>
-            <a:ext cx="8229600" cy="4972072"/>
-          </a:xfrm>
-        </p:spPr>
-        <p:txBody>
-          <a:bodyPr>
-            <a:normAutofit/>
-          </a:bodyPr>
-          <a:lstStyle/>
-          <a:p>
-            <a:r>
-              <a:rPr lang="en-US" noProof="0" smtClean="0"/>
-              <a:t>Wide Coverage</a:t>
-            </a:r>
-          </a:p>
-          <a:p>
-            <a:r>
-              <a:rPr lang="en-US" noProof="0" smtClean="0"/>
-              <a:t>Seamless Mobility and Roaming</a:t>
-            </a:r>
-          </a:p>
-          <a:p>
-            <a:r>
-              <a:rPr lang="en-US" noProof="0" smtClean="0"/>
-              <a:t>Anonymity</a:t>
-            </a:r>
-          </a:p>
-          <a:p>
-            <a:r>
-              <a:rPr lang="en-US" noProof="0" smtClean="0"/>
-              <a:t>Mutual authentication</a:t>
-            </a:r>
-          </a:p>
-          <a:p>
-            <a:r>
-              <a:rPr lang="en-US" noProof="0" smtClean="0"/>
-              <a:t>Two-way honesty</a:t>
-            </a:r>
-          </a:p>
-          <a:p>
-            <a:r>
-              <a:rPr lang="en-US" noProof="0" smtClean="0"/>
-              <a:t>Untraceability</a:t>
-            </a:r>
-          </a:p>
-          <a:p>
-            <a:r>
-              <a:rPr lang="en-US" noProof="0" smtClean="0"/>
-              <a:t>Performance</a:t>
-            </a:r>
-          </a:p>
-        </p:txBody>
-      </p:sp>
-    </p:spTree>
-  </p:cSld>
-  <p:clrMapOvr>
-    <a:masterClrMapping/>
-  </p:clrMapOvr>
-  <p:timing>
-    <p:tnLst>
-      <p:par>
-        <p:cTn id="1" dur="indefinite" restart="never" nodeType="tmRoot"/>
-      </p:par>
-    </p:tnLst>
-  </p:timing>
-</p:sld>
-</file>
-
-<file path=ppt/slides/slide51.xml><?xml version="1.0" encoding="utf-8"?>
-<p:sld xmlns:a="http://schemas.openxmlformats.org/drawingml/2006/main" xmlns:r="http://schemas.openxmlformats.org/officeDocument/2006/relationships" xmlns:p="http://schemas.openxmlformats.org/presentationml/2006/main">
-  <p:cSld>
-    <p:spTree>
-      <p:nvGrpSpPr>
-        <p:cNvPr id="1" name=""/>
-        <p:cNvGrpSpPr/>
-        <p:nvPr/>
-      </p:nvGrpSpPr>
-      <p:grpSpPr>
-        <a:xfrm>
-          <a:off x="0" y="0"/>
-          <a:ext cx="0" cy="0"/>
-          <a:chOff x="0" y="0"/>
-          <a:chExt cx="0" cy="0"/>
-        </a:xfrm>
-      </p:grpSpPr>
-      <p:sp>
-        <p:nvSpPr>
-          <p:cNvPr id="2" name="Title 1"/>
-          <p:cNvSpPr>
-            <a:spLocks noGrp="1"/>
-          </p:cNvSpPr>
-          <p:nvPr>
-            <p:ph type="title"/>
-          </p:nvPr>
-        </p:nvSpPr>
-        <p:spPr/>
-        <p:txBody>
-          <a:bodyPr/>
-          <a:lstStyle/>
-          <a:p>
-            <a:r>
-              <a:rPr lang="en-US" noProof="0" smtClean="0"/>
-              <a:t>Conclusion</a:t>
-            </a:r>
-            <a:endParaRPr lang="en-US" noProof="0"/>
-          </a:p>
-        </p:txBody>
-      </p:sp>
-      <p:sp>
-        <p:nvSpPr>
-          <p:cNvPr id="3" name="Content Placeholder 2"/>
-          <p:cNvSpPr>
-            <a:spLocks noGrp="1"/>
-          </p:cNvSpPr>
-          <p:nvPr>
-            <p:ph idx="1"/>
-          </p:nvPr>
-        </p:nvSpPr>
-        <p:spPr/>
-        <p:txBody>
-          <a:bodyPr>
-            <a:normAutofit fontScale="92500" lnSpcReduction="10000"/>
-          </a:bodyPr>
-          <a:lstStyle/>
-          <a:p>
-            <a:r>
-              <a:rPr lang="en-US" noProof="0" dirty="0" smtClean="0"/>
-              <a:t>We have proposed a secure and seamless prepayment scheme for wireless mesh networks (SSPayWMN).</a:t>
-            </a:r>
-          </a:p>
-          <a:p>
-            <a:r>
-              <a:rPr lang="en-US" noProof="0" dirty="0" smtClean="0"/>
-              <a:t>This system provides fairness to both operators and to clients.</a:t>
-            </a:r>
-          </a:p>
-          <a:p>
-            <a:r>
-              <a:rPr lang="en-US" noProof="0" dirty="0" smtClean="0"/>
-              <a:t>SSPayWMN provides privacy and untraceability to some extent.</a:t>
-            </a:r>
-          </a:p>
-          <a:p>
-            <a:r>
-              <a:rPr lang="en-US" noProof="0" dirty="0" smtClean="0"/>
-              <a:t>SSPayWMN can successfully handle seamless handover between operators by eliminating the need for re-authentication from the scratch.</a:t>
-            </a:r>
-          </a:p>
-          <a:p>
-            <a:endParaRPr lang="en-US" noProof="0" dirty="0"/>
-          </a:p>
-        </p:txBody>
-      </p:sp>
-    </p:spTree>
-  </p:cSld>
-  <p:clrMapOvr>
-    <a:masterClrMapping/>
-  </p:clrMapOvr>
-  <p:timing>
-    <p:tnLst>
-      <p:par>
-        <p:cTn id="1" dur="indefinite" restart="never" nodeType="tmRoot"/>
-      </p:par>
-    </p:tnLst>
-  </p:timing>
-</p:sld>
-</file>
-
-<file path=ppt/slides/slide52.xml><?xml version="1.0" encoding="utf-8"?>
-<p:sld xmlns:a="http://schemas.openxmlformats.org/drawingml/2006/main" xmlns:r="http://schemas.openxmlformats.org/officeDocument/2006/relationships" xmlns:p="http://schemas.openxmlformats.org/presentationml/2006/main">
-  <p:cSld>
-    <p:spTree>
-      <p:nvGrpSpPr>
-        <p:cNvPr id="1" name=""/>
-        <p:cNvGrpSpPr/>
-        <p:nvPr/>
-      </p:nvGrpSpPr>
-      <p:grpSpPr>
-        <a:xfrm>
-          <a:off x="0" y="0"/>
-          <a:ext cx="0" cy="0"/>
-          <a:chOff x="0" y="0"/>
-          <a:chExt cx="0" cy="0"/>
-        </a:xfrm>
-      </p:grpSpPr>
-      <p:sp>
-        <p:nvSpPr>
-          <p:cNvPr id="2" name="Title 1"/>
-          <p:cNvSpPr>
-            <a:spLocks noGrp="1"/>
-          </p:cNvSpPr>
-          <p:nvPr>
-            <p:ph type="title"/>
-          </p:nvPr>
-        </p:nvSpPr>
-        <p:spPr/>
-        <p:txBody>
-          <a:bodyPr/>
-          <a:lstStyle/>
-          <a:p>
-            <a:r>
-              <a:rPr lang="en-US" noProof="0" dirty="0" smtClean="0"/>
-              <a:t>Conclusion (continued)</a:t>
-            </a:r>
-            <a:endParaRPr lang="en-US" noProof="0" dirty="0"/>
-          </a:p>
-        </p:txBody>
-      </p:sp>
-      <p:sp>
-        <p:nvSpPr>
-          <p:cNvPr id="3" name="Content Placeholder 2"/>
-          <p:cNvSpPr>
-            <a:spLocks noGrp="1"/>
-          </p:cNvSpPr>
-          <p:nvPr>
-            <p:ph idx="1"/>
-          </p:nvPr>
-        </p:nvSpPr>
-        <p:spPr/>
-        <p:txBody>
-          <a:bodyPr/>
-          <a:lstStyle/>
-          <a:p>
-            <a:r>
-              <a:rPr lang="en-US" noProof="0" dirty="0" smtClean="0"/>
-              <a:t>We have conducted two types of simulations to evaluate our system using ns-3: Unit tests and real-life scenario simulations.</a:t>
-            </a:r>
-          </a:p>
-          <a:p>
-            <a:r>
-              <a:rPr lang="en-US" noProof="0" dirty="0" smtClean="0"/>
-              <a:t>Both simulation types gave results ensuring the stability of the system and steady state performance.</a:t>
-            </a:r>
-          </a:p>
-          <a:p>
-            <a:r>
-              <a:rPr lang="en-US" noProof="0" dirty="0" smtClean="0"/>
-              <a:t>Overall burden of the system is 1% of the actual network usage.</a:t>
-            </a:r>
-            <a:endParaRPr lang="en-US" noProof="0" dirty="0"/>
-          </a:p>
-        </p:txBody>
-      </p:sp>
-    </p:spTree>
-  </p:cSld>
-  <p:clrMapOvr>
-    <a:masterClrMapping/>
-  </p:clrMapOvr>
-  <p:timing>
-    <p:tnLst>
-      <p:par>
-        <p:cTn id="1" dur="indefinite" restart="never" nodeType="tmRoot"/>
-      </p:par>
-    </p:tnLst>
-  </p:timing>
-</p:sld>
-</file>
-
-<file path=ppt/slides/slide53.xml><?xml version="1.0" encoding="utf-8"?>
-<p:sld xmlns:a="http://schemas.openxmlformats.org/drawingml/2006/main" xmlns:r="http://schemas.openxmlformats.org/officeDocument/2006/relationships" xmlns:p="http://schemas.openxmlformats.org/presentationml/2006/main">
-  <p:cSld>
-    <p:spTree>
-      <p:nvGrpSpPr>
-        <p:cNvPr id="1" name=""/>
-        <p:cNvGrpSpPr/>
-        <p:nvPr/>
-      </p:nvGrpSpPr>
-      <p:grpSpPr>
-        <a:xfrm>
-          <a:off x="0" y="0"/>
-          <a:ext cx="0" cy="0"/>
-          <a:chOff x="0" y="0"/>
-          <a:chExt cx="0" cy="0"/>
-        </a:xfrm>
-      </p:grpSpPr>
-      <p:sp>
-        <p:nvSpPr>
-          <p:cNvPr id="2" name="Title 1"/>
-          <p:cNvSpPr>
-            <a:spLocks noGrp="1"/>
-          </p:cNvSpPr>
-          <p:nvPr>
-            <p:ph type="title"/>
-          </p:nvPr>
-        </p:nvSpPr>
-        <p:spPr/>
-        <p:txBody>
-          <a:bodyPr/>
-          <a:lstStyle/>
-          <a:p>
-            <a:r>
-              <a:rPr lang="en-US" noProof="0" dirty="0" smtClean="0"/>
-              <a:t>Questions?</a:t>
-            </a:r>
-            <a:endParaRPr lang="en-US" noProof="0" dirty="0"/>
-          </a:p>
-        </p:txBody>
-      </p:sp>
-      <p:sp>
-        <p:nvSpPr>
-          <p:cNvPr id="3" name="Content Placeholder 2"/>
-          <p:cNvSpPr>
-            <a:spLocks noGrp="1"/>
-          </p:cNvSpPr>
-          <p:nvPr>
-            <p:ph idx="1"/>
-          </p:nvPr>
-        </p:nvSpPr>
-        <p:spPr/>
-        <p:txBody>
-          <a:bodyPr/>
-          <a:lstStyle/>
-          <a:p>
-            <a:r>
-              <a:rPr lang="en-US" noProof="0" dirty="0" smtClean="0"/>
-              <a:t>Thank you for listening.</a:t>
-            </a:r>
-            <a:endParaRPr lang="en-US" noProof="0" dirty="0"/>
-          </a:p>
-        </p:txBody>
-      </p:sp>
-    </p:spTree>
-  </p:cSld>
-  <p:clrMapOvr>
-    <a:masterClrMapping/>
-  </p:clrMapOvr>
-  <p:timing>
-    <p:tnLst>
-      <p:par>
-        <p:cTn id="1" dur="indefinite" restart="never" nodeType="tmRoot"/>
-      </p:par>
-    </p:tnLst>
-  </p:timing>
-</p:sld>
-</file>
-
-<file path=ppt/slides/slide6.xml><?xml version="1.0" encoding="utf-8"?>
-<p:sld xmlns:a="http://schemas.openxmlformats.org/drawingml/2006/main" xmlns:r="http://schemas.openxmlformats.org/officeDocument/2006/relationships" xmlns:p="http://schemas.openxmlformats.org/presentationml/2006/main">
-  <p:cSld>
-    <p:spTree>
-      <p:nvGrpSpPr>
-        <p:cNvPr id="1" name=""/>
-        <p:cNvGrpSpPr/>
-        <p:nvPr/>
-      </p:nvGrpSpPr>
-      <p:grpSpPr>
-        <a:xfrm>
-          <a:off x="0" y="0"/>
-          <a:ext cx="0" cy="0"/>
-          <a:chOff x="0" y="0"/>
-          <a:chExt cx="0" cy="0"/>
-        </a:xfrm>
-      </p:grpSpPr>
-      <p:sp>
-        <p:nvSpPr>
-          <p:cNvPr id="2" name="Title 1"/>
-          <p:cNvSpPr>
-            <a:spLocks noGrp="1"/>
-          </p:cNvSpPr>
-          <p:nvPr>
-            <p:ph type="title"/>
-          </p:nvPr>
-        </p:nvSpPr>
-        <p:spPr/>
-        <p:txBody>
-          <a:bodyPr/>
-          <a:lstStyle/>
-          <a:p>
-            <a:r>
-              <a:rPr lang="en-US" noProof="0" smtClean="0">
-                <a:cs typeface="Arial"/>
-              </a:rPr>
-              <a:t>System Entities</a:t>
-            </a:r>
-            <a:endParaRPr lang="en-US" noProof="0">
-              <a:cs typeface="Arial"/>
-            </a:endParaRPr>
-          </a:p>
-        </p:txBody>
-      </p:sp>
-      <p:sp>
-        <p:nvSpPr>
-          <p:cNvPr id="4" name="Slide Number Placeholder 3"/>
-          <p:cNvSpPr>
-            <a:spLocks noGrp="1"/>
-          </p:cNvSpPr>
-          <p:nvPr>
-            <p:ph type="sldNum" sz="quarter" idx="12"/>
-          </p:nvPr>
-        </p:nvSpPr>
-        <p:spPr/>
-        <p:txBody>
-          <a:bodyPr/>
-          <a:lstStyle/>
-          <a:p>
-            <a:fld id="{7F5CE407-6216-4202-80E4-A30DC2F709B2}" type="slidenum">
-              <a:rPr lang="en-US" smtClean="0"/>
-              <a:pPr/>
-              <a:t>6</a:t>
-            </a:fld>
-            <a:endParaRPr lang="en-US" dirty="0"/>
-          </a:p>
-        </p:txBody>
-      </p:sp>
       <p:graphicFrame>
         <p:nvGraphicFramePr>
           <p:cNvPr id="13" name="Table 12"/>
@@ -9892,7 +8002,7 @@
           <p:nvPr>
             <p:extLst>
               <p:ext uri="{D42A27DB-BD31-4B8C-83A1-F6EECF244321}">
-                <p14:modId xmlns:p14="http://schemas.microsoft.com/office/powerpoint/2010/main" xmlns="" val="3351597261"/>
+                <p14:modId xmlns:p14="http://schemas.microsoft.com/office/powerpoint/2010/main" val="3351597261"/>
               </p:ext>
             </p:extLst>
           </p:nvPr>
@@ -10932,7 +9042,7 @@
     </p:spTree>
     <p:extLst>
       <p:ext uri="{BB962C8B-B14F-4D97-AF65-F5344CB8AC3E}">
-        <p14:creationId xmlns:p14="http://schemas.microsoft.com/office/powerpoint/2010/main" xmlns="" val="3622709671"/>
+        <p14:creationId xmlns:p14="http://schemas.microsoft.com/office/powerpoint/2010/main" val="3622709671"/>
       </p:ext>
     </p:extLst>
   </p:cSld>
@@ -10942,14 +9052,14 @@
   <p:timing>
     <p:tnLst>
       <p:par>
-        <p:cTn id="1" dur="indefinite" restart="never" nodeType="tmRoot"/>
+        <p:cTn xmlns:p14="http://schemas.microsoft.com/office/powerpoint/2010/main" id="1" dur="indefinite" restart="never" nodeType="tmRoot"/>
       </p:par>
     </p:tnLst>
   </p:timing>
 </p:sld>
 </file>
 
-<file path=ppt/slides/slide7.xml><?xml version="1.0" encoding="utf-8"?>
+<file path=ppt/slides/slide6.xml><?xml version="1.0" encoding="utf-8"?>
 <p:sld xmlns:a="http://schemas.openxmlformats.org/drawingml/2006/main" xmlns:r="http://schemas.openxmlformats.org/officeDocument/2006/relationships" xmlns:p="http://schemas.openxmlformats.org/presentationml/2006/main">
   <p:cSld>
     <p:spTree>
@@ -10982,129 +9092,10 @@
           <a:lstStyle/>
           <a:p>
             <a:r>
-              <a:rPr lang="en-US" noProof="0" smtClean="0"/>
-              <a:t>Connection Card</a:t>
-            </a:r>
-            <a:endParaRPr lang="en-US" noProof="0"/>
-          </a:p>
-        </p:txBody>
-      </p:sp>
-      <p:sp>
-        <p:nvSpPr>
-          <p:cNvPr id="3" name="Content Placeholder 2"/>
-          <p:cNvSpPr>
-            <a:spLocks noGrp="1"/>
-          </p:cNvSpPr>
-          <p:nvPr>
-            <p:ph idx="1"/>
-          </p:nvPr>
-        </p:nvSpPr>
-        <p:spPr/>
-        <p:txBody>
-          <a:bodyPr>
-            <a:normAutofit/>
-          </a:bodyPr>
-          <a:lstStyle/>
-          <a:p>
-            <a:r>
-              <a:rPr lang="en-US" noProof="0" smtClean="0"/>
-              <a:t>Prepaid System</a:t>
-            </a:r>
-          </a:p>
-          <a:p>
-            <a:r>
-              <a:rPr lang="en-US" noProof="0" smtClean="0"/>
-              <a:t>Connection Cards </a:t>
-            </a:r>
-          </a:p>
-          <a:p>
-            <a:pPr lvl="1"/>
-            <a:r>
-              <a:rPr lang="en-US" noProof="0" smtClean="0"/>
-              <a:t>has unique Serial Number (SN) and credits.</a:t>
-            </a:r>
-          </a:p>
-          <a:p>
-            <a:pPr lvl="2"/>
-            <a:r>
-              <a:rPr lang="en-US" noProof="0" smtClean="0"/>
-              <a:t>SNs are used for alias computation</a:t>
-            </a:r>
-          </a:p>
-          <a:p>
-            <a:pPr lvl="1"/>
-            <a:r>
-              <a:rPr lang="en-US" noProof="0" smtClean="0"/>
-              <a:t>credits can be refilled</a:t>
-            </a:r>
-          </a:p>
-          <a:p>
-            <a:r>
-              <a:rPr lang="en-US" noProof="0" smtClean="0"/>
-              <a:t>Credits</a:t>
-            </a:r>
-          </a:p>
-          <a:p>
-            <a:pPr lvl="1"/>
-            <a:r>
-              <a:rPr lang="en-US" noProof="0" smtClean="0"/>
-              <a:t>implemented as hash tokens which are generated using hash chains.</a:t>
-            </a:r>
-          </a:p>
-        </p:txBody>
-      </p:sp>
-    </p:spTree>
-  </p:cSld>
-  <p:clrMapOvr>
-    <a:masterClrMapping/>
-  </p:clrMapOvr>
-  <p:timing>
-    <p:tnLst>
-      <p:par>
-        <p:cTn id="1" dur="indefinite" restart="never" nodeType="tmRoot"/>
-      </p:par>
-    </p:tnLst>
-  </p:timing>
-</p:sld>
-</file>
-
-<file path=ppt/slides/slide8.xml><?xml version="1.0" encoding="utf-8"?>
-<p:sld xmlns:a="http://schemas.openxmlformats.org/drawingml/2006/main" xmlns:r="http://schemas.openxmlformats.org/officeDocument/2006/relationships" xmlns:p="http://schemas.openxmlformats.org/presentationml/2006/main">
-  <p:cSld>
-    <p:spTree>
-      <p:nvGrpSpPr>
-        <p:cNvPr id="1" name=""/>
-        <p:cNvGrpSpPr/>
-        <p:nvPr/>
-      </p:nvGrpSpPr>
-      <p:grpSpPr>
-        <a:xfrm>
-          <a:off x="0" y="0"/>
-          <a:ext cx="0" cy="0"/>
-          <a:chOff x="0" y="0"/>
-          <a:chExt cx="0" cy="0"/>
-        </a:xfrm>
-      </p:grpSpPr>
-      <p:sp>
-        <p:nvSpPr>
-          <p:cNvPr id="2" name="Title 1"/>
-          <p:cNvSpPr>
-            <a:spLocks noGrp="1"/>
-          </p:cNvSpPr>
-          <p:nvPr>
-            <p:ph type="title"/>
-          </p:nvPr>
-        </p:nvSpPr>
-        <p:spPr/>
-        <p:txBody>
-          <a:bodyPr/>
-          <a:lstStyle/>
-          <a:p>
-            <a:r>
-              <a:rPr lang="en-US" noProof="0" smtClean="0"/>
-              <a:t>Hash Tokens</a:t>
-            </a:r>
-            <a:endParaRPr lang="en-US" noProof="0"/>
+              <a:rPr lang="en-US" dirty="0" smtClean="0"/>
+              <a:t>Building Blocks</a:t>
+            </a:r>
+            <a:endParaRPr lang="en-US" noProof="0" dirty="0"/>
           </a:p>
         </p:txBody>
       </p:sp>
@@ -11120,42 +9111,57 @@
         </p:nvSpPr>
         <p:spPr>
           <a:xfrm>
-            <a:off x="467544" y="1196752"/>
-            <a:ext cx="8229600" cy="2016224"/>
+            <a:off x="457200" y="1600200"/>
+            <a:ext cx="8229600" cy="4997152"/>
           </a:xfrm>
         </p:spPr>
         <p:txBody>
           <a:bodyPr>
-            <a:normAutofit fontScale="85000" lnSpcReduction="20000"/>
+            <a:normAutofit lnSpcReduction="10000"/>
           </a:bodyPr>
           <a:lstStyle/>
           <a:p>
             <a:r>
-              <a:rPr lang="en-US" noProof="0" smtClean="0"/>
-              <a:t>For each set of tokens, the operator picks on a random IV (Initialization Vector) and take hashes of it many times.</a:t>
-            </a:r>
-          </a:p>
-          <a:p>
-            <a:r>
-              <a:rPr lang="en-US" noProof="0" smtClean="0"/>
-              <a:t>Can be used by sending in clear</a:t>
-            </a:r>
-          </a:p>
-          <a:p>
-            <a:pPr lvl="1"/>
-            <a:r>
-              <a:rPr lang="en-US" noProof="0" smtClean="0"/>
-              <a:t>This is secure since they hash functions are one-way</a:t>
-            </a:r>
-          </a:p>
-          <a:p>
-            <a:endParaRPr lang="en-US" noProof="0"/>
+              <a:rPr lang="en-US" dirty="0"/>
+              <a:t>Connection Cards </a:t>
+            </a:r>
+          </a:p>
+          <a:p>
+            <a:r>
+              <a:rPr lang="en-US" noProof="0" dirty="0" smtClean="0"/>
+              <a:t>Hash tokens</a:t>
+            </a:r>
+          </a:p>
+          <a:p>
+            <a:endParaRPr lang="en-US" dirty="0"/>
+          </a:p>
+          <a:p>
+            <a:endParaRPr lang="en-US" noProof="0" dirty="0" smtClean="0"/>
+          </a:p>
+          <a:p>
+            <a:endParaRPr lang="en-US" dirty="0"/>
+          </a:p>
+          <a:p>
+            <a:endParaRPr lang="en-US" noProof="0" dirty="0" smtClean="0"/>
+          </a:p>
+          <a:p>
+            <a:endParaRPr lang="en-US" dirty="0"/>
+          </a:p>
+          <a:p>
+            <a:endParaRPr lang="en-US" noProof="0" dirty="0" smtClean="0"/>
+          </a:p>
+          <a:p>
+            <a:r>
+              <a:rPr lang="en-US" noProof="0" dirty="0" smtClean="0"/>
+              <a:t>Aliases</a:t>
+            </a:r>
+            <a:endParaRPr lang="en-US" noProof="0" dirty="0" smtClean="0"/>
           </a:p>
         </p:txBody>
       </p:sp>
       <p:pic>
         <p:nvPicPr>
-          <p:cNvPr id="1028" name="Picture 4"/>
+          <p:cNvPr id="4" name="Picture 4"/>
           <p:cNvPicPr>
             <a:picLocks noChangeAspect="1" noChangeArrowheads="1"/>
           </p:cNvPicPr>
@@ -11170,7 +9176,7 @@
         </p:blipFill>
         <p:spPr bwMode="auto">
           <a:xfrm>
-            <a:off x="3203848" y="3284984"/>
+            <a:off x="3275856" y="2780928"/>
             <a:ext cx="2528404" cy="2952328"/>
           </a:xfrm>
           <a:prstGeom prst="rect">
@@ -11188,13 +9194,13 @@
       </p:pic>
       <p:cxnSp>
         <p:nvCxnSpPr>
-          <p:cNvPr id="6" name="Straight Arrow Connector 5"/>
+          <p:cNvPr id="5" name="Straight Arrow Connector 4"/>
           <p:cNvCxnSpPr/>
           <p:nvPr/>
         </p:nvCxnSpPr>
         <p:spPr>
           <a:xfrm flipV="1">
-            <a:off x="2843808" y="3356992"/>
+            <a:off x="2915816" y="2852936"/>
             <a:ext cx="0" cy="2808312"/>
           </a:xfrm>
           <a:prstGeom prst="straightConnector1">
@@ -11224,13 +9230,13 @@
       </p:cxnSp>
       <p:sp>
         <p:nvSpPr>
-          <p:cNvPr id="7" name="TextBox 6"/>
+          <p:cNvPr id="6" name="TextBox 5"/>
           <p:cNvSpPr txBox="1"/>
           <p:nvPr/>
         </p:nvSpPr>
         <p:spPr>
           <a:xfrm rot="16200000">
-            <a:off x="1579022" y="4540478"/>
+            <a:off x="1651030" y="4036422"/>
             <a:ext cx="1872208" cy="369332"/>
           </a:xfrm>
           <a:prstGeom prst="rect">
@@ -11254,13 +9260,13 @@
       </p:sp>
       <p:cxnSp>
         <p:nvCxnSpPr>
-          <p:cNvPr id="8" name="Straight Arrow Connector 7"/>
+          <p:cNvPr id="7" name="Straight Arrow Connector 6"/>
           <p:cNvCxnSpPr/>
           <p:nvPr/>
         </p:nvCxnSpPr>
         <p:spPr>
           <a:xfrm flipV="1">
-            <a:off x="5724128" y="3356992"/>
+            <a:off x="5796136" y="2852936"/>
             <a:ext cx="0" cy="2808312"/>
           </a:xfrm>
           <a:prstGeom prst="straightConnector1">
@@ -11291,13 +9297,13 @@
       </p:cxnSp>
       <p:sp>
         <p:nvSpPr>
-          <p:cNvPr id="9" name="TextBox 8"/>
+          <p:cNvPr id="8" name="TextBox 7"/>
           <p:cNvSpPr txBox="1"/>
           <p:nvPr/>
         </p:nvSpPr>
         <p:spPr>
           <a:xfrm rot="5400000">
-            <a:off x="5107414" y="4612486"/>
+            <a:off x="5179422" y="4108430"/>
             <a:ext cx="1872208" cy="369332"/>
           </a:xfrm>
           <a:prstGeom prst="rect">
@@ -11327,7 +9333,215 @@
   <p:timing>
     <p:tnLst>
       <p:par>
-        <p:cTn id="1" dur="indefinite" restart="never" nodeType="tmRoot"/>
+        <p:cTn xmlns:p14="http://schemas.microsoft.com/office/powerpoint/2010/main" id="1" dur="indefinite" restart="never" nodeType="tmRoot"/>
+      </p:par>
+    </p:tnLst>
+  </p:timing>
+</p:sld>
+</file>
+
+<file path=ppt/slides/slide7.xml><?xml version="1.0" encoding="utf-8"?>
+<p:sld xmlns:a="http://schemas.openxmlformats.org/drawingml/2006/main" xmlns:r="http://schemas.openxmlformats.org/officeDocument/2006/relationships" xmlns:p="http://schemas.openxmlformats.org/presentationml/2006/main">
+  <p:cSld>
+    <p:spTree>
+      <p:nvGrpSpPr>
+        <p:cNvPr id="1" name=""/>
+        <p:cNvGrpSpPr/>
+        <p:nvPr/>
+      </p:nvGrpSpPr>
+      <p:grpSpPr>
+        <a:xfrm>
+          <a:off x="0" y="0"/>
+          <a:ext cx="0" cy="0"/>
+          <a:chOff x="0" y="0"/>
+          <a:chExt cx="0" cy="0"/>
+        </a:xfrm>
+      </p:grpSpPr>
+      <p:sp>
+        <p:nvSpPr>
+          <p:cNvPr id="2" name="Title 1"/>
+          <p:cNvSpPr>
+            <a:spLocks noGrp="1"/>
+          </p:cNvSpPr>
+          <p:nvPr>
+            <p:ph type="title"/>
+          </p:nvPr>
+        </p:nvSpPr>
+        <p:spPr/>
+        <p:txBody>
+          <a:bodyPr>
+            <a:normAutofit fontScale="90000"/>
+          </a:bodyPr>
+          <a:lstStyle/>
+          <a:p>
+            <a:r>
+              <a:rPr lang="en-US" noProof="0" smtClean="0"/>
+              <a:t>Initial Authorization and Reuse of a Connection Card</a:t>
+            </a:r>
+            <a:endParaRPr lang="en-US" noProof="0"/>
+          </a:p>
+        </p:txBody>
+      </p:sp>
+      <p:pic>
+        <p:nvPicPr>
+          <p:cNvPr id="4" name="Picture 3" descr="Macintosh HD:Users:canleloglu:Desktop:worddoc:thesisImages:protocolsInDetail:seqDiagram:pdf:initAuthReuse.pdf"/>
+          <p:cNvPicPr/>
+          <p:nvPr/>
+        </p:nvPicPr>
+        <p:blipFill>
+          <a:blip r:embed="rId2" cstate="print">
+            <a:extLst>
+              <a:ext uri="{28A0092B-C50C-407E-A947-70E740481C1C}">
+                <a14:useLocalDpi xmlns:a14="http://schemas.microsoft.com/office/drawing/2010/main" val="0"/>
+              </a:ext>
+            </a:extLst>
+          </a:blip>
+          <a:srcRect/>
+          <a:stretch>
+            <a:fillRect/>
+          </a:stretch>
+        </p:blipFill>
+        <p:spPr bwMode="auto">
+          <a:xfrm>
+            <a:off x="1785918" y="1357298"/>
+            <a:ext cx="5151454" cy="5313694"/>
+          </a:xfrm>
+          <a:prstGeom prst="rect">
+            <a:avLst/>
+          </a:prstGeom>
+          <a:noFill/>
+          <a:ln>
+            <a:noFill/>
+          </a:ln>
+        </p:spPr>
+      </p:pic>
+    </p:spTree>
+  </p:cSld>
+  <p:clrMapOvr>
+    <a:masterClrMapping/>
+  </p:clrMapOvr>
+  <p:timing>
+    <p:tnLst>
+      <p:par>
+        <p:cTn xmlns:p14="http://schemas.microsoft.com/office/powerpoint/2010/main" id="1" dur="indefinite" restart="never" nodeType="tmRoot"/>
+      </p:par>
+    </p:tnLst>
+  </p:timing>
+</p:sld>
+</file>
+
+<file path=ppt/slides/slide8.xml><?xml version="1.0" encoding="utf-8"?>
+<p:sld xmlns:a="http://schemas.openxmlformats.org/drawingml/2006/main" xmlns:r="http://schemas.openxmlformats.org/officeDocument/2006/relationships" xmlns:p="http://schemas.openxmlformats.org/presentationml/2006/main">
+  <p:cSld>
+    <p:spTree>
+      <p:nvGrpSpPr>
+        <p:cNvPr id="1" name=""/>
+        <p:cNvGrpSpPr/>
+        <p:nvPr/>
+      </p:nvGrpSpPr>
+      <p:grpSpPr>
+        <a:xfrm>
+          <a:off x="0" y="0"/>
+          <a:ext cx="0" cy="0"/>
+          <a:chOff x="0" y="0"/>
+          <a:chExt cx="0" cy="0"/>
+        </a:xfrm>
+      </p:grpSpPr>
+      <p:sp>
+        <p:nvSpPr>
+          <p:cNvPr id="2" name="Title 1"/>
+          <p:cNvSpPr>
+            <a:spLocks noGrp="1"/>
+          </p:cNvSpPr>
+          <p:nvPr>
+            <p:ph type="title"/>
+          </p:nvPr>
+        </p:nvSpPr>
+        <p:spPr/>
+        <p:txBody>
+          <a:bodyPr/>
+          <a:lstStyle/>
+          <a:p>
+            <a:r>
+              <a:rPr lang="en-US" noProof="0" smtClean="0"/>
+              <a:t>Access Point Authentication</a:t>
+            </a:r>
+            <a:endParaRPr lang="en-US" noProof="0"/>
+          </a:p>
+        </p:txBody>
+      </p:sp>
+      <p:pic>
+        <p:nvPicPr>
+          <p:cNvPr id="5" name="Picture 4" descr="Macintosh HD:Users:canleloglu:Desktop:worddoc:thesisImages:protocolsInDetail:seqDiagram:pdf:accessAuth.pdf"/>
+          <p:cNvPicPr/>
+          <p:nvPr/>
+        </p:nvPicPr>
+        <p:blipFill>
+          <a:blip r:embed="rId2" cstate="print">
+            <a:extLst>
+              <a:ext uri="{28A0092B-C50C-407E-A947-70E740481C1C}">
+                <a14:useLocalDpi xmlns:a14="http://schemas.microsoft.com/office/drawing/2010/main" val="0"/>
+              </a:ext>
+            </a:extLst>
+          </a:blip>
+          <a:srcRect/>
+          <a:stretch>
+            <a:fillRect/>
+          </a:stretch>
+        </p:blipFill>
+        <p:spPr bwMode="auto">
+          <a:xfrm>
+            <a:off x="1857356" y="2571744"/>
+            <a:ext cx="5786478" cy="3786214"/>
+          </a:xfrm>
+          <a:prstGeom prst="rect">
+            <a:avLst/>
+          </a:prstGeom>
+          <a:noFill/>
+          <a:ln>
+            <a:noFill/>
+          </a:ln>
+        </p:spPr>
+      </p:pic>
+      <p:sp>
+        <p:nvSpPr>
+          <p:cNvPr id="4" name="Content Placeholder 2"/>
+          <p:cNvSpPr>
+            <a:spLocks noGrp="1"/>
+          </p:cNvSpPr>
+          <p:nvPr>
+            <p:ph idx="1"/>
+          </p:nvPr>
+        </p:nvSpPr>
+        <p:spPr>
+          <a:xfrm>
+            <a:off x="457200" y="1600201"/>
+            <a:ext cx="8229600" cy="1042981"/>
+          </a:xfrm>
+        </p:spPr>
+        <p:txBody>
+          <a:bodyPr>
+            <a:normAutofit lnSpcReduction="10000"/>
+          </a:bodyPr>
+          <a:lstStyle/>
+          <a:p>
+            <a:r>
+              <a:rPr lang="en-US" noProof="0" smtClean="0"/>
+              <a:t>In order to authenticate the network by the client</a:t>
+            </a:r>
+            <a:endParaRPr lang="en-US" noProof="0"/>
+          </a:p>
+        </p:txBody>
+      </p:sp>
+    </p:spTree>
+  </p:cSld>
+  <p:clrMapOvr>
+    <a:masterClrMapping/>
+  </p:clrMapOvr>
+  <p:timing>
+    <p:tnLst>
+      <p:par>
+        <p:cTn xmlns:p14="http://schemas.microsoft.com/office/powerpoint/2010/main" id="1" dur="indefinite" restart="never" nodeType="tmRoot"/>
       </p:par>
     </p:tnLst>
   </p:timing>
@@ -11361,14 +9575,19 @@
             <p:ph type="title"/>
           </p:nvPr>
         </p:nvSpPr>
-        <p:spPr/>
+        <p:spPr>
+          <a:xfrm>
+            <a:off x="457200" y="274638"/>
+            <a:ext cx="8229600" cy="850106"/>
+          </a:xfrm>
+        </p:spPr>
         <p:txBody>
           <a:bodyPr/>
           <a:lstStyle/>
           <a:p>
             <a:r>
               <a:rPr lang="en-US" noProof="0" smtClean="0"/>
-              <a:t>Aliases</a:t>
+              <a:t>Packet Transfer</a:t>
             </a:r>
             <a:endParaRPr lang="en-US" noProof="0"/>
           </a:p>
@@ -11376,7 +9595,7 @@
       </p:sp>
       <p:sp>
         <p:nvSpPr>
-          <p:cNvPr id="3" name="Content Placeholder 2"/>
+          <p:cNvPr id="5" name="Content Placeholder 2"/>
           <p:cNvSpPr>
             <a:spLocks noGrp="1"/>
           </p:cNvSpPr>
@@ -11384,31 +9603,59 @@
             <p:ph idx="1"/>
           </p:nvPr>
         </p:nvSpPr>
-        <p:spPr/>
-        <p:txBody>
-          <a:bodyPr/>
+        <p:spPr>
+          <a:xfrm>
+            <a:off x="467544" y="1124744"/>
+            <a:ext cx="8229600" cy="748680"/>
+          </a:xfrm>
+        </p:spPr>
+        <p:txBody>
+          <a:bodyPr>
+            <a:normAutofit fontScale="77500" lnSpcReduction="20000"/>
+          </a:bodyPr>
           <a:lstStyle/>
           <a:p>
             <a:r>
               <a:rPr lang="en-US" noProof="0" smtClean="0"/>
-              <a:t>Temporary identifiers for clients.</a:t>
-            </a:r>
-          </a:p>
-          <a:p>
-            <a:r>
-              <a:rPr lang="en-US" noProof="0" smtClean="0"/>
-              <a:t>By changing the aliases frequently, we provide anonymity in our system to some extent.</a:t>
-            </a:r>
-          </a:p>
-          <a:p>
-            <a:r>
-              <a:rPr lang="en-US" noProof="0" smtClean="0"/>
-              <a:t>Computed by the clients and also by the TTP (Trusted Third Party).</a:t>
+              <a:t>After mutual authentication of client and  access point, client starts to send data packets to access point.</a:t>
             </a:r>
             <a:endParaRPr lang="en-US" noProof="0"/>
           </a:p>
         </p:txBody>
       </p:sp>
+      <p:pic>
+        <p:nvPicPr>
+          <p:cNvPr id="6" name="Picture 5" descr="Macintosh HD:Users:canleloglu:Desktop:worddoc:thesisImages:protocolsInDetail:seqDiagram:pdf:packetTransfer.pdf"/>
+          <p:cNvPicPr/>
+          <p:nvPr/>
+        </p:nvPicPr>
+        <p:blipFill>
+          <a:blip r:embed="rId2" cstate="print">
+            <a:extLst>
+              <a:ext uri="{28A0092B-C50C-407E-A947-70E740481C1C}">
+                <a14:useLocalDpi xmlns:a14="http://schemas.microsoft.com/office/drawing/2010/main" val="0"/>
+              </a:ext>
+            </a:extLst>
+          </a:blip>
+          <a:srcRect/>
+          <a:stretch>
+            <a:fillRect/>
+          </a:stretch>
+        </p:blipFill>
+        <p:spPr bwMode="auto">
+          <a:xfrm>
+            <a:off x="2214546" y="1785922"/>
+            <a:ext cx="4481401" cy="5072078"/>
+          </a:xfrm>
+          <a:prstGeom prst="rect">
+            <a:avLst/>
+          </a:prstGeom>
+          <a:noFill/>
+          <a:ln>
+            <a:noFill/>
+          </a:ln>
+        </p:spPr>
+      </p:pic>
     </p:spTree>
   </p:cSld>
   <p:clrMapOvr>
@@ -11417,7 +9664,7 @@
   <p:timing>
     <p:tnLst>
       <p:par>
-        <p:cTn id="1" dur="indefinite" restart="never" nodeType="tmRoot"/>
+        <p:cTn xmlns:p14="http://schemas.microsoft.com/office/powerpoint/2010/main" id="1" dur="indefinite" restart="never" nodeType="tmRoot"/>
       </p:par>
     </p:tnLst>
   </p:timing>
